--- a/doc/3_ 설계서/UI Design Template_9_pigeon.pptx
+++ b/doc/3_ 설계서/UI Design Template_9_pigeon.pptx
@@ -154,7 +154,7 @@
   </p:defaultTextStyle>
   <p:extLst>
     <p:ext uri="{EFAFB233-063F-42B5-8137-9DF3F51BA10A}">
-      <p15:sldGuideLst xmlns="" xmlns:p15="http://schemas.microsoft.com/office/powerpoint/2012/main">
+      <p15:sldGuideLst xmlns:p15="http://schemas.microsoft.com/office/powerpoint/2012/main">
         <p15:guide id="1" orient="horz">
           <p15:clr>
             <a:srgbClr val="A4A3A4"/>
@@ -173,7 +173,7 @@
       </p15:sldGuideLst>
     </p:ext>
     <p:ext uri="{2D200454-40CA-4A62-9FC3-DE9A4176ACB9}">
-      <p15:notesGuideLst xmlns="" xmlns:p15="http://schemas.microsoft.com/office/powerpoint/2012/main">
+      <p15:notesGuideLst xmlns:p15="http://schemas.microsoft.com/office/powerpoint/2012/main">
         <p15:guide id="1" orient="horz" pos="3126">
           <p15:clr>
             <a:srgbClr val="A4A3A4"/>
@@ -1089,22 +1089,22 @@
         <a:p>
           <a:pPr latinLnBrk="1"/>
           <a:r>
-            <a:rPr lang="ko-KR" altLang="en-US" sz="1200" dirty="0" smtClean="0"/>
+            <a:rPr lang="ko-KR" altLang="en-US" sz="1000" dirty="0" smtClean="0"/>
             <a:t>기본 화면</a:t>
           </a:r>
           <a:r>
-            <a:rPr lang="en-US" altLang="ko-KR" sz="1200" dirty="0" smtClean="0"/>
+            <a:rPr lang="en-US" altLang="ko-KR" sz="1000" dirty="0" smtClean="0"/>
             <a:t>-</a:t>
           </a:r>
           <a:r>
-            <a:rPr lang="ko-KR" altLang="en-US" sz="1200" dirty="0" smtClean="0"/>
+            <a:rPr lang="ko-KR" altLang="en-US" sz="1000" dirty="0" smtClean="0"/>
             <a:t>오늘</a:t>
           </a:r>
           <a:r>
-            <a:rPr lang="en-US" altLang="ko-KR" sz="1200" dirty="0" smtClean="0"/>
+            <a:rPr lang="en-US" altLang="ko-KR" sz="1000" dirty="0" smtClean="0"/>
             <a:t>(SC01)</a:t>
           </a:r>
-          <a:endParaRPr lang="ko-KR" altLang="en-US" sz="1200" dirty="0"/>
+          <a:endParaRPr lang="ko-KR" altLang="en-US" sz="1000" dirty="0"/>
         </a:p>
       </dgm:t>
     </dgm:pt>
@@ -5085,12 +5085,12 @@
         </a:fontRef>
       </dsp:style>
       <dsp:txBody>
-        <a:bodyPr spcFirstLastPara="0" vert="horz" wrap="square" lIns="7620" tIns="7620" rIns="7620" bIns="7620" numCol="1" spcCol="1270" anchor="ctr" anchorCtr="0">
+        <a:bodyPr spcFirstLastPara="0" vert="horz" wrap="square" lIns="6350" tIns="6350" rIns="6350" bIns="6350" numCol="1" spcCol="1270" anchor="ctr" anchorCtr="0">
           <a:noAutofit/>
         </a:bodyPr>
         <a:lstStyle/>
         <a:p>
-          <a:pPr lvl="0" algn="ctr" defTabSz="533400" latinLnBrk="1">
+          <a:pPr lvl="0" algn="ctr" defTabSz="444500" latinLnBrk="1">
             <a:lnSpc>
               <a:spcPct val="90000"/>
             </a:lnSpc>
@@ -5102,22 +5102,22 @@
             </a:spcAft>
           </a:pPr>
           <a:r>
-            <a:rPr lang="ko-KR" altLang="en-US" sz="1200" kern="1200" dirty="0" smtClean="0"/>
+            <a:rPr lang="ko-KR" altLang="en-US" sz="1000" kern="1200" dirty="0" smtClean="0"/>
             <a:t>기본 화면</a:t>
           </a:r>
           <a:r>
-            <a:rPr lang="en-US" altLang="ko-KR" sz="1200" kern="1200" dirty="0" smtClean="0"/>
+            <a:rPr lang="en-US" altLang="ko-KR" sz="1000" kern="1200" dirty="0" smtClean="0"/>
             <a:t>-</a:t>
           </a:r>
           <a:r>
-            <a:rPr lang="ko-KR" altLang="en-US" sz="1200" kern="1200" dirty="0" smtClean="0"/>
+            <a:rPr lang="ko-KR" altLang="en-US" sz="1000" kern="1200" dirty="0" smtClean="0"/>
             <a:t>오늘</a:t>
           </a:r>
           <a:r>
-            <a:rPr lang="en-US" altLang="ko-KR" sz="1200" kern="1200" dirty="0" smtClean="0"/>
+            <a:rPr lang="en-US" altLang="ko-KR" sz="1000" kern="1200" dirty="0" smtClean="0"/>
             <a:t>(SC01)</a:t>
           </a:r>
-          <a:endParaRPr lang="ko-KR" altLang="en-US" sz="1200" kern="1200" dirty="0"/>
+          <a:endParaRPr lang="ko-KR" altLang="en-US" sz="1000" kern="1200" dirty="0"/>
         </a:p>
       </dsp:txBody>
       <dsp:txXfrm>
@@ -5181,12 +5181,12 @@
         </a:fontRef>
       </dsp:style>
       <dsp:txBody>
-        <a:bodyPr spcFirstLastPara="0" vert="horz" wrap="square" lIns="6985" tIns="6985" rIns="6985" bIns="6985" numCol="1" spcCol="1270" anchor="ctr" anchorCtr="0">
+        <a:bodyPr spcFirstLastPara="0" vert="horz" wrap="square" lIns="5715" tIns="5715" rIns="5715" bIns="5715" numCol="1" spcCol="1270" anchor="ctr" anchorCtr="0">
           <a:noAutofit/>
         </a:bodyPr>
         <a:lstStyle/>
         <a:p>
-          <a:pPr lvl="0" algn="ctr" defTabSz="488950" latinLnBrk="1">
+          <a:pPr lvl="0" algn="ctr" defTabSz="400050" latinLnBrk="1">
             <a:lnSpc>
               <a:spcPct val="90000"/>
             </a:lnSpc>
@@ -5198,14 +5198,14 @@
             </a:spcAft>
           </a:pPr>
           <a:r>
-            <a:rPr lang="ko-KR" altLang="en-US" sz="1100" kern="1200" dirty="0" smtClean="0"/>
+            <a:rPr lang="ko-KR" altLang="en-US" sz="900" kern="1200" dirty="0" smtClean="0"/>
             <a:t>과제</a:t>
           </a:r>
           <a:r>
-            <a:rPr lang="en-US" altLang="ko-KR" sz="1100" kern="1200" dirty="0" smtClean="0"/>
+            <a:rPr lang="en-US" altLang="ko-KR" sz="900" kern="1200" dirty="0" smtClean="0"/>
             <a:t>(SC03)</a:t>
           </a:r>
-          <a:endParaRPr lang="ko-KR" altLang="en-US" sz="1100" kern="1200" dirty="0"/>
+          <a:endParaRPr lang="ko-KR" altLang="en-US" sz="900" kern="1200" dirty="0"/>
         </a:p>
       </dsp:txBody>
       <dsp:txXfrm>
@@ -5269,12 +5269,12 @@
         </a:fontRef>
       </dsp:style>
       <dsp:txBody>
-        <a:bodyPr spcFirstLastPara="0" vert="horz" wrap="square" lIns="6985" tIns="6985" rIns="6985" bIns="6985" numCol="1" spcCol="1270" anchor="ctr" anchorCtr="0">
+        <a:bodyPr spcFirstLastPara="0" vert="horz" wrap="square" lIns="5715" tIns="5715" rIns="5715" bIns="5715" numCol="1" spcCol="1270" anchor="ctr" anchorCtr="0">
           <a:noAutofit/>
         </a:bodyPr>
         <a:lstStyle/>
         <a:p>
-          <a:pPr lvl="0" algn="ctr" defTabSz="488950" latinLnBrk="1">
+          <a:pPr lvl="0" algn="ctr" defTabSz="400050" latinLnBrk="1">
             <a:lnSpc>
               <a:spcPct val="90000"/>
             </a:lnSpc>
@@ -5286,18 +5286,18 @@
             </a:spcAft>
           </a:pPr>
           <a:r>
-            <a:rPr lang="ko-KR" altLang="en-US" sz="1100" kern="1200" dirty="0" smtClean="0"/>
+            <a:rPr lang="ko-KR" altLang="en-US" sz="900" kern="1200" dirty="0" smtClean="0"/>
             <a:t>날짜 우선</a:t>
           </a:r>
           <a:r>
-            <a:rPr lang="en-US" altLang="ko-KR" sz="1100" kern="1200" dirty="0" smtClean="0"/>
+            <a:rPr lang="en-US" altLang="ko-KR" sz="900" kern="1200" dirty="0" smtClean="0"/>
             <a:t>/ </a:t>
           </a:r>
           <a:r>
-            <a:rPr lang="ko-KR" altLang="en-US" sz="1100" kern="1200" dirty="0" smtClean="0"/>
+            <a:rPr lang="ko-KR" altLang="en-US" sz="900" kern="1200" dirty="0" smtClean="0"/>
             <a:t>그 후 중요도에 따라 출력</a:t>
           </a:r>
-          <a:endParaRPr lang="ko-KR" altLang="en-US" sz="1100" kern="1200" dirty="0"/>
+          <a:endParaRPr lang="ko-KR" altLang="en-US" sz="900" kern="1200" dirty="0"/>
         </a:p>
       </dsp:txBody>
       <dsp:txXfrm>
@@ -5361,12 +5361,12 @@
         </a:fontRef>
       </dsp:style>
       <dsp:txBody>
-        <a:bodyPr spcFirstLastPara="0" vert="horz" wrap="square" lIns="6985" tIns="6985" rIns="6985" bIns="6985" numCol="1" spcCol="1270" anchor="ctr" anchorCtr="0">
+        <a:bodyPr spcFirstLastPara="0" vert="horz" wrap="square" lIns="5715" tIns="5715" rIns="5715" bIns="5715" numCol="1" spcCol="1270" anchor="ctr" anchorCtr="0">
           <a:noAutofit/>
         </a:bodyPr>
         <a:lstStyle/>
         <a:p>
-          <a:pPr lvl="0" algn="ctr" defTabSz="488950" latinLnBrk="1">
+          <a:pPr lvl="0" algn="ctr" defTabSz="400050" latinLnBrk="1">
             <a:lnSpc>
               <a:spcPct val="90000"/>
             </a:lnSpc>
@@ -5378,10 +5378,10 @@
             </a:spcAft>
           </a:pPr>
           <a:r>
-            <a:rPr lang="ko-KR" altLang="en-US" sz="1100" kern="1200" dirty="0" smtClean="0"/>
+            <a:rPr lang="ko-KR" altLang="en-US" sz="900" kern="1200" dirty="0" smtClean="0"/>
             <a:t>출력 범위</a:t>
           </a:r>
-          <a:endParaRPr lang="ko-KR" altLang="en-US" sz="1100" kern="1200" dirty="0"/>
+          <a:endParaRPr lang="ko-KR" altLang="en-US" sz="900" kern="1200" dirty="0"/>
         </a:p>
       </dsp:txBody>
       <dsp:txXfrm>
@@ -5445,12 +5445,12 @@
         </a:fontRef>
       </dsp:style>
       <dsp:txBody>
-        <a:bodyPr spcFirstLastPara="0" vert="horz" wrap="square" lIns="6985" tIns="6985" rIns="6985" bIns="6985" numCol="1" spcCol="1270" anchor="ctr" anchorCtr="0">
+        <a:bodyPr spcFirstLastPara="0" vert="horz" wrap="square" lIns="5715" tIns="5715" rIns="5715" bIns="5715" numCol="1" spcCol="1270" anchor="ctr" anchorCtr="0">
           <a:noAutofit/>
         </a:bodyPr>
         <a:lstStyle/>
         <a:p>
-          <a:pPr lvl="0" algn="ctr" defTabSz="488950" latinLnBrk="1">
+          <a:pPr lvl="0" algn="ctr" defTabSz="400050" latinLnBrk="1">
             <a:lnSpc>
               <a:spcPct val="90000"/>
             </a:lnSpc>
@@ -5462,10 +5462,10 @@
             </a:spcAft>
           </a:pPr>
           <a:r>
-            <a:rPr lang="ko-KR" altLang="en-US" sz="1100" kern="1200" dirty="0" smtClean="0"/>
+            <a:rPr lang="ko-KR" altLang="en-US" sz="900" kern="1200" dirty="0" smtClean="0"/>
             <a:t>진행 미완</a:t>
           </a:r>
-          <a:endParaRPr lang="ko-KR" altLang="en-US" sz="1100" kern="1200" dirty="0"/>
+          <a:endParaRPr lang="ko-KR" altLang="en-US" sz="900" kern="1200" dirty="0"/>
         </a:p>
       </dsp:txBody>
       <dsp:txXfrm>
@@ -5529,12 +5529,12 @@
         </a:fontRef>
       </dsp:style>
       <dsp:txBody>
-        <a:bodyPr spcFirstLastPara="0" vert="horz" wrap="square" lIns="6985" tIns="6985" rIns="6985" bIns="6985" numCol="1" spcCol="1270" anchor="ctr" anchorCtr="0">
+        <a:bodyPr spcFirstLastPara="0" vert="horz" wrap="square" lIns="5715" tIns="5715" rIns="5715" bIns="5715" numCol="1" spcCol="1270" anchor="ctr" anchorCtr="0">
           <a:noAutofit/>
         </a:bodyPr>
         <a:lstStyle/>
         <a:p>
-          <a:pPr lvl="0" algn="ctr" defTabSz="488950" latinLnBrk="1">
+          <a:pPr lvl="0" algn="ctr" defTabSz="400050" latinLnBrk="1">
             <a:lnSpc>
               <a:spcPct val="90000"/>
             </a:lnSpc>
@@ -5546,10 +5546,10 @@
             </a:spcAft>
           </a:pPr>
           <a:r>
-            <a:rPr lang="ko-KR" altLang="en-US" sz="1100" kern="1200" dirty="0" smtClean="0"/>
+            <a:rPr lang="ko-KR" altLang="en-US" sz="900" kern="1200" dirty="0" smtClean="0"/>
             <a:t>진행 완성</a:t>
           </a:r>
-          <a:endParaRPr lang="ko-KR" altLang="en-US" sz="1100" kern="1200" dirty="0"/>
+          <a:endParaRPr lang="ko-KR" altLang="en-US" sz="900" kern="1200" dirty="0"/>
         </a:p>
       </dsp:txBody>
       <dsp:txXfrm>
@@ -5613,12 +5613,12 @@
         </a:fontRef>
       </dsp:style>
       <dsp:txBody>
-        <a:bodyPr spcFirstLastPara="0" vert="horz" wrap="square" lIns="6985" tIns="6985" rIns="6985" bIns="6985" numCol="1" spcCol="1270" anchor="ctr" anchorCtr="0">
+        <a:bodyPr spcFirstLastPara="0" vert="horz" wrap="square" lIns="5715" tIns="5715" rIns="5715" bIns="5715" numCol="1" spcCol="1270" anchor="ctr" anchorCtr="0">
           <a:noAutofit/>
         </a:bodyPr>
         <a:lstStyle/>
         <a:p>
-          <a:pPr lvl="0" algn="ctr" defTabSz="488950" latinLnBrk="1">
+          <a:pPr lvl="0" algn="ctr" defTabSz="400050" latinLnBrk="1">
             <a:lnSpc>
               <a:spcPct val="90000"/>
             </a:lnSpc>
@@ -5630,10 +5630,10 @@
             </a:spcAft>
           </a:pPr>
           <a:r>
-            <a:rPr lang="ko-KR" altLang="en-US" sz="1100" kern="1200" dirty="0" smtClean="0"/>
+            <a:rPr lang="ko-KR" altLang="en-US" sz="900" kern="1200" dirty="0" smtClean="0"/>
             <a:t>지남 미완</a:t>
           </a:r>
-          <a:endParaRPr lang="ko-KR" altLang="en-US" sz="1100" kern="1200" dirty="0"/>
+          <a:endParaRPr lang="ko-KR" altLang="en-US" sz="900" kern="1200" dirty="0"/>
         </a:p>
       </dsp:txBody>
       <dsp:txXfrm>
@@ -5697,12 +5697,12 @@
         </a:fontRef>
       </dsp:style>
       <dsp:txBody>
-        <a:bodyPr spcFirstLastPara="0" vert="horz" wrap="square" lIns="6985" tIns="6985" rIns="6985" bIns="6985" numCol="1" spcCol="1270" anchor="ctr" anchorCtr="0">
+        <a:bodyPr spcFirstLastPara="0" vert="horz" wrap="square" lIns="5715" tIns="5715" rIns="5715" bIns="5715" numCol="1" spcCol="1270" anchor="ctr" anchorCtr="0">
           <a:noAutofit/>
         </a:bodyPr>
         <a:lstStyle/>
         <a:p>
-          <a:pPr lvl="0" algn="ctr" defTabSz="488950" latinLnBrk="1">
+          <a:pPr lvl="0" algn="ctr" defTabSz="400050" latinLnBrk="1">
             <a:lnSpc>
               <a:spcPct val="90000"/>
             </a:lnSpc>
@@ -5714,10 +5714,10 @@
             </a:spcAft>
           </a:pPr>
           <a:r>
-            <a:rPr lang="ko-KR" altLang="en-US" sz="1100" kern="1200" dirty="0" smtClean="0"/>
+            <a:rPr lang="ko-KR" altLang="en-US" sz="900" kern="1200" dirty="0" smtClean="0"/>
             <a:t>지남 완성</a:t>
           </a:r>
-          <a:endParaRPr lang="ko-KR" altLang="en-US" sz="1100" kern="1200" dirty="0"/>
+          <a:endParaRPr lang="ko-KR" altLang="en-US" sz="900" kern="1200" dirty="0"/>
         </a:p>
       </dsp:txBody>
       <dsp:txXfrm>
@@ -5781,12 +5781,12 @@
         </a:fontRef>
       </dsp:style>
       <dsp:txBody>
-        <a:bodyPr spcFirstLastPara="0" vert="horz" wrap="square" lIns="6985" tIns="6985" rIns="6985" bIns="6985" numCol="1" spcCol="1270" anchor="ctr" anchorCtr="0">
+        <a:bodyPr spcFirstLastPara="0" vert="horz" wrap="square" lIns="5715" tIns="5715" rIns="5715" bIns="5715" numCol="1" spcCol="1270" anchor="ctr" anchorCtr="0">
           <a:noAutofit/>
         </a:bodyPr>
         <a:lstStyle/>
         <a:p>
-          <a:pPr lvl="0" algn="ctr" defTabSz="488950" latinLnBrk="1">
+          <a:pPr lvl="0" algn="ctr" defTabSz="400050" latinLnBrk="1">
             <a:lnSpc>
               <a:spcPct val="90000"/>
             </a:lnSpc>
@@ -5798,26 +5798,26 @@
             </a:spcAft>
           </a:pPr>
           <a:r>
-            <a:rPr lang="ko-KR" altLang="en-US" sz="1100" kern="1200" dirty="0" smtClean="0"/>
+            <a:rPr lang="ko-KR" altLang="en-US" sz="900" kern="1200" dirty="0" smtClean="0"/>
             <a:t>등록</a:t>
           </a:r>
           <a:r>
-            <a:rPr lang="en-US" altLang="ko-KR" sz="1100" kern="1200" dirty="0" smtClean="0"/>
+            <a:rPr lang="en-US" altLang="ko-KR" sz="900" kern="1200" dirty="0" smtClean="0"/>
             <a:t>(</a:t>
           </a:r>
           <a:r>
-            <a:rPr lang="en-US" altLang="ko-KR" sz="1100" kern="1200" dirty="0" err="1" smtClean="0"/>
+            <a:rPr lang="en-US" altLang="ko-KR" sz="900" kern="1200" dirty="0" err="1" smtClean="0"/>
             <a:t>ToDo</a:t>
           </a:r>
           <a:r>
-            <a:rPr lang="ko-KR" altLang="en-US" sz="1100" kern="1200" dirty="0" smtClean="0"/>
+            <a:rPr lang="ko-KR" altLang="en-US" sz="900" kern="1200" dirty="0" smtClean="0"/>
             <a:t>항목</a:t>
           </a:r>
           <a:r>
-            <a:rPr lang="en-US" altLang="ko-KR" sz="1100" kern="1200" dirty="0" smtClean="0"/>
+            <a:rPr lang="en-US" altLang="ko-KR" sz="900" kern="1200" dirty="0" smtClean="0"/>
             <a:t>)</a:t>
           </a:r>
-          <a:endParaRPr lang="ko-KR" altLang="en-US" sz="1100" kern="1200" dirty="0"/>
+          <a:endParaRPr lang="ko-KR" altLang="en-US" sz="900" kern="1200" dirty="0"/>
         </a:p>
       </dsp:txBody>
       <dsp:txXfrm>
@@ -5881,12 +5881,12 @@
         </a:fontRef>
       </dsp:style>
       <dsp:txBody>
-        <a:bodyPr spcFirstLastPara="0" vert="horz" wrap="square" lIns="6985" tIns="6985" rIns="6985" bIns="6985" numCol="1" spcCol="1270" anchor="ctr" anchorCtr="0">
+        <a:bodyPr spcFirstLastPara="0" vert="horz" wrap="square" lIns="5715" tIns="5715" rIns="5715" bIns="5715" numCol="1" spcCol="1270" anchor="ctr" anchorCtr="0">
           <a:noAutofit/>
         </a:bodyPr>
         <a:lstStyle/>
         <a:p>
-          <a:pPr lvl="0" algn="ctr" defTabSz="488950" latinLnBrk="1">
+          <a:pPr lvl="0" algn="ctr" defTabSz="400050" latinLnBrk="1">
             <a:lnSpc>
               <a:spcPct val="90000"/>
             </a:lnSpc>
@@ -5898,10 +5898,10 @@
             </a:spcAft>
           </a:pPr>
           <a:r>
-            <a:rPr lang="ko-KR" altLang="en-US" sz="1100" kern="1200" dirty="0" smtClean="0"/>
+            <a:rPr lang="ko-KR" altLang="en-US" sz="900" kern="1200" dirty="0" smtClean="0"/>
             <a:t>기능</a:t>
           </a:r>
-          <a:endParaRPr lang="ko-KR" altLang="en-US" sz="1100" kern="1200" dirty="0"/>
+          <a:endParaRPr lang="ko-KR" altLang="en-US" sz="900" kern="1200" dirty="0"/>
         </a:p>
       </dsp:txBody>
       <dsp:txXfrm>
@@ -5965,12 +5965,12 @@
         </a:fontRef>
       </dsp:style>
       <dsp:txBody>
-        <a:bodyPr spcFirstLastPara="0" vert="horz" wrap="square" lIns="6985" tIns="6985" rIns="6985" bIns="6985" numCol="1" spcCol="1270" anchor="ctr" anchorCtr="0">
+        <a:bodyPr spcFirstLastPara="0" vert="horz" wrap="square" lIns="5715" tIns="5715" rIns="5715" bIns="5715" numCol="1" spcCol="1270" anchor="ctr" anchorCtr="0">
           <a:noAutofit/>
         </a:bodyPr>
         <a:lstStyle/>
         <a:p>
-          <a:pPr lvl="0" algn="ctr" defTabSz="488950" latinLnBrk="1">
+          <a:pPr lvl="0" algn="ctr" defTabSz="400050" latinLnBrk="1">
             <a:lnSpc>
               <a:spcPct val="90000"/>
             </a:lnSpc>
@@ -5982,10 +5982,10 @@
             </a:spcAft>
           </a:pPr>
           <a:r>
-            <a:rPr lang="ko-KR" altLang="en-US" sz="1100" kern="1200" dirty="0" smtClean="0"/>
+            <a:rPr lang="ko-KR" altLang="en-US" sz="900" kern="1200" dirty="0" smtClean="0"/>
             <a:t>검색</a:t>
           </a:r>
-          <a:endParaRPr lang="ko-KR" altLang="en-US" sz="1100" kern="1200" dirty="0"/>
+          <a:endParaRPr lang="ko-KR" altLang="en-US" sz="900" kern="1200" dirty="0"/>
         </a:p>
       </dsp:txBody>
       <dsp:txXfrm>
@@ -6049,12 +6049,12 @@
         </a:fontRef>
       </dsp:style>
       <dsp:txBody>
-        <a:bodyPr spcFirstLastPara="0" vert="horz" wrap="square" lIns="6985" tIns="6985" rIns="6985" bIns="6985" numCol="1" spcCol="1270" anchor="ctr" anchorCtr="0">
+        <a:bodyPr spcFirstLastPara="0" vert="horz" wrap="square" lIns="5715" tIns="5715" rIns="5715" bIns="5715" numCol="1" spcCol="1270" anchor="ctr" anchorCtr="0">
           <a:noAutofit/>
         </a:bodyPr>
         <a:lstStyle/>
         <a:p>
-          <a:pPr lvl="0" algn="ctr" defTabSz="488950" latinLnBrk="1">
+          <a:pPr lvl="0" algn="ctr" defTabSz="400050" latinLnBrk="1">
             <a:lnSpc>
               <a:spcPct val="90000"/>
             </a:lnSpc>
@@ -6066,10 +6066,10 @@
             </a:spcAft>
           </a:pPr>
           <a:r>
-            <a:rPr lang="ko-KR" altLang="en-US" sz="1100" kern="1200" dirty="0" smtClean="0"/>
+            <a:rPr lang="ko-KR" altLang="en-US" sz="900" kern="1200" dirty="0" smtClean="0"/>
             <a:t>삽입</a:t>
           </a:r>
-          <a:endParaRPr lang="ko-KR" altLang="en-US" sz="1100" kern="1200" dirty="0"/>
+          <a:endParaRPr lang="ko-KR" altLang="en-US" sz="900" kern="1200" dirty="0"/>
         </a:p>
       </dsp:txBody>
       <dsp:txXfrm>
@@ -6133,12 +6133,12 @@
         </a:fontRef>
       </dsp:style>
       <dsp:txBody>
-        <a:bodyPr spcFirstLastPara="0" vert="horz" wrap="square" lIns="6985" tIns="6985" rIns="6985" bIns="6985" numCol="1" spcCol="1270" anchor="ctr" anchorCtr="0">
+        <a:bodyPr spcFirstLastPara="0" vert="horz" wrap="square" lIns="5715" tIns="5715" rIns="5715" bIns="5715" numCol="1" spcCol="1270" anchor="ctr" anchorCtr="0">
           <a:noAutofit/>
         </a:bodyPr>
         <a:lstStyle/>
         <a:p>
-          <a:pPr lvl="0" algn="ctr" defTabSz="488950" latinLnBrk="1">
+          <a:pPr lvl="0" algn="ctr" defTabSz="400050" latinLnBrk="1">
             <a:lnSpc>
               <a:spcPct val="90000"/>
             </a:lnSpc>
@@ -6150,10 +6150,10 @@
             </a:spcAft>
           </a:pPr>
           <a:r>
-            <a:rPr lang="ko-KR" altLang="en-US" sz="1100" kern="1200" dirty="0" smtClean="0"/>
+            <a:rPr lang="ko-KR" altLang="en-US" sz="900" kern="1200" dirty="0" smtClean="0"/>
             <a:t>삭제</a:t>
           </a:r>
-          <a:endParaRPr lang="ko-KR" altLang="en-US" sz="1100" kern="1200" dirty="0"/>
+          <a:endParaRPr lang="ko-KR" altLang="en-US" sz="900" kern="1200" dirty="0"/>
         </a:p>
       </dsp:txBody>
       <dsp:txXfrm>
@@ -6217,12 +6217,12 @@
         </a:fontRef>
       </dsp:style>
       <dsp:txBody>
-        <a:bodyPr spcFirstLastPara="0" vert="horz" wrap="square" lIns="6985" tIns="6985" rIns="6985" bIns="6985" numCol="1" spcCol="1270" anchor="ctr" anchorCtr="0">
+        <a:bodyPr spcFirstLastPara="0" vert="horz" wrap="square" lIns="5715" tIns="5715" rIns="5715" bIns="5715" numCol="1" spcCol="1270" anchor="ctr" anchorCtr="0">
           <a:noAutofit/>
         </a:bodyPr>
         <a:lstStyle/>
         <a:p>
-          <a:pPr lvl="0" algn="ctr" defTabSz="488950" latinLnBrk="1">
+          <a:pPr lvl="0" algn="ctr" defTabSz="400050" latinLnBrk="1">
             <a:lnSpc>
               <a:spcPct val="90000"/>
             </a:lnSpc>
@@ -6234,22 +6234,22 @@
             </a:spcAft>
           </a:pPr>
           <a:r>
-            <a:rPr lang="ko-KR" altLang="en-US" sz="1100" kern="1200" dirty="0" smtClean="0"/>
+            <a:rPr lang="ko-KR" altLang="en-US" sz="900" kern="1200" dirty="0" smtClean="0"/>
             <a:t>등록</a:t>
           </a:r>
           <a:r>
-            <a:rPr lang="en-US" altLang="ko-KR" sz="1100" kern="1200" dirty="0" smtClean="0"/>
+            <a:rPr lang="en-US" altLang="ko-KR" sz="900" kern="1200" dirty="0" smtClean="0"/>
             <a:t>(</a:t>
           </a:r>
           <a:r>
-            <a:rPr lang="ko-KR" altLang="en-US" sz="1100" kern="1200" dirty="0" smtClean="0"/>
+            <a:rPr lang="ko-KR" altLang="en-US" sz="900" kern="1200" dirty="0" smtClean="0"/>
             <a:t>과제</a:t>
           </a:r>
           <a:r>
-            <a:rPr lang="en-US" altLang="ko-KR" sz="1100" kern="1200" dirty="0" smtClean="0"/>
+            <a:rPr lang="en-US" altLang="ko-KR" sz="900" kern="1200" dirty="0" smtClean="0"/>
             <a:t>)</a:t>
           </a:r>
-          <a:endParaRPr lang="ko-KR" altLang="en-US" sz="1100" kern="1200" dirty="0"/>
+          <a:endParaRPr lang="ko-KR" altLang="en-US" sz="900" kern="1200" dirty="0"/>
         </a:p>
       </dsp:txBody>
       <dsp:txXfrm>
@@ -6313,12 +6313,12 @@
         </a:fontRef>
       </dsp:style>
       <dsp:txBody>
-        <a:bodyPr spcFirstLastPara="0" vert="horz" wrap="square" lIns="6985" tIns="6985" rIns="6985" bIns="6985" numCol="1" spcCol="1270" anchor="ctr" anchorCtr="0">
+        <a:bodyPr spcFirstLastPara="0" vert="horz" wrap="square" lIns="5715" tIns="5715" rIns="5715" bIns="5715" numCol="1" spcCol="1270" anchor="ctr" anchorCtr="0">
           <a:noAutofit/>
         </a:bodyPr>
         <a:lstStyle/>
         <a:p>
-          <a:pPr lvl="0" algn="ctr" defTabSz="488950" latinLnBrk="1">
+          <a:pPr lvl="0" algn="ctr" defTabSz="400050" latinLnBrk="1">
             <a:lnSpc>
               <a:spcPct val="90000"/>
             </a:lnSpc>
@@ -6330,10 +6330,10 @@
             </a:spcAft>
           </a:pPr>
           <a:r>
-            <a:rPr lang="ko-KR" altLang="en-US" sz="1100" kern="1200" dirty="0" smtClean="0"/>
+            <a:rPr lang="ko-KR" altLang="en-US" sz="900" kern="1200" dirty="0" smtClean="0"/>
             <a:t>기능</a:t>
           </a:r>
-          <a:endParaRPr lang="ko-KR" altLang="en-US" sz="1100" kern="1200" dirty="0"/>
+          <a:endParaRPr lang="ko-KR" altLang="en-US" sz="900" kern="1200" dirty="0"/>
         </a:p>
       </dsp:txBody>
       <dsp:txXfrm>
@@ -6397,12 +6397,12 @@
         </a:fontRef>
       </dsp:style>
       <dsp:txBody>
-        <a:bodyPr spcFirstLastPara="0" vert="horz" wrap="square" lIns="6985" tIns="6985" rIns="6985" bIns="6985" numCol="1" spcCol="1270" anchor="ctr" anchorCtr="0">
+        <a:bodyPr spcFirstLastPara="0" vert="horz" wrap="square" lIns="5715" tIns="5715" rIns="5715" bIns="5715" numCol="1" spcCol="1270" anchor="ctr" anchorCtr="0">
           <a:noAutofit/>
         </a:bodyPr>
         <a:lstStyle/>
         <a:p>
-          <a:pPr lvl="0" algn="ctr" defTabSz="488950" latinLnBrk="1">
+          <a:pPr lvl="0" algn="ctr" defTabSz="400050" latinLnBrk="1">
             <a:lnSpc>
               <a:spcPct val="90000"/>
             </a:lnSpc>
@@ -6414,10 +6414,10 @@
             </a:spcAft>
           </a:pPr>
           <a:r>
-            <a:rPr lang="ko-KR" altLang="en-US" sz="1100" kern="1200" dirty="0" smtClean="0"/>
+            <a:rPr lang="ko-KR" altLang="en-US" sz="900" kern="1200" dirty="0" smtClean="0"/>
             <a:t>검색</a:t>
           </a:r>
-          <a:endParaRPr lang="ko-KR" altLang="en-US" sz="1100" kern="1200" dirty="0"/>
+          <a:endParaRPr lang="ko-KR" altLang="en-US" sz="900" kern="1200" dirty="0"/>
         </a:p>
       </dsp:txBody>
       <dsp:txXfrm>
@@ -6481,12 +6481,12 @@
         </a:fontRef>
       </dsp:style>
       <dsp:txBody>
-        <a:bodyPr spcFirstLastPara="0" vert="horz" wrap="square" lIns="6985" tIns="6985" rIns="6985" bIns="6985" numCol="1" spcCol="1270" anchor="ctr" anchorCtr="0">
+        <a:bodyPr spcFirstLastPara="0" vert="horz" wrap="square" lIns="5715" tIns="5715" rIns="5715" bIns="5715" numCol="1" spcCol="1270" anchor="ctr" anchorCtr="0">
           <a:noAutofit/>
         </a:bodyPr>
         <a:lstStyle/>
         <a:p>
-          <a:pPr lvl="0" algn="ctr" defTabSz="488950" latinLnBrk="1">
+          <a:pPr lvl="0" algn="ctr" defTabSz="400050" latinLnBrk="1">
             <a:lnSpc>
               <a:spcPct val="90000"/>
             </a:lnSpc>
@@ -6498,10 +6498,10 @@
             </a:spcAft>
           </a:pPr>
           <a:r>
-            <a:rPr lang="ko-KR" altLang="en-US" sz="1100" kern="1200" dirty="0" smtClean="0"/>
+            <a:rPr lang="ko-KR" altLang="en-US" sz="900" kern="1200" dirty="0" smtClean="0"/>
             <a:t>삽입</a:t>
           </a:r>
-          <a:endParaRPr lang="ko-KR" altLang="en-US" sz="1100" kern="1200" dirty="0"/>
+          <a:endParaRPr lang="ko-KR" altLang="en-US" sz="900" kern="1200" dirty="0"/>
         </a:p>
       </dsp:txBody>
       <dsp:txXfrm>
@@ -6565,12 +6565,12 @@
         </a:fontRef>
       </dsp:style>
       <dsp:txBody>
-        <a:bodyPr spcFirstLastPara="0" vert="horz" wrap="square" lIns="6985" tIns="6985" rIns="6985" bIns="6985" numCol="1" spcCol="1270" anchor="ctr" anchorCtr="0">
+        <a:bodyPr spcFirstLastPara="0" vert="horz" wrap="square" lIns="5715" tIns="5715" rIns="5715" bIns="5715" numCol="1" spcCol="1270" anchor="ctr" anchorCtr="0">
           <a:noAutofit/>
         </a:bodyPr>
         <a:lstStyle/>
         <a:p>
-          <a:pPr lvl="0" algn="ctr" defTabSz="488950" latinLnBrk="1">
+          <a:pPr lvl="0" algn="ctr" defTabSz="400050" latinLnBrk="1">
             <a:lnSpc>
               <a:spcPct val="90000"/>
             </a:lnSpc>
@@ -6582,10 +6582,10 @@
             </a:spcAft>
           </a:pPr>
           <a:r>
-            <a:rPr lang="ko-KR" altLang="en-US" sz="1100" kern="1200" dirty="0" smtClean="0"/>
+            <a:rPr lang="ko-KR" altLang="en-US" sz="900" kern="1200" dirty="0" smtClean="0"/>
             <a:t>삭제</a:t>
           </a:r>
-          <a:endParaRPr lang="ko-KR" altLang="en-US" sz="1100" kern="1200" dirty="0"/>
+          <a:endParaRPr lang="ko-KR" altLang="en-US" sz="900" kern="1200" dirty="0"/>
         </a:p>
       </dsp:txBody>
       <dsp:txXfrm>
@@ -6649,12 +6649,12 @@
         </a:fontRef>
       </dsp:style>
       <dsp:txBody>
-        <a:bodyPr spcFirstLastPara="0" vert="horz" wrap="square" lIns="6985" tIns="6985" rIns="6985" bIns="6985" numCol="1" spcCol="1270" anchor="ctr" anchorCtr="0">
+        <a:bodyPr spcFirstLastPara="0" vert="horz" wrap="square" lIns="5715" tIns="5715" rIns="5715" bIns="5715" numCol="1" spcCol="1270" anchor="ctr" anchorCtr="0">
           <a:noAutofit/>
         </a:bodyPr>
         <a:lstStyle/>
         <a:p>
-          <a:pPr lvl="0" algn="ctr" defTabSz="488950" latinLnBrk="1">
+          <a:pPr lvl="0" algn="ctr" defTabSz="400050" latinLnBrk="1">
             <a:lnSpc>
               <a:spcPct val="90000"/>
             </a:lnSpc>
@@ -6666,10 +6666,10 @@
             </a:spcAft>
           </a:pPr>
           <a:r>
-            <a:rPr lang="ko-KR" altLang="en-US" sz="1100" kern="1200" dirty="0" smtClean="0"/>
+            <a:rPr lang="ko-KR" altLang="en-US" sz="900" kern="1200" dirty="0" smtClean="0"/>
             <a:t>오늘 할 일들을 나열</a:t>
           </a:r>
-          <a:endParaRPr lang="ko-KR" altLang="en-US" sz="1100" kern="1200" dirty="0"/>
+          <a:endParaRPr lang="ko-KR" altLang="en-US" sz="900" kern="1200" dirty="0"/>
         </a:p>
       </dsp:txBody>
       <dsp:txXfrm>
@@ -6733,12 +6733,12 @@
         </a:fontRef>
       </dsp:style>
       <dsp:txBody>
-        <a:bodyPr spcFirstLastPara="0" vert="horz" wrap="square" lIns="6985" tIns="6985" rIns="6985" bIns="6985" numCol="1" spcCol="1270" anchor="ctr" anchorCtr="0">
+        <a:bodyPr spcFirstLastPara="0" vert="horz" wrap="square" lIns="5715" tIns="5715" rIns="5715" bIns="5715" numCol="1" spcCol="1270" anchor="ctr" anchorCtr="0">
           <a:noAutofit/>
         </a:bodyPr>
         <a:lstStyle/>
         <a:p>
-          <a:pPr lvl="0" algn="ctr" defTabSz="488950" latinLnBrk="1">
+          <a:pPr lvl="0" algn="ctr" defTabSz="400050" latinLnBrk="1">
             <a:lnSpc>
               <a:spcPct val="90000"/>
             </a:lnSpc>
@@ -6750,18 +6750,18 @@
             </a:spcAft>
           </a:pPr>
           <a:r>
-            <a:rPr lang="ko-KR" altLang="en-US" sz="1100" kern="1200" dirty="0" smtClean="0"/>
+            <a:rPr lang="ko-KR" altLang="en-US" sz="900" kern="1200" dirty="0" smtClean="0"/>
             <a:t>중요한 </a:t>
           </a:r>
           <a:r>
-            <a:rPr lang="en-US" altLang="ko-KR" sz="1100" kern="1200" dirty="0" err="1" smtClean="0"/>
+            <a:rPr lang="en-US" altLang="ko-KR" sz="900" kern="1200" dirty="0" err="1" smtClean="0"/>
             <a:t>ToDo</a:t>
           </a:r>
           <a:r>
-            <a:rPr lang="ko-KR" altLang="en-US" sz="1100" kern="1200" dirty="0" smtClean="0"/>
+            <a:rPr lang="ko-KR" altLang="en-US" sz="900" kern="1200" dirty="0" smtClean="0"/>
             <a:t>항목 우선 나열</a:t>
           </a:r>
-          <a:endParaRPr lang="ko-KR" altLang="en-US" sz="1100" kern="1200" dirty="0"/>
+          <a:endParaRPr lang="ko-KR" altLang="en-US" sz="900" kern="1200" dirty="0"/>
         </a:p>
       </dsp:txBody>
       <dsp:txXfrm>
@@ -6825,12 +6825,12 @@
         </a:fontRef>
       </dsp:style>
       <dsp:txBody>
-        <a:bodyPr spcFirstLastPara="0" vert="horz" wrap="square" lIns="6985" tIns="6985" rIns="6985" bIns="6985" numCol="1" spcCol="1270" anchor="ctr" anchorCtr="0">
+        <a:bodyPr spcFirstLastPara="0" vert="horz" wrap="square" lIns="5715" tIns="5715" rIns="5715" bIns="5715" numCol="1" spcCol="1270" anchor="ctr" anchorCtr="0">
           <a:noAutofit/>
         </a:bodyPr>
         <a:lstStyle/>
         <a:p>
-          <a:pPr lvl="0" algn="ctr" defTabSz="488950" latinLnBrk="1">
+          <a:pPr lvl="0" algn="ctr" defTabSz="400050" latinLnBrk="1">
             <a:lnSpc>
               <a:spcPct val="90000"/>
             </a:lnSpc>
@@ -6842,14 +6842,14 @@
             </a:spcAft>
           </a:pPr>
           <a:r>
-            <a:rPr lang="ko-KR" altLang="en-US" sz="1100" kern="1200" dirty="0" smtClean="0"/>
+            <a:rPr lang="ko-KR" altLang="en-US" sz="900" kern="1200" dirty="0" smtClean="0"/>
             <a:t>달력</a:t>
           </a:r>
           <a:r>
-            <a:rPr lang="en-US" altLang="ko-KR" sz="1100" kern="1200" dirty="0" smtClean="0"/>
+            <a:rPr lang="en-US" altLang="ko-KR" sz="900" kern="1200" dirty="0" smtClean="0"/>
             <a:t>(SC02)</a:t>
           </a:r>
-          <a:endParaRPr lang="ko-KR" altLang="en-US" sz="1100" kern="1200" dirty="0"/>
+          <a:endParaRPr lang="ko-KR" altLang="en-US" sz="900" kern="1200" dirty="0"/>
         </a:p>
       </dsp:txBody>
       <dsp:txXfrm>
@@ -6913,12 +6913,12 @@
         </a:fontRef>
       </dsp:style>
       <dsp:txBody>
-        <a:bodyPr spcFirstLastPara="0" vert="horz" wrap="square" lIns="6985" tIns="6985" rIns="6985" bIns="6985" numCol="1" spcCol="1270" anchor="ctr" anchorCtr="0">
+        <a:bodyPr spcFirstLastPara="0" vert="horz" wrap="square" lIns="5715" tIns="5715" rIns="5715" bIns="5715" numCol="1" spcCol="1270" anchor="ctr" anchorCtr="0">
           <a:noAutofit/>
         </a:bodyPr>
         <a:lstStyle/>
         <a:p>
-          <a:pPr lvl="0" algn="ctr" defTabSz="488950" latinLnBrk="1">
+          <a:pPr lvl="0" algn="ctr" defTabSz="400050" latinLnBrk="1">
             <a:lnSpc>
               <a:spcPct val="90000"/>
             </a:lnSpc>
@@ -6930,10 +6930,10 @@
             </a:spcAft>
           </a:pPr>
           <a:r>
-            <a:rPr lang="ko-KR" altLang="en-US" sz="1100" kern="1200" dirty="0" smtClean="0"/>
+            <a:rPr lang="ko-KR" altLang="en-US" sz="900" kern="1200" dirty="0" smtClean="0"/>
             <a:t>달력 출력</a:t>
           </a:r>
-          <a:endParaRPr lang="ko-KR" altLang="en-US" sz="1100" kern="1200" dirty="0"/>
+          <a:endParaRPr lang="ko-KR" altLang="en-US" sz="900" kern="1200" dirty="0"/>
         </a:p>
       </dsp:txBody>
       <dsp:txXfrm>
@@ -6997,12 +6997,12 @@
         </a:fontRef>
       </dsp:style>
       <dsp:txBody>
-        <a:bodyPr spcFirstLastPara="0" vert="horz" wrap="square" lIns="6985" tIns="6985" rIns="6985" bIns="6985" numCol="1" spcCol="1270" anchor="ctr" anchorCtr="0">
+        <a:bodyPr spcFirstLastPara="0" vert="horz" wrap="square" lIns="5715" tIns="5715" rIns="5715" bIns="5715" numCol="1" spcCol="1270" anchor="ctr" anchorCtr="0">
           <a:noAutofit/>
         </a:bodyPr>
         <a:lstStyle/>
         <a:p>
-          <a:pPr lvl="0" algn="ctr" defTabSz="488950" latinLnBrk="1">
+          <a:pPr lvl="0" algn="ctr" defTabSz="400050" latinLnBrk="1">
             <a:lnSpc>
               <a:spcPct val="90000"/>
             </a:lnSpc>
@@ -7014,10 +7014,10 @@
             </a:spcAft>
           </a:pPr>
           <a:r>
-            <a:rPr lang="ko-KR" altLang="en-US" sz="1100" kern="1200" dirty="0" smtClean="0"/>
+            <a:rPr lang="ko-KR" altLang="en-US" sz="900" kern="1200" dirty="0" smtClean="0"/>
             <a:t>할 일이 있는 날짜에 별도의 표시</a:t>
           </a:r>
-          <a:endParaRPr lang="ko-KR" altLang="en-US" sz="1100" kern="1200" dirty="0"/>
+          <a:endParaRPr lang="ko-KR" altLang="en-US" sz="900" kern="1200" dirty="0"/>
         </a:p>
       </dsp:txBody>
       <dsp:txXfrm>
@@ -11394,8 +11394,8 @@
           <a:p>
             <a:pPr algn="r"/>
             <a:r>
-              <a:rPr lang="ko-KR" altLang="en-US" dirty="0" smtClean="0"/>
-              <a:t>팀 명</a:t>
+              <a:rPr lang="en-US" altLang="ko-KR" dirty="0" smtClean="0"/>
+              <a:t>Pigeon</a:t>
             </a:r>
             <a:endParaRPr lang="en-US" altLang="ko-KR" dirty="0"/>
           </a:p>
@@ -16167,7 +16167,7 @@
           <p:nvPr>
             <p:extLst>
               <p:ext uri="{D42A27DB-BD31-4B8C-83A1-F6EECF244321}">
-                <p14:modId xmlns:p14="http://schemas.microsoft.com/office/powerpoint/2010/main" val="3393815059"/>
+                <p14:modId xmlns:p14="http://schemas.microsoft.com/office/powerpoint/2010/main" val="2427271563"/>
               </p:ext>
             </p:extLst>
           </p:nvPr>
@@ -17069,7 +17069,7 @@
                           <a:latin typeface="맑은 고딕" pitchFamily="50" charset="-127"/>
                           <a:ea typeface="맑은 고딕" pitchFamily="50" charset="-127"/>
                         </a:rPr>
-                        <a:t>SC04</a:t>
+                        <a:t>SC05</a:t>
                       </a:r>
                       <a:endParaRPr kumimoji="1" lang="ko-KR" altLang="ko-KR" sz="900" b="0" i="0" u="none" strike="noStrike" cap="none" normalizeH="0" baseline="0" dirty="0" smtClean="0">
                         <a:ln>
@@ -19367,7 +19367,7 @@
           <p:nvPr>
             <p:extLst>
               <p:ext uri="{D42A27DB-BD31-4B8C-83A1-F6EECF244321}">
-                <p14:modId xmlns:p14="http://schemas.microsoft.com/office/powerpoint/2010/main" val="1380109753"/>
+                <p14:modId xmlns:p14="http://schemas.microsoft.com/office/powerpoint/2010/main" val="29763916"/>
               </p:ext>
             </p:extLst>
           </p:nvPr>
@@ -20269,7 +20269,7 @@
                           <a:latin typeface="맑은 고딕" pitchFamily="50" charset="-127"/>
                           <a:ea typeface="맑은 고딕" pitchFamily="50" charset="-127"/>
                         </a:rPr>
-                        <a:t>SC04</a:t>
+                        <a:t>SC05</a:t>
                       </a:r>
                       <a:endParaRPr kumimoji="1" lang="ko-KR" altLang="ko-KR" sz="900" b="0" i="0" u="none" strike="noStrike" cap="none" normalizeH="0" baseline="0" dirty="0" smtClean="0">
                         <a:ln>
@@ -22118,7 +22118,7 @@
           <p:nvPr>
             <p:extLst>
               <p:ext uri="{D42A27DB-BD31-4B8C-83A1-F6EECF244321}">
-                <p14:modId xmlns:p14="http://schemas.microsoft.com/office/powerpoint/2010/main" val="4213242827"/>
+                <p14:modId xmlns:p14="http://schemas.microsoft.com/office/powerpoint/2010/main" val="538114044"/>
               </p:ext>
             </p:extLst>
           </p:nvPr>
@@ -23020,7 +23020,7 @@
                           <a:latin typeface="맑은 고딕" pitchFamily="50" charset="-127"/>
                           <a:ea typeface="맑은 고딕" pitchFamily="50" charset="-127"/>
                         </a:rPr>
-                        <a:t>SC04</a:t>
+                        <a:t>SC05</a:t>
                       </a:r>
                       <a:endParaRPr kumimoji="1" lang="ko-KR" altLang="ko-KR" sz="900" b="0" i="0" u="none" strike="noStrike" cap="none" normalizeH="0" baseline="0" dirty="0" smtClean="0">
                         <a:ln>
@@ -24281,7 +24281,7 @@
             <p:ph idx="1"/>
             <p:extLst>
               <p:ext uri="{D42A27DB-BD31-4B8C-83A1-F6EECF244321}">
-                <p14:modId xmlns:p14="http://schemas.microsoft.com/office/powerpoint/2010/main" val="952875686"/>
+                <p14:modId xmlns:p14="http://schemas.microsoft.com/office/powerpoint/2010/main" val="3350865603"/>
               </p:ext>
             </p:extLst>
           </p:nvPr>
@@ -24557,6 +24557,16 @@
                     <a:lstStyle/>
                     <a:p>
                       <a:pPr algn="ctr" latinLnBrk="1"/>
+                      <a:r>
+                        <a:rPr lang="en-US" altLang="ko-KR" sz="1200" b="0" dirty="0" smtClean="0">
+                          <a:solidFill>
+                            <a:schemeClr val="tx1"/>
+                          </a:solidFill>
+                          <a:latin typeface="맑은 고딕" pitchFamily="50" charset="-127"/>
+                          <a:ea typeface="맑은 고딕" pitchFamily="50" charset="-127"/>
+                        </a:rPr>
+                        <a:t>2017/05/25</a:t>
+                      </a:r>
                       <a:endParaRPr lang="ko-KR" altLang="en-US" sz="1200" b="0" dirty="0">
                         <a:solidFill>
                           <a:schemeClr val="tx1"/>
@@ -24578,6 +24588,16 @@
                     <a:lstStyle/>
                     <a:p>
                       <a:pPr algn="ctr" latinLnBrk="1"/>
+                      <a:r>
+                        <a:rPr lang="en-US" altLang="ko-KR" sz="1200" b="0" dirty="0" smtClean="0">
+                          <a:solidFill>
+                            <a:schemeClr val="tx1"/>
+                          </a:solidFill>
+                          <a:latin typeface="맑은 고딕" pitchFamily="50" charset="-127"/>
+                          <a:ea typeface="맑은 고딕" pitchFamily="50" charset="-127"/>
+                        </a:rPr>
+                        <a:t>V1.0</a:t>
+                      </a:r>
                       <a:endParaRPr lang="ko-KR" altLang="en-US" sz="1200" b="0" dirty="0">
                         <a:solidFill>
                           <a:schemeClr val="tx1"/>
@@ -24599,7 +24619,17 @@
                     <a:lstStyle/>
                     <a:p>
                       <a:pPr latinLnBrk="1"/>
-                      <a:endParaRPr lang="ko-KR" altLang="en-US" sz="1200" b="0">
+                      <a:r>
+                        <a:rPr lang="ko-KR" altLang="en-US" sz="1200" b="0" dirty="0" smtClean="0">
+                          <a:solidFill>
+                            <a:schemeClr val="tx1"/>
+                          </a:solidFill>
+                          <a:latin typeface="맑은 고딕" pitchFamily="50" charset="-127"/>
+                          <a:ea typeface="맑은 고딕" pitchFamily="50" charset="-127"/>
+                        </a:rPr>
+                        <a:t>새로 생성</a:t>
+                      </a:r>
+                      <a:endParaRPr lang="ko-KR" altLang="en-US" sz="1200" b="0" dirty="0">
                         <a:solidFill>
                           <a:schemeClr val="tx1"/>
                         </a:solidFill>
@@ -24620,6 +24650,16 @@
                     <a:lstStyle/>
                     <a:p>
                       <a:pPr algn="ctr" latinLnBrk="1"/>
+                      <a:r>
+                        <a:rPr lang="ko-KR" altLang="en-US" sz="1200" b="0" dirty="0" smtClean="0">
+                          <a:solidFill>
+                            <a:schemeClr val="tx1"/>
+                          </a:solidFill>
+                          <a:latin typeface="맑은 고딕" pitchFamily="50" charset="-127"/>
+                          <a:ea typeface="맑은 고딕" pitchFamily="50" charset="-127"/>
+                        </a:rPr>
+                        <a:t>임정연</a:t>
+                      </a:r>
                       <a:endParaRPr lang="ko-KR" altLang="en-US" sz="1200" b="0" dirty="0">
                         <a:solidFill>
                           <a:schemeClr val="tx1"/>
@@ -24643,6 +24683,16 @@
                     <a:lstStyle/>
                     <a:p>
                       <a:pPr algn="ctr" latinLnBrk="1"/>
+                      <a:r>
+                        <a:rPr lang="en-US" altLang="ko-KR" sz="1200" b="0" dirty="0" smtClean="0">
+                          <a:solidFill>
+                            <a:schemeClr val="tx1"/>
+                          </a:solidFill>
+                          <a:latin typeface="맑은 고딕" pitchFamily="50" charset="-127"/>
+                          <a:ea typeface="맑은 고딕" pitchFamily="50" charset="-127"/>
+                        </a:rPr>
+                        <a:t>2017/05/25</a:t>
+                      </a:r>
                       <a:endParaRPr lang="ko-KR" altLang="en-US" sz="1200" b="0" dirty="0">
                         <a:solidFill>
                           <a:schemeClr val="tx1"/>
@@ -24664,6 +24714,16 @@
                     <a:lstStyle/>
                     <a:p>
                       <a:pPr algn="ctr" latinLnBrk="1"/>
+                      <a:r>
+                        <a:rPr lang="en-US" altLang="ko-KR" sz="1200" b="0" dirty="0" smtClean="0">
+                          <a:solidFill>
+                            <a:schemeClr val="tx1"/>
+                          </a:solidFill>
+                          <a:latin typeface="맑은 고딕" pitchFamily="50" charset="-127"/>
+                          <a:ea typeface="맑은 고딕" pitchFamily="50" charset="-127"/>
+                        </a:rPr>
+                        <a:t>V1.1</a:t>
+                      </a:r>
                       <a:endParaRPr lang="ko-KR" altLang="en-US" sz="1200" b="0" dirty="0">
                         <a:solidFill>
                           <a:schemeClr val="tx1"/>
@@ -24685,7 +24745,17 @@
                     <a:lstStyle/>
                     <a:p>
                       <a:pPr latinLnBrk="1"/>
-                      <a:endParaRPr lang="ko-KR" altLang="en-US" sz="1200" b="0">
+                      <a:r>
+                        <a:rPr lang="ko-KR" altLang="en-US" sz="1200" b="0" dirty="0" smtClean="0">
+                          <a:solidFill>
+                            <a:schemeClr val="tx1"/>
+                          </a:solidFill>
+                          <a:latin typeface="맑은 고딕" pitchFamily="50" charset="-127"/>
+                          <a:ea typeface="맑은 고딕" pitchFamily="50" charset="-127"/>
+                        </a:rPr>
+                        <a:t>약간의 오류 정정</a:t>
+                      </a:r>
+                      <a:endParaRPr lang="ko-KR" altLang="en-US" sz="1200" b="0" dirty="0">
                         <a:solidFill>
                           <a:schemeClr val="tx1"/>
                         </a:solidFill>
@@ -24706,6 +24776,16 @@
                     <a:lstStyle/>
                     <a:p>
                       <a:pPr algn="ctr" latinLnBrk="1"/>
+                      <a:r>
+                        <a:rPr lang="ko-KR" altLang="en-US" sz="1200" b="0" smtClean="0">
+                          <a:solidFill>
+                            <a:schemeClr val="tx1"/>
+                          </a:solidFill>
+                          <a:latin typeface="맑은 고딕" pitchFamily="50" charset="-127"/>
+                          <a:ea typeface="맑은 고딕" pitchFamily="50" charset="-127"/>
+                        </a:rPr>
+                        <a:t>김승현</a:t>
+                      </a:r>
                       <a:endParaRPr lang="ko-KR" altLang="en-US" sz="1200" b="0" dirty="0">
                         <a:solidFill>
                           <a:schemeClr val="tx1"/>
@@ -25211,7 +25291,7 @@
           <p:nvPr>
             <p:extLst>
               <p:ext uri="{D42A27DB-BD31-4B8C-83A1-F6EECF244321}">
-                <p14:modId xmlns:p14="http://schemas.microsoft.com/office/powerpoint/2010/main" val="1079688738"/>
+                <p14:modId xmlns:p14="http://schemas.microsoft.com/office/powerpoint/2010/main" val="3947332157"/>
               </p:ext>
             </p:extLst>
           </p:nvPr>
@@ -27676,7 +27756,7 @@
           <p:nvPr>
             <p:extLst>
               <p:ext uri="{D42A27DB-BD31-4B8C-83A1-F6EECF244321}">
-                <p14:modId xmlns:p14="http://schemas.microsoft.com/office/powerpoint/2010/main" val="289480842"/>
+                <p14:modId xmlns:p14="http://schemas.microsoft.com/office/powerpoint/2010/main" val="2439658348"/>
               </p:ext>
             </p:extLst>
           </p:nvPr>
@@ -28578,7 +28658,7 @@
                           <a:latin typeface="맑은 고딕" pitchFamily="50" charset="-127"/>
                           <a:ea typeface="맑은 고딕" pitchFamily="50" charset="-127"/>
                         </a:rPr>
-                        <a:t>SC01</a:t>
+                        <a:t>SC01, SC02</a:t>
                       </a:r>
                       <a:endParaRPr kumimoji="1" lang="ko-KR" altLang="ko-KR" sz="900" b="0" i="0" u="none" strike="noStrike" cap="none" normalizeH="0" baseline="0" dirty="0" smtClean="0">
                         <a:ln>
@@ -32532,10 +32612,9 @@
           <a:p>
             <a:pPr algn="r"/>
             <a:r>
-              <a:rPr lang="ko-KR" altLang="en-US" dirty="0" smtClean="0"/>
-              <a:t>팀 명</a:t>
+              <a:rPr lang="en-US" altLang="ko-KR" dirty="0"/>
+              <a:t>Pigeon</a:t>
             </a:r>
-            <a:endParaRPr lang="en-US" altLang="ko-KR" dirty="0"/>
           </a:p>
         </p:txBody>
       </p:sp>
@@ -33547,7 +33626,7 @@
           <p:nvPr>
             <p:extLst>
               <p:ext uri="{D42A27DB-BD31-4B8C-83A1-F6EECF244321}">
-                <p14:modId xmlns:p14="http://schemas.microsoft.com/office/powerpoint/2010/main" val="1090374272"/>
+                <p14:modId xmlns:p14="http://schemas.microsoft.com/office/powerpoint/2010/main" val="853602659"/>
               </p:ext>
             </p:extLst>
           </p:nvPr>
@@ -34478,7 +34557,7 @@
                           <a:latin typeface="맑은 고딕" pitchFamily="50" charset="-127"/>
                           <a:ea typeface="맑은 고딕" pitchFamily="50" charset="-127"/>
                         </a:rPr>
-                        <a:t>SC02</a:t>
+                        <a:t>SC04</a:t>
                       </a:r>
                       <a:endParaRPr kumimoji="1" lang="ko-KR" altLang="ko-KR" sz="900" b="0" i="0" u="none" strike="noStrike" cap="none" normalizeH="0" baseline="0" dirty="0" smtClean="0">
                         <a:ln>
@@ -35360,10 +35439,9 @@
           <a:p>
             <a:pPr algn="r"/>
             <a:r>
-              <a:rPr lang="ko-KR" altLang="en-US" dirty="0" smtClean="0"/>
-              <a:t>팀 명</a:t>
+              <a:rPr lang="en-US" altLang="ko-KR" dirty="0"/>
+              <a:t>Pigeon</a:t>
             </a:r>
-            <a:endParaRPr lang="en-US" altLang="ko-KR" dirty="0"/>
           </a:p>
         </p:txBody>
       </p:sp>
@@ -37034,7 +37112,7 @@
           <p:nvPr>
             <p:extLst>
               <p:ext uri="{D42A27DB-BD31-4B8C-83A1-F6EECF244321}">
-                <p14:modId xmlns:p14="http://schemas.microsoft.com/office/powerpoint/2010/main" val="3262684038"/>
+                <p14:modId xmlns:p14="http://schemas.microsoft.com/office/powerpoint/2010/main" val="2259568887"/>
               </p:ext>
             </p:extLst>
           </p:nvPr>
@@ -37965,7 +38043,7 @@
                           <a:latin typeface="맑은 고딕" pitchFamily="50" charset="-127"/>
                           <a:ea typeface="맑은 고딕" pitchFamily="50" charset="-127"/>
                         </a:rPr>
-                        <a:t>SC02</a:t>
+                        <a:t>SC04</a:t>
                       </a:r>
                       <a:endParaRPr kumimoji="1" lang="ko-KR" altLang="ko-KR" sz="900" b="0" i="0" u="none" strike="noStrike" cap="none" normalizeH="0" baseline="0" dirty="0" smtClean="0">
                         <a:ln>
@@ -38749,7 +38827,7 @@
           <p:nvPr>
             <p:extLst>
               <p:ext uri="{D42A27DB-BD31-4B8C-83A1-F6EECF244321}">
-                <p14:modId xmlns:p14="http://schemas.microsoft.com/office/powerpoint/2010/main" val="1884123842"/>
+                <p14:modId xmlns:p14="http://schemas.microsoft.com/office/powerpoint/2010/main" val="2277246453"/>
               </p:ext>
             </p:extLst>
           </p:nvPr>
@@ -39809,14 +39887,14 @@
                     <a:p>
                       <a:pPr latinLnBrk="1"/>
                       <a:r>
-                        <a:rPr lang="ko-KR" altLang="en-US" sz="1050" b="0" dirty="0" err="1" smtClean="0">
+                        <a:rPr lang="ko-KR" altLang="en-US" sz="1050" b="0" dirty="0" smtClean="0">
                           <a:solidFill>
                             <a:schemeClr val="tx1"/>
                           </a:solidFill>
                           <a:latin typeface="맑은 고딕" pitchFamily="50" charset="-127"/>
                           <a:ea typeface="맑은 고딕" pitchFamily="50" charset="-127"/>
                         </a:rPr>
-                        <a:t>오래걸림</a:t>
+                        <a:t>오래 걸림 </a:t>
                       </a:r>
                       <a:r>
                         <a:rPr lang="ko-KR" altLang="en-US" sz="1050" b="0" dirty="0" smtClean="0">
@@ -39826,7 +39904,7 @@
                           <a:latin typeface="맑은 고딕" pitchFamily="50" charset="-127"/>
                           <a:ea typeface="맑은 고딕" pitchFamily="50" charset="-127"/>
                         </a:rPr>
-                        <a:t> 표시</a:t>
+                        <a:t>표시</a:t>
                       </a:r>
                       <a:endParaRPr lang="en-US" altLang="ko-KR" sz="1050" b="0" dirty="0" smtClean="0">
                         <a:solidFill>
@@ -40490,10 +40568,9 @@
           <a:p>
             <a:pPr algn="r"/>
             <a:r>
-              <a:rPr lang="ko-KR" altLang="en-US" dirty="0" smtClean="0"/>
-              <a:t>팀 명</a:t>
+              <a:rPr lang="en-US" altLang="ko-KR" dirty="0"/>
+              <a:t>Pigeon</a:t>
             </a:r>
-            <a:endParaRPr lang="en-US" altLang="ko-KR" dirty="0"/>
           </a:p>
         </p:txBody>
       </p:sp>
@@ -41633,6 +41710,43 @@
                   <a:ea typeface="맑은 고딕" pitchFamily="50" charset="-127"/>
                 </a:rPr>
                 <a:t>과제는 텍스트상자에 전체 출력된다</a:t>
+              </a:r>
+              <a:r>
+                <a:rPr lang="en-US" altLang="ko-KR" sz="1050" dirty="0" smtClean="0">
+                  <a:latin typeface="맑은 고딕" pitchFamily="50" charset="-127"/>
+                  <a:ea typeface="맑은 고딕" pitchFamily="50" charset="-127"/>
+                </a:rPr>
+                <a:t>.</a:t>
+              </a:r>
+            </a:p>
+            <a:p>
+              <a:pPr algn="just">
+                <a:buFont typeface="Arial" pitchFamily="34" charset="0"/>
+                <a:buChar char="•"/>
+              </a:pPr>
+              <a:endParaRPr lang="en-US" altLang="ko-KR" sz="1050" dirty="0">
+                <a:latin typeface="맑은 고딕" pitchFamily="50" charset="-127"/>
+                <a:ea typeface="맑은 고딕" pitchFamily="50" charset="-127"/>
+              </a:endParaRPr>
+            </a:p>
+            <a:p>
+              <a:pPr algn="just">
+                <a:buFont typeface="Arial" pitchFamily="34" charset="0"/>
+                <a:buChar char="•"/>
+              </a:pPr>
+              <a:r>
+                <a:rPr lang="en-US" altLang="ko-KR" sz="1050" dirty="0">
+                  <a:latin typeface="맑은 고딕" pitchFamily="50" charset="-127"/>
+                  <a:ea typeface="맑은 고딕" pitchFamily="50" charset="-127"/>
+                </a:rPr>
+                <a:t> </a:t>
+              </a:r>
+              <a:r>
+                <a:rPr lang="ko-KR" altLang="en-US" sz="1050" dirty="0" smtClean="0">
+                  <a:latin typeface="맑은 고딕" pitchFamily="50" charset="-127"/>
+                  <a:ea typeface="맑은 고딕" pitchFamily="50" charset="-127"/>
+                </a:rPr>
+                <a:t>출력되는 과제의 순서는 중요한 과제를 우선으로 한다</a:t>
               </a:r>
               <a:r>
                 <a:rPr lang="en-US" altLang="ko-KR" sz="1050" dirty="0" smtClean="0">

--- a/doc/3_ 설계서/UI Design Template_9_pigeon.pptx
+++ b/doc/3_ 설계서/UI Design Template_9_pigeon.pptx
@@ -154,7 +154,7 @@
   </p:defaultTextStyle>
   <p:extLst>
     <p:ext uri="{EFAFB233-063F-42B5-8137-9DF3F51BA10A}">
-      <p15:sldGuideLst xmlns:p15="http://schemas.microsoft.com/office/powerpoint/2012/main">
+      <p15:sldGuideLst xmlns="" xmlns:p15="http://schemas.microsoft.com/office/powerpoint/2012/main">
         <p15:guide id="1" orient="horz">
           <p15:clr>
             <a:srgbClr val="A4A3A4"/>
@@ -173,7 +173,7 @@
       </p15:sldGuideLst>
     </p:ext>
     <p:ext uri="{2D200454-40CA-4A62-9FC3-DE9A4176ACB9}">
-      <p15:notesGuideLst xmlns:p15="http://schemas.microsoft.com/office/powerpoint/2012/main">
+      <p15:notesGuideLst xmlns="" xmlns:p15="http://schemas.microsoft.com/office/powerpoint/2012/main">
         <p15:guide id="1" orient="horz" pos="3126">
           <p15:clr>
             <a:srgbClr val="A4A3A4"/>
@@ -5181,12 +5181,12 @@
         </a:fontRef>
       </dsp:style>
       <dsp:txBody>
-        <a:bodyPr spcFirstLastPara="0" vert="horz" wrap="square" lIns="5715" tIns="5715" rIns="5715" bIns="5715" numCol="1" spcCol="1270" anchor="ctr" anchorCtr="0">
+        <a:bodyPr spcFirstLastPara="0" vert="horz" wrap="square" lIns="6985" tIns="6985" rIns="6985" bIns="6985" numCol="1" spcCol="1270" anchor="ctr" anchorCtr="0">
           <a:noAutofit/>
         </a:bodyPr>
         <a:lstStyle/>
         <a:p>
-          <a:pPr lvl="0" algn="ctr" defTabSz="400050" latinLnBrk="1">
+          <a:pPr lvl="0" algn="ctr" defTabSz="488950" latinLnBrk="1">
             <a:lnSpc>
               <a:spcPct val="90000"/>
             </a:lnSpc>
@@ -5198,14 +5198,14 @@
             </a:spcAft>
           </a:pPr>
           <a:r>
-            <a:rPr lang="ko-KR" altLang="en-US" sz="900" kern="1200" dirty="0" smtClean="0"/>
+            <a:rPr lang="ko-KR" altLang="en-US" sz="1100" kern="1200" dirty="0" smtClean="0"/>
             <a:t>과제</a:t>
           </a:r>
           <a:r>
-            <a:rPr lang="en-US" altLang="ko-KR" sz="900" kern="1200" dirty="0" smtClean="0"/>
+            <a:rPr lang="en-US" altLang="ko-KR" sz="1100" kern="1200" dirty="0" smtClean="0"/>
             <a:t>(SC03)</a:t>
           </a:r>
-          <a:endParaRPr lang="ko-KR" altLang="en-US" sz="900" kern="1200" dirty="0"/>
+          <a:endParaRPr lang="ko-KR" altLang="en-US" sz="1100" kern="1200" dirty="0"/>
         </a:p>
       </dsp:txBody>
       <dsp:txXfrm>
@@ -5269,12 +5269,12 @@
         </a:fontRef>
       </dsp:style>
       <dsp:txBody>
-        <a:bodyPr spcFirstLastPara="0" vert="horz" wrap="square" lIns="5715" tIns="5715" rIns="5715" bIns="5715" numCol="1" spcCol="1270" anchor="ctr" anchorCtr="0">
+        <a:bodyPr spcFirstLastPara="0" vert="horz" wrap="square" lIns="6985" tIns="6985" rIns="6985" bIns="6985" numCol="1" spcCol="1270" anchor="ctr" anchorCtr="0">
           <a:noAutofit/>
         </a:bodyPr>
         <a:lstStyle/>
         <a:p>
-          <a:pPr lvl="0" algn="ctr" defTabSz="400050" latinLnBrk="1">
+          <a:pPr lvl="0" algn="ctr" defTabSz="488950" latinLnBrk="1">
             <a:lnSpc>
               <a:spcPct val="90000"/>
             </a:lnSpc>
@@ -5286,18 +5286,18 @@
             </a:spcAft>
           </a:pPr>
           <a:r>
-            <a:rPr lang="ko-KR" altLang="en-US" sz="900" kern="1200" dirty="0" smtClean="0"/>
+            <a:rPr lang="ko-KR" altLang="en-US" sz="1100" kern="1200" dirty="0" smtClean="0"/>
             <a:t>날짜 우선</a:t>
           </a:r>
           <a:r>
-            <a:rPr lang="en-US" altLang="ko-KR" sz="900" kern="1200" dirty="0" smtClean="0"/>
+            <a:rPr lang="en-US" altLang="ko-KR" sz="1100" kern="1200" dirty="0" smtClean="0"/>
             <a:t>/ </a:t>
           </a:r>
           <a:r>
-            <a:rPr lang="ko-KR" altLang="en-US" sz="900" kern="1200" dirty="0" smtClean="0"/>
+            <a:rPr lang="ko-KR" altLang="en-US" sz="1100" kern="1200" dirty="0" smtClean="0"/>
             <a:t>그 후 중요도에 따라 출력</a:t>
           </a:r>
-          <a:endParaRPr lang="ko-KR" altLang="en-US" sz="900" kern="1200" dirty="0"/>
+          <a:endParaRPr lang="ko-KR" altLang="en-US" sz="1100" kern="1200" dirty="0"/>
         </a:p>
       </dsp:txBody>
       <dsp:txXfrm>
@@ -5361,12 +5361,12 @@
         </a:fontRef>
       </dsp:style>
       <dsp:txBody>
-        <a:bodyPr spcFirstLastPara="0" vert="horz" wrap="square" lIns="5715" tIns="5715" rIns="5715" bIns="5715" numCol="1" spcCol="1270" anchor="ctr" anchorCtr="0">
+        <a:bodyPr spcFirstLastPara="0" vert="horz" wrap="square" lIns="6985" tIns="6985" rIns="6985" bIns="6985" numCol="1" spcCol="1270" anchor="ctr" anchorCtr="0">
           <a:noAutofit/>
         </a:bodyPr>
         <a:lstStyle/>
         <a:p>
-          <a:pPr lvl="0" algn="ctr" defTabSz="400050" latinLnBrk="1">
+          <a:pPr lvl="0" algn="ctr" defTabSz="488950" latinLnBrk="1">
             <a:lnSpc>
               <a:spcPct val="90000"/>
             </a:lnSpc>
@@ -5378,10 +5378,10 @@
             </a:spcAft>
           </a:pPr>
           <a:r>
-            <a:rPr lang="ko-KR" altLang="en-US" sz="900" kern="1200" dirty="0" smtClean="0"/>
+            <a:rPr lang="ko-KR" altLang="en-US" sz="1100" kern="1200" dirty="0" smtClean="0"/>
             <a:t>출력 범위</a:t>
           </a:r>
-          <a:endParaRPr lang="ko-KR" altLang="en-US" sz="900" kern="1200" dirty="0"/>
+          <a:endParaRPr lang="ko-KR" altLang="en-US" sz="1100" kern="1200" dirty="0"/>
         </a:p>
       </dsp:txBody>
       <dsp:txXfrm>
@@ -5445,12 +5445,12 @@
         </a:fontRef>
       </dsp:style>
       <dsp:txBody>
-        <a:bodyPr spcFirstLastPara="0" vert="horz" wrap="square" lIns="5715" tIns="5715" rIns="5715" bIns="5715" numCol="1" spcCol="1270" anchor="ctr" anchorCtr="0">
+        <a:bodyPr spcFirstLastPara="0" vert="horz" wrap="square" lIns="6985" tIns="6985" rIns="6985" bIns="6985" numCol="1" spcCol="1270" anchor="ctr" anchorCtr="0">
           <a:noAutofit/>
         </a:bodyPr>
         <a:lstStyle/>
         <a:p>
-          <a:pPr lvl="0" algn="ctr" defTabSz="400050" latinLnBrk="1">
+          <a:pPr lvl="0" algn="ctr" defTabSz="488950" latinLnBrk="1">
             <a:lnSpc>
               <a:spcPct val="90000"/>
             </a:lnSpc>
@@ -5462,10 +5462,10 @@
             </a:spcAft>
           </a:pPr>
           <a:r>
-            <a:rPr lang="ko-KR" altLang="en-US" sz="900" kern="1200" dirty="0" smtClean="0"/>
+            <a:rPr lang="ko-KR" altLang="en-US" sz="1100" kern="1200" dirty="0" smtClean="0"/>
             <a:t>진행 미완</a:t>
           </a:r>
-          <a:endParaRPr lang="ko-KR" altLang="en-US" sz="900" kern="1200" dirty="0"/>
+          <a:endParaRPr lang="ko-KR" altLang="en-US" sz="1100" kern="1200" dirty="0"/>
         </a:p>
       </dsp:txBody>
       <dsp:txXfrm>
@@ -5529,12 +5529,12 @@
         </a:fontRef>
       </dsp:style>
       <dsp:txBody>
-        <a:bodyPr spcFirstLastPara="0" vert="horz" wrap="square" lIns="5715" tIns="5715" rIns="5715" bIns="5715" numCol="1" spcCol="1270" anchor="ctr" anchorCtr="0">
+        <a:bodyPr spcFirstLastPara="0" vert="horz" wrap="square" lIns="6985" tIns="6985" rIns="6985" bIns="6985" numCol="1" spcCol="1270" anchor="ctr" anchorCtr="0">
           <a:noAutofit/>
         </a:bodyPr>
         <a:lstStyle/>
         <a:p>
-          <a:pPr lvl="0" algn="ctr" defTabSz="400050" latinLnBrk="1">
+          <a:pPr lvl="0" algn="ctr" defTabSz="488950" latinLnBrk="1">
             <a:lnSpc>
               <a:spcPct val="90000"/>
             </a:lnSpc>
@@ -5546,10 +5546,10 @@
             </a:spcAft>
           </a:pPr>
           <a:r>
-            <a:rPr lang="ko-KR" altLang="en-US" sz="900" kern="1200" dirty="0" smtClean="0"/>
+            <a:rPr lang="ko-KR" altLang="en-US" sz="1100" kern="1200" dirty="0" smtClean="0"/>
             <a:t>진행 완성</a:t>
           </a:r>
-          <a:endParaRPr lang="ko-KR" altLang="en-US" sz="900" kern="1200" dirty="0"/>
+          <a:endParaRPr lang="ko-KR" altLang="en-US" sz="1100" kern="1200" dirty="0"/>
         </a:p>
       </dsp:txBody>
       <dsp:txXfrm>
@@ -5613,12 +5613,12 @@
         </a:fontRef>
       </dsp:style>
       <dsp:txBody>
-        <a:bodyPr spcFirstLastPara="0" vert="horz" wrap="square" lIns="5715" tIns="5715" rIns="5715" bIns="5715" numCol="1" spcCol="1270" anchor="ctr" anchorCtr="0">
+        <a:bodyPr spcFirstLastPara="0" vert="horz" wrap="square" lIns="6985" tIns="6985" rIns="6985" bIns="6985" numCol="1" spcCol="1270" anchor="ctr" anchorCtr="0">
           <a:noAutofit/>
         </a:bodyPr>
         <a:lstStyle/>
         <a:p>
-          <a:pPr lvl="0" algn="ctr" defTabSz="400050" latinLnBrk="1">
+          <a:pPr lvl="0" algn="ctr" defTabSz="488950" latinLnBrk="1">
             <a:lnSpc>
               <a:spcPct val="90000"/>
             </a:lnSpc>
@@ -5630,10 +5630,10 @@
             </a:spcAft>
           </a:pPr>
           <a:r>
-            <a:rPr lang="ko-KR" altLang="en-US" sz="900" kern="1200" dirty="0" smtClean="0"/>
+            <a:rPr lang="ko-KR" altLang="en-US" sz="1100" kern="1200" dirty="0" smtClean="0"/>
             <a:t>지남 미완</a:t>
           </a:r>
-          <a:endParaRPr lang="ko-KR" altLang="en-US" sz="900" kern="1200" dirty="0"/>
+          <a:endParaRPr lang="ko-KR" altLang="en-US" sz="1100" kern="1200" dirty="0"/>
         </a:p>
       </dsp:txBody>
       <dsp:txXfrm>
@@ -5697,12 +5697,12 @@
         </a:fontRef>
       </dsp:style>
       <dsp:txBody>
-        <a:bodyPr spcFirstLastPara="0" vert="horz" wrap="square" lIns="5715" tIns="5715" rIns="5715" bIns="5715" numCol="1" spcCol="1270" anchor="ctr" anchorCtr="0">
+        <a:bodyPr spcFirstLastPara="0" vert="horz" wrap="square" lIns="6985" tIns="6985" rIns="6985" bIns="6985" numCol="1" spcCol="1270" anchor="ctr" anchorCtr="0">
           <a:noAutofit/>
         </a:bodyPr>
         <a:lstStyle/>
         <a:p>
-          <a:pPr lvl="0" algn="ctr" defTabSz="400050" latinLnBrk="1">
+          <a:pPr lvl="0" algn="ctr" defTabSz="488950" latinLnBrk="1">
             <a:lnSpc>
               <a:spcPct val="90000"/>
             </a:lnSpc>
@@ -5714,10 +5714,10 @@
             </a:spcAft>
           </a:pPr>
           <a:r>
-            <a:rPr lang="ko-KR" altLang="en-US" sz="900" kern="1200" dirty="0" smtClean="0"/>
+            <a:rPr lang="ko-KR" altLang="en-US" sz="1100" kern="1200" dirty="0" smtClean="0"/>
             <a:t>지남 완성</a:t>
           </a:r>
-          <a:endParaRPr lang="ko-KR" altLang="en-US" sz="900" kern="1200" dirty="0"/>
+          <a:endParaRPr lang="ko-KR" altLang="en-US" sz="1100" kern="1200" dirty="0"/>
         </a:p>
       </dsp:txBody>
       <dsp:txXfrm>
@@ -5781,12 +5781,12 @@
         </a:fontRef>
       </dsp:style>
       <dsp:txBody>
-        <a:bodyPr spcFirstLastPara="0" vert="horz" wrap="square" lIns="5715" tIns="5715" rIns="5715" bIns="5715" numCol="1" spcCol="1270" anchor="ctr" anchorCtr="0">
+        <a:bodyPr spcFirstLastPara="0" vert="horz" wrap="square" lIns="6985" tIns="6985" rIns="6985" bIns="6985" numCol="1" spcCol="1270" anchor="ctr" anchorCtr="0">
           <a:noAutofit/>
         </a:bodyPr>
         <a:lstStyle/>
         <a:p>
-          <a:pPr lvl="0" algn="ctr" defTabSz="400050" latinLnBrk="1">
+          <a:pPr lvl="0" algn="ctr" defTabSz="488950" latinLnBrk="1">
             <a:lnSpc>
               <a:spcPct val="90000"/>
             </a:lnSpc>
@@ -5798,26 +5798,26 @@
             </a:spcAft>
           </a:pPr>
           <a:r>
-            <a:rPr lang="ko-KR" altLang="en-US" sz="900" kern="1200" dirty="0" smtClean="0"/>
+            <a:rPr lang="ko-KR" altLang="en-US" sz="1100" kern="1200" dirty="0" smtClean="0"/>
             <a:t>등록</a:t>
           </a:r>
           <a:r>
-            <a:rPr lang="en-US" altLang="ko-KR" sz="900" kern="1200" dirty="0" smtClean="0"/>
+            <a:rPr lang="en-US" altLang="ko-KR" sz="1100" kern="1200" dirty="0" smtClean="0"/>
             <a:t>(</a:t>
           </a:r>
           <a:r>
-            <a:rPr lang="en-US" altLang="ko-KR" sz="900" kern="1200" dirty="0" err="1" smtClean="0"/>
+            <a:rPr lang="en-US" altLang="ko-KR" sz="1100" kern="1200" dirty="0" err="1" smtClean="0"/>
             <a:t>ToDo</a:t>
           </a:r>
           <a:r>
-            <a:rPr lang="ko-KR" altLang="en-US" sz="900" kern="1200" dirty="0" smtClean="0"/>
+            <a:rPr lang="ko-KR" altLang="en-US" sz="1100" kern="1200" dirty="0" smtClean="0"/>
             <a:t>항목</a:t>
           </a:r>
           <a:r>
-            <a:rPr lang="en-US" altLang="ko-KR" sz="900" kern="1200" dirty="0" smtClean="0"/>
+            <a:rPr lang="en-US" altLang="ko-KR" sz="1100" kern="1200" dirty="0" smtClean="0"/>
             <a:t>)</a:t>
           </a:r>
-          <a:endParaRPr lang="ko-KR" altLang="en-US" sz="900" kern="1200" dirty="0"/>
+          <a:endParaRPr lang="ko-KR" altLang="en-US" sz="1100" kern="1200" dirty="0"/>
         </a:p>
       </dsp:txBody>
       <dsp:txXfrm>
@@ -5881,12 +5881,12 @@
         </a:fontRef>
       </dsp:style>
       <dsp:txBody>
-        <a:bodyPr spcFirstLastPara="0" vert="horz" wrap="square" lIns="5715" tIns="5715" rIns="5715" bIns="5715" numCol="1" spcCol="1270" anchor="ctr" anchorCtr="0">
+        <a:bodyPr spcFirstLastPara="0" vert="horz" wrap="square" lIns="6985" tIns="6985" rIns="6985" bIns="6985" numCol="1" spcCol="1270" anchor="ctr" anchorCtr="0">
           <a:noAutofit/>
         </a:bodyPr>
         <a:lstStyle/>
         <a:p>
-          <a:pPr lvl="0" algn="ctr" defTabSz="400050" latinLnBrk="1">
+          <a:pPr lvl="0" algn="ctr" defTabSz="488950" latinLnBrk="1">
             <a:lnSpc>
               <a:spcPct val="90000"/>
             </a:lnSpc>
@@ -5898,10 +5898,10 @@
             </a:spcAft>
           </a:pPr>
           <a:r>
-            <a:rPr lang="ko-KR" altLang="en-US" sz="900" kern="1200" dirty="0" smtClean="0"/>
+            <a:rPr lang="ko-KR" altLang="en-US" sz="1100" kern="1200" dirty="0" smtClean="0"/>
             <a:t>기능</a:t>
           </a:r>
-          <a:endParaRPr lang="ko-KR" altLang="en-US" sz="900" kern="1200" dirty="0"/>
+          <a:endParaRPr lang="ko-KR" altLang="en-US" sz="1100" kern="1200" dirty="0"/>
         </a:p>
       </dsp:txBody>
       <dsp:txXfrm>
@@ -5965,12 +5965,12 @@
         </a:fontRef>
       </dsp:style>
       <dsp:txBody>
-        <a:bodyPr spcFirstLastPara="0" vert="horz" wrap="square" lIns="5715" tIns="5715" rIns="5715" bIns="5715" numCol="1" spcCol="1270" anchor="ctr" anchorCtr="0">
+        <a:bodyPr spcFirstLastPara="0" vert="horz" wrap="square" lIns="6985" tIns="6985" rIns="6985" bIns="6985" numCol="1" spcCol="1270" anchor="ctr" anchorCtr="0">
           <a:noAutofit/>
         </a:bodyPr>
         <a:lstStyle/>
         <a:p>
-          <a:pPr lvl="0" algn="ctr" defTabSz="400050" latinLnBrk="1">
+          <a:pPr lvl="0" algn="ctr" defTabSz="488950" latinLnBrk="1">
             <a:lnSpc>
               <a:spcPct val="90000"/>
             </a:lnSpc>
@@ -5982,10 +5982,10 @@
             </a:spcAft>
           </a:pPr>
           <a:r>
-            <a:rPr lang="ko-KR" altLang="en-US" sz="900" kern="1200" dirty="0" smtClean="0"/>
+            <a:rPr lang="ko-KR" altLang="en-US" sz="1100" kern="1200" dirty="0" smtClean="0"/>
             <a:t>검색</a:t>
           </a:r>
-          <a:endParaRPr lang="ko-KR" altLang="en-US" sz="900" kern="1200" dirty="0"/>
+          <a:endParaRPr lang="ko-KR" altLang="en-US" sz="1100" kern="1200" dirty="0"/>
         </a:p>
       </dsp:txBody>
       <dsp:txXfrm>
@@ -6049,12 +6049,12 @@
         </a:fontRef>
       </dsp:style>
       <dsp:txBody>
-        <a:bodyPr spcFirstLastPara="0" vert="horz" wrap="square" lIns="5715" tIns="5715" rIns="5715" bIns="5715" numCol="1" spcCol="1270" anchor="ctr" anchorCtr="0">
+        <a:bodyPr spcFirstLastPara="0" vert="horz" wrap="square" lIns="6985" tIns="6985" rIns="6985" bIns="6985" numCol="1" spcCol="1270" anchor="ctr" anchorCtr="0">
           <a:noAutofit/>
         </a:bodyPr>
         <a:lstStyle/>
         <a:p>
-          <a:pPr lvl="0" algn="ctr" defTabSz="400050" latinLnBrk="1">
+          <a:pPr lvl="0" algn="ctr" defTabSz="488950" latinLnBrk="1">
             <a:lnSpc>
               <a:spcPct val="90000"/>
             </a:lnSpc>
@@ -6066,10 +6066,10 @@
             </a:spcAft>
           </a:pPr>
           <a:r>
-            <a:rPr lang="ko-KR" altLang="en-US" sz="900" kern="1200" dirty="0" smtClean="0"/>
+            <a:rPr lang="ko-KR" altLang="en-US" sz="1100" kern="1200" dirty="0" smtClean="0"/>
             <a:t>삽입</a:t>
           </a:r>
-          <a:endParaRPr lang="ko-KR" altLang="en-US" sz="900" kern="1200" dirty="0"/>
+          <a:endParaRPr lang="ko-KR" altLang="en-US" sz="1100" kern="1200" dirty="0"/>
         </a:p>
       </dsp:txBody>
       <dsp:txXfrm>
@@ -6133,12 +6133,12 @@
         </a:fontRef>
       </dsp:style>
       <dsp:txBody>
-        <a:bodyPr spcFirstLastPara="0" vert="horz" wrap="square" lIns="5715" tIns="5715" rIns="5715" bIns="5715" numCol="1" spcCol="1270" anchor="ctr" anchorCtr="0">
+        <a:bodyPr spcFirstLastPara="0" vert="horz" wrap="square" lIns="6985" tIns="6985" rIns="6985" bIns="6985" numCol="1" spcCol="1270" anchor="ctr" anchorCtr="0">
           <a:noAutofit/>
         </a:bodyPr>
         <a:lstStyle/>
         <a:p>
-          <a:pPr lvl="0" algn="ctr" defTabSz="400050" latinLnBrk="1">
+          <a:pPr lvl="0" algn="ctr" defTabSz="488950" latinLnBrk="1">
             <a:lnSpc>
               <a:spcPct val="90000"/>
             </a:lnSpc>
@@ -6150,10 +6150,10 @@
             </a:spcAft>
           </a:pPr>
           <a:r>
-            <a:rPr lang="ko-KR" altLang="en-US" sz="900" kern="1200" dirty="0" smtClean="0"/>
+            <a:rPr lang="ko-KR" altLang="en-US" sz="1100" kern="1200" dirty="0" smtClean="0"/>
             <a:t>삭제</a:t>
           </a:r>
-          <a:endParaRPr lang="ko-KR" altLang="en-US" sz="900" kern="1200" dirty="0"/>
+          <a:endParaRPr lang="ko-KR" altLang="en-US" sz="1100" kern="1200" dirty="0"/>
         </a:p>
       </dsp:txBody>
       <dsp:txXfrm>
@@ -6217,12 +6217,12 @@
         </a:fontRef>
       </dsp:style>
       <dsp:txBody>
-        <a:bodyPr spcFirstLastPara="0" vert="horz" wrap="square" lIns="5715" tIns="5715" rIns="5715" bIns="5715" numCol="1" spcCol="1270" anchor="ctr" anchorCtr="0">
+        <a:bodyPr spcFirstLastPara="0" vert="horz" wrap="square" lIns="6985" tIns="6985" rIns="6985" bIns="6985" numCol="1" spcCol="1270" anchor="ctr" anchorCtr="0">
           <a:noAutofit/>
         </a:bodyPr>
         <a:lstStyle/>
         <a:p>
-          <a:pPr lvl="0" algn="ctr" defTabSz="400050" latinLnBrk="1">
+          <a:pPr lvl="0" algn="ctr" defTabSz="488950" latinLnBrk="1">
             <a:lnSpc>
               <a:spcPct val="90000"/>
             </a:lnSpc>
@@ -6234,22 +6234,22 @@
             </a:spcAft>
           </a:pPr>
           <a:r>
-            <a:rPr lang="ko-KR" altLang="en-US" sz="900" kern="1200" dirty="0" smtClean="0"/>
+            <a:rPr lang="ko-KR" altLang="en-US" sz="1100" kern="1200" dirty="0" smtClean="0"/>
             <a:t>등록</a:t>
           </a:r>
           <a:r>
-            <a:rPr lang="en-US" altLang="ko-KR" sz="900" kern="1200" dirty="0" smtClean="0"/>
+            <a:rPr lang="en-US" altLang="ko-KR" sz="1100" kern="1200" dirty="0" smtClean="0"/>
             <a:t>(</a:t>
           </a:r>
           <a:r>
-            <a:rPr lang="ko-KR" altLang="en-US" sz="900" kern="1200" dirty="0" smtClean="0"/>
+            <a:rPr lang="ko-KR" altLang="en-US" sz="1100" kern="1200" dirty="0" smtClean="0"/>
             <a:t>과제</a:t>
           </a:r>
           <a:r>
-            <a:rPr lang="en-US" altLang="ko-KR" sz="900" kern="1200" dirty="0" smtClean="0"/>
+            <a:rPr lang="en-US" altLang="ko-KR" sz="1100" kern="1200" dirty="0" smtClean="0"/>
             <a:t>)</a:t>
           </a:r>
-          <a:endParaRPr lang="ko-KR" altLang="en-US" sz="900" kern="1200" dirty="0"/>
+          <a:endParaRPr lang="ko-KR" altLang="en-US" sz="1100" kern="1200" dirty="0"/>
         </a:p>
       </dsp:txBody>
       <dsp:txXfrm>
@@ -6313,12 +6313,12 @@
         </a:fontRef>
       </dsp:style>
       <dsp:txBody>
-        <a:bodyPr spcFirstLastPara="0" vert="horz" wrap="square" lIns="5715" tIns="5715" rIns="5715" bIns="5715" numCol="1" spcCol="1270" anchor="ctr" anchorCtr="0">
+        <a:bodyPr spcFirstLastPara="0" vert="horz" wrap="square" lIns="6985" tIns="6985" rIns="6985" bIns="6985" numCol="1" spcCol="1270" anchor="ctr" anchorCtr="0">
           <a:noAutofit/>
         </a:bodyPr>
         <a:lstStyle/>
         <a:p>
-          <a:pPr lvl="0" algn="ctr" defTabSz="400050" latinLnBrk="1">
+          <a:pPr lvl="0" algn="ctr" defTabSz="488950" latinLnBrk="1">
             <a:lnSpc>
               <a:spcPct val="90000"/>
             </a:lnSpc>
@@ -6330,10 +6330,10 @@
             </a:spcAft>
           </a:pPr>
           <a:r>
-            <a:rPr lang="ko-KR" altLang="en-US" sz="900" kern="1200" dirty="0" smtClean="0"/>
+            <a:rPr lang="ko-KR" altLang="en-US" sz="1100" kern="1200" dirty="0" smtClean="0"/>
             <a:t>기능</a:t>
           </a:r>
-          <a:endParaRPr lang="ko-KR" altLang="en-US" sz="900" kern="1200" dirty="0"/>
+          <a:endParaRPr lang="ko-KR" altLang="en-US" sz="1100" kern="1200" dirty="0"/>
         </a:p>
       </dsp:txBody>
       <dsp:txXfrm>
@@ -6397,12 +6397,12 @@
         </a:fontRef>
       </dsp:style>
       <dsp:txBody>
-        <a:bodyPr spcFirstLastPara="0" vert="horz" wrap="square" lIns="5715" tIns="5715" rIns="5715" bIns="5715" numCol="1" spcCol="1270" anchor="ctr" anchorCtr="0">
+        <a:bodyPr spcFirstLastPara="0" vert="horz" wrap="square" lIns="6985" tIns="6985" rIns="6985" bIns="6985" numCol="1" spcCol="1270" anchor="ctr" anchorCtr="0">
           <a:noAutofit/>
         </a:bodyPr>
         <a:lstStyle/>
         <a:p>
-          <a:pPr lvl="0" algn="ctr" defTabSz="400050" latinLnBrk="1">
+          <a:pPr lvl="0" algn="ctr" defTabSz="488950" latinLnBrk="1">
             <a:lnSpc>
               <a:spcPct val="90000"/>
             </a:lnSpc>
@@ -6414,10 +6414,10 @@
             </a:spcAft>
           </a:pPr>
           <a:r>
-            <a:rPr lang="ko-KR" altLang="en-US" sz="900" kern="1200" dirty="0" smtClean="0"/>
+            <a:rPr lang="ko-KR" altLang="en-US" sz="1100" kern="1200" dirty="0" smtClean="0"/>
             <a:t>검색</a:t>
           </a:r>
-          <a:endParaRPr lang="ko-KR" altLang="en-US" sz="900" kern="1200" dirty="0"/>
+          <a:endParaRPr lang="ko-KR" altLang="en-US" sz="1100" kern="1200" dirty="0"/>
         </a:p>
       </dsp:txBody>
       <dsp:txXfrm>
@@ -6481,12 +6481,12 @@
         </a:fontRef>
       </dsp:style>
       <dsp:txBody>
-        <a:bodyPr spcFirstLastPara="0" vert="horz" wrap="square" lIns="5715" tIns="5715" rIns="5715" bIns="5715" numCol="1" spcCol="1270" anchor="ctr" anchorCtr="0">
+        <a:bodyPr spcFirstLastPara="0" vert="horz" wrap="square" lIns="6985" tIns="6985" rIns="6985" bIns="6985" numCol="1" spcCol="1270" anchor="ctr" anchorCtr="0">
           <a:noAutofit/>
         </a:bodyPr>
         <a:lstStyle/>
         <a:p>
-          <a:pPr lvl="0" algn="ctr" defTabSz="400050" latinLnBrk="1">
+          <a:pPr lvl="0" algn="ctr" defTabSz="488950" latinLnBrk="1">
             <a:lnSpc>
               <a:spcPct val="90000"/>
             </a:lnSpc>
@@ -6498,10 +6498,10 @@
             </a:spcAft>
           </a:pPr>
           <a:r>
-            <a:rPr lang="ko-KR" altLang="en-US" sz="900" kern="1200" dirty="0" smtClean="0"/>
+            <a:rPr lang="ko-KR" altLang="en-US" sz="1100" kern="1200" dirty="0" smtClean="0"/>
             <a:t>삽입</a:t>
           </a:r>
-          <a:endParaRPr lang="ko-KR" altLang="en-US" sz="900" kern="1200" dirty="0"/>
+          <a:endParaRPr lang="ko-KR" altLang="en-US" sz="1100" kern="1200" dirty="0"/>
         </a:p>
       </dsp:txBody>
       <dsp:txXfrm>
@@ -6565,12 +6565,12 @@
         </a:fontRef>
       </dsp:style>
       <dsp:txBody>
-        <a:bodyPr spcFirstLastPara="0" vert="horz" wrap="square" lIns="5715" tIns="5715" rIns="5715" bIns="5715" numCol="1" spcCol="1270" anchor="ctr" anchorCtr="0">
+        <a:bodyPr spcFirstLastPara="0" vert="horz" wrap="square" lIns="6985" tIns="6985" rIns="6985" bIns="6985" numCol="1" spcCol="1270" anchor="ctr" anchorCtr="0">
           <a:noAutofit/>
         </a:bodyPr>
         <a:lstStyle/>
         <a:p>
-          <a:pPr lvl="0" algn="ctr" defTabSz="400050" latinLnBrk="1">
+          <a:pPr lvl="0" algn="ctr" defTabSz="488950" latinLnBrk="1">
             <a:lnSpc>
               <a:spcPct val="90000"/>
             </a:lnSpc>
@@ -6582,10 +6582,10 @@
             </a:spcAft>
           </a:pPr>
           <a:r>
-            <a:rPr lang="ko-KR" altLang="en-US" sz="900" kern="1200" dirty="0" smtClean="0"/>
+            <a:rPr lang="ko-KR" altLang="en-US" sz="1100" kern="1200" dirty="0" smtClean="0"/>
             <a:t>삭제</a:t>
           </a:r>
-          <a:endParaRPr lang="ko-KR" altLang="en-US" sz="900" kern="1200" dirty="0"/>
+          <a:endParaRPr lang="ko-KR" altLang="en-US" sz="1100" kern="1200" dirty="0"/>
         </a:p>
       </dsp:txBody>
       <dsp:txXfrm>
@@ -6649,12 +6649,12 @@
         </a:fontRef>
       </dsp:style>
       <dsp:txBody>
-        <a:bodyPr spcFirstLastPara="0" vert="horz" wrap="square" lIns="5715" tIns="5715" rIns="5715" bIns="5715" numCol="1" spcCol="1270" anchor="ctr" anchorCtr="0">
+        <a:bodyPr spcFirstLastPara="0" vert="horz" wrap="square" lIns="6985" tIns="6985" rIns="6985" bIns="6985" numCol="1" spcCol="1270" anchor="ctr" anchorCtr="0">
           <a:noAutofit/>
         </a:bodyPr>
         <a:lstStyle/>
         <a:p>
-          <a:pPr lvl="0" algn="ctr" defTabSz="400050" latinLnBrk="1">
+          <a:pPr lvl="0" algn="ctr" defTabSz="488950" latinLnBrk="1">
             <a:lnSpc>
               <a:spcPct val="90000"/>
             </a:lnSpc>
@@ -6666,10 +6666,10 @@
             </a:spcAft>
           </a:pPr>
           <a:r>
-            <a:rPr lang="ko-KR" altLang="en-US" sz="900" kern="1200" dirty="0" smtClean="0"/>
+            <a:rPr lang="ko-KR" altLang="en-US" sz="1100" kern="1200" dirty="0" smtClean="0"/>
             <a:t>오늘 할 일들을 나열</a:t>
           </a:r>
-          <a:endParaRPr lang="ko-KR" altLang="en-US" sz="900" kern="1200" dirty="0"/>
+          <a:endParaRPr lang="ko-KR" altLang="en-US" sz="1100" kern="1200" dirty="0"/>
         </a:p>
       </dsp:txBody>
       <dsp:txXfrm>
@@ -6733,12 +6733,12 @@
         </a:fontRef>
       </dsp:style>
       <dsp:txBody>
-        <a:bodyPr spcFirstLastPara="0" vert="horz" wrap="square" lIns="5715" tIns="5715" rIns="5715" bIns="5715" numCol="1" spcCol="1270" anchor="ctr" anchorCtr="0">
+        <a:bodyPr spcFirstLastPara="0" vert="horz" wrap="square" lIns="6985" tIns="6985" rIns="6985" bIns="6985" numCol="1" spcCol="1270" anchor="ctr" anchorCtr="0">
           <a:noAutofit/>
         </a:bodyPr>
         <a:lstStyle/>
         <a:p>
-          <a:pPr lvl="0" algn="ctr" defTabSz="400050" latinLnBrk="1">
+          <a:pPr lvl="0" algn="ctr" defTabSz="488950" latinLnBrk="1">
             <a:lnSpc>
               <a:spcPct val="90000"/>
             </a:lnSpc>
@@ -6750,18 +6750,18 @@
             </a:spcAft>
           </a:pPr>
           <a:r>
-            <a:rPr lang="ko-KR" altLang="en-US" sz="900" kern="1200" dirty="0" smtClean="0"/>
+            <a:rPr lang="ko-KR" altLang="en-US" sz="1100" kern="1200" dirty="0" smtClean="0"/>
             <a:t>중요한 </a:t>
           </a:r>
           <a:r>
-            <a:rPr lang="en-US" altLang="ko-KR" sz="900" kern="1200" dirty="0" err="1" smtClean="0"/>
+            <a:rPr lang="en-US" altLang="ko-KR" sz="1100" kern="1200" dirty="0" err="1" smtClean="0"/>
             <a:t>ToDo</a:t>
           </a:r>
           <a:r>
-            <a:rPr lang="ko-KR" altLang="en-US" sz="900" kern="1200" dirty="0" smtClean="0"/>
+            <a:rPr lang="ko-KR" altLang="en-US" sz="1100" kern="1200" dirty="0" smtClean="0"/>
             <a:t>항목 우선 나열</a:t>
           </a:r>
-          <a:endParaRPr lang="ko-KR" altLang="en-US" sz="900" kern="1200" dirty="0"/>
+          <a:endParaRPr lang="ko-KR" altLang="en-US" sz="1100" kern="1200" dirty="0"/>
         </a:p>
       </dsp:txBody>
       <dsp:txXfrm>
@@ -6825,12 +6825,12 @@
         </a:fontRef>
       </dsp:style>
       <dsp:txBody>
-        <a:bodyPr spcFirstLastPara="0" vert="horz" wrap="square" lIns="5715" tIns="5715" rIns="5715" bIns="5715" numCol="1" spcCol="1270" anchor="ctr" anchorCtr="0">
+        <a:bodyPr spcFirstLastPara="0" vert="horz" wrap="square" lIns="6985" tIns="6985" rIns="6985" bIns="6985" numCol="1" spcCol="1270" anchor="ctr" anchorCtr="0">
           <a:noAutofit/>
         </a:bodyPr>
         <a:lstStyle/>
         <a:p>
-          <a:pPr lvl="0" algn="ctr" defTabSz="400050" latinLnBrk="1">
+          <a:pPr lvl="0" algn="ctr" defTabSz="488950" latinLnBrk="1">
             <a:lnSpc>
               <a:spcPct val="90000"/>
             </a:lnSpc>
@@ -6842,14 +6842,14 @@
             </a:spcAft>
           </a:pPr>
           <a:r>
-            <a:rPr lang="ko-KR" altLang="en-US" sz="900" kern="1200" dirty="0" smtClean="0"/>
+            <a:rPr lang="ko-KR" altLang="en-US" sz="1100" kern="1200" dirty="0" smtClean="0"/>
             <a:t>달력</a:t>
           </a:r>
           <a:r>
-            <a:rPr lang="en-US" altLang="ko-KR" sz="900" kern="1200" dirty="0" smtClean="0"/>
+            <a:rPr lang="en-US" altLang="ko-KR" sz="1100" kern="1200" dirty="0" smtClean="0"/>
             <a:t>(SC02)</a:t>
           </a:r>
-          <a:endParaRPr lang="ko-KR" altLang="en-US" sz="900" kern="1200" dirty="0"/>
+          <a:endParaRPr lang="ko-KR" altLang="en-US" sz="1100" kern="1200" dirty="0"/>
         </a:p>
       </dsp:txBody>
       <dsp:txXfrm>
@@ -6913,12 +6913,12 @@
         </a:fontRef>
       </dsp:style>
       <dsp:txBody>
-        <a:bodyPr spcFirstLastPara="0" vert="horz" wrap="square" lIns="5715" tIns="5715" rIns="5715" bIns="5715" numCol="1" spcCol="1270" anchor="ctr" anchorCtr="0">
+        <a:bodyPr spcFirstLastPara="0" vert="horz" wrap="square" lIns="6985" tIns="6985" rIns="6985" bIns="6985" numCol="1" spcCol="1270" anchor="ctr" anchorCtr="0">
           <a:noAutofit/>
         </a:bodyPr>
         <a:lstStyle/>
         <a:p>
-          <a:pPr lvl="0" algn="ctr" defTabSz="400050" latinLnBrk="1">
+          <a:pPr lvl="0" algn="ctr" defTabSz="488950" latinLnBrk="1">
             <a:lnSpc>
               <a:spcPct val="90000"/>
             </a:lnSpc>
@@ -6930,10 +6930,10 @@
             </a:spcAft>
           </a:pPr>
           <a:r>
-            <a:rPr lang="ko-KR" altLang="en-US" sz="900" kern="1200" dirty="0" smtClean="0"/>
+            <a:rPr lang="ko-KR" altLang="en-US" sz="1100" kern="1200" dirty="0" smtClean="0"/>
             <a:t>달력 출력</a:t>
           </a:r>
-          <a:endParaRPr lang="ko-KR" altLang="en-US" sz="900" kern="1200" dirty="0"/>
+          <a:endParaRPr lang="ko-KR" altLang="en-US" sz="1100" kern="1200" dirty="0"/>
         </a:p>
       </dsp:txBody>
       <dsp:txXfrm>
@@ -6997,12 +6997,12 @@
         </a:fontRef>
       </dsp:style>
       <dsp:txBody>
-        <a:bodyPr spcFirstLastPara="0" vert="horz" wrap="square" lIns="5715" tIns="5715" rIns="5715" bIns="5715" numCol="1" spcCol="1270" anchor="ctr" anchorCtr="0">
+        <a:bodyPr spcFirstLastPara="0" vert="horz" wrap="square" lIns="6985" tIns="6985" rIns="6985" bIns="6985" numCol="1" spcCol="1270" anchor="ctr" anchorCtr="0">
           <a:noAutofit/>
         </a:bodyPr>
         <a:lstStyle/>
         <a:p>
-          <a:pPr lvl="0" algn="ctr" defTabSz="400050" latinLnBrk="1">
+          <a:pPr lvl="0" algn="ctr" defTabSz="488950" latinLnBrk="1">
             <a:lnSpc>
               <a:spcPct val="90000"/>
             </a:lnSpc>
@@ -7014,10 +7014,10 @@
             </a:spcAft>
           </a:pPr>
           <a:r>
-            <a:rPr lang="ko-KR" altLang="en-US" sz="900" kern="1200" dirty="0" smtClean="0"/>
+            <a:rPr lang="ko-KR" altLang="en-US" sz="1100" kern="1200" dirty="0" smtClean="0"/>
             <a:t>할 일이 있는 날짜에 별도의 표시</a:t>
           </a:r>
-          <a:endParaRPr lang="ko-KR" altLang="en-US" sz="900" kern="1200" dirty="0"/>
+          <a:endParaRPr lang="ko-KR" altLang="en-US" sz="1100" kern="1200" dirty="0"/>
         </a:p>
       </dsp:txBody>
       <dsp:txXfrm>
@@ -14628,7 +14628,7 @@
       </p:graphicFrame>
       <p:pic>
         <p:nvPicPr>
-          <p:cNvPr id="3074" name="Picture 2"/>
+          <p:cNvPr id="3" name="Picture 2"/>
           <p:cNvPicPr>
             <a:picLocks noChangeAspect="1" noChangeArrowheads="1"/>
           </p:cNvPicPr>
@@ -14649,8 +14649,8 @@
         </p:blipFill>
         <p:spPr bwMode="auto">
           <a:xfrm>
-            <a:off x="243504" y="1251249"/>
-            <a:ext cx="4095750" cy="4914900"/>
+            <a:off x="451428" y="1293096"/>
+            <a:ext cx="3835026" cy="4882283"/>
           </a:xfrm>
           <a:prstGeom prst="rect">
             <a:avLst/>
@@ -24281,7 +24281,7 @@
             <p:ph idx="1"/>
             <p:extLst>
               <p:ext uri="{D42A27DB-BD31-4B8C-83A1-F6EECF244321}">
-                <p14:modId xmlns:p14="http://schemas.microsoft.com/office/powerpoint/2010/main" val="3350865603"/>
+                <p14:modId xmlns:p14="http://schemas.microsoft.com/office/powerpoint/2010/main" val="1319916694"/>
               </p:ext>
             </p:extLst>
           </p:nvPr>
@@ -24809,7 +24809,17 @@
                     <a:lstStyle/>
                     <a:p>
                       <a:pPr algn="ctr" latinLnBrk="1"/>
-                      <a:endParaRPr lang="ko-KR" altLang="en-US" sz="1200" b="0">
+                      <a:r>
+                        <a:rPr lang="en-US" altLang="ko-KR" sz="1200" b="0" dirty="0" smtClean="0">
+                          <a:solidFill>
+                            <a:schemeClr val="tx1"/>
+                          </a:solidFill>
+                          <a:latin typeface="맑은 고딕" pitchFamily="50" charset="-127"/>
+                          <a:ea typeface="맑은 고딕" pitchFamily="50" charset="-127"/>
+                        </a:rPr>
+                        <a:t>2017/05/26</a:t>
+                      </a:r>
+                      <a:endParaRPr lang="ko-KR" altLang="en-US" sz="1200" b="0" dirty="0">
                         <a:solidFill>
                           <a:schemeClr val="tx1"/>
                         </a:solidFill>
@@ -24830,6 +24840,16 @@
                     <a:lstStyle/>
                     <a:p>
                       <a:pPr algn="ctr" latinLnBrk="1"/>
+                      <a:r>
+                        <a:rPr lang="en-US" altLang="ko-KR" sz="1200" b="0" dirty="0" smtClean="0">
+                          <a:solidFill>
+                            <a:schemeClr val="tx1"/>
+                          </a:solidFill>
+                          <a:latin typeface="맑은 고딕" pitchFamily="50" charset="-127"/>
+                          <a:ea typeface="맑은 고딕" pitchFamily="50" charset="-127"/>
+                        </a:rPr>
+                        <a:t>V1.2</a:t>
+                      </a:r>
                       <a:endParaRPr lang="ko-KR" altLang="en-US" sz="1200" b="0" dirty="0">
                         <a:solidFill>
                           <a:schemeClr val="tx1"/>
@@ -24851,6 +24871,16 @@
                     <a:lstStyle/>
                     <a:p>
                       <a:pPr latinLnBrk="1"/>
+                      <a:r>
+                        <a:rPr lang="ko-KR" altLang="en-US" sz="1200" b="0" dirty="0" smtClean="0">
+                          <a:solidFill>
+                            <a:schemeClr val="tx1"/>
+                          </a:solidFill>
+                          <a:latin typeface="맑은 고딕" pitchFamily="50" charset="-127"/>
+                          <a:ea typeface="맑은 고딕" pitchFamily="50" charset="-127"/>
+                        </a:rPr>
+                        <a:t>약간의 오류 정정</a:t>
+                      </a:r>
                       <a:endParaRPr lang="ko-KR" altLang="en-US" sz="1200" b="0" dirty="0">
                         <a:solidFill>
                           <a:schemeClr val="tx1"/>
@@ -24872,6 +24902,16 @@
                     <a:lstStyle/>
                     <a:p>
                       <a:pPr algn="ctr" latinLnBrk="1"/>
+                      <a:r>
+                        <a:rPr lang="ko-KR" altLang="en-US" sz="1200" b="0" dirty="0" smtClean="0">
+                          <a:solidFill>
+                            <a:schemeClr val="tx1"/>
+                          </a:solidFill>
+                          <a:latin typeface="맑은 고딕" pitchFamily="50" charset="-127"/>
+                          <a:ea typeface="맑은 고딕" pitchFamily="50" charset="-127"/>
+                        </a:rPr>
+                        <a:t>임정연</a:t>
+                      </a:r>
                       <a:endParaRPr lang="ko-KR" altLang="en-US" sz="1200" b="0" dirty="0">
                         <a:solidFill>
                           <a:schemeClr val="tx1"/>
@@ -25385,8 +25425,8 @@
           <a:p>
             <a:pPr algn="r"/>
             <a:r>
-              <a:rPr lang="ko-KR" altLang="en-US" smtClean="0"/>
-              <a:t>팀 명</a:t>
+              <a:rPr lang="en-US" altLang="ko-KR" dirty="0" smtClean="0"/>
+              <a:t>Pigeon</a:t>
             </a:r>
             <a:endParaRPr lang="en-US" altLang="ko-KR" dirty="0"/>
           </a:p>
@@ -35335,14 +35375,14 @@
       </p:graphicFrame>
       <p:pic>
         <p:nvPicPr>
-          <p:cNvPr id="2050" name="Picture 2"/>
+          <p:cNvPr id="3" name="Picture 2"/>
           <p:cNvPicPr>
             <a:picLocks noChangeAspect="1" noChangeArrowheads="1"/>
           </p:cNvPicPr>
           <p:nvPr/>
         </p:nvPicPr>
         <p:blipFill>
-          <a:blip r:embed="rId2">
+          <a:blip r:embed="rId2" cstate="print">
             <a:extLst>
               <a:ext uri="{28A0092B-C50C-407E-A947-70E740481C1C}">
                 <a14:useLocalDpi xmlns:a14="http://schemas.microsoft.com/office/drawing/2010/main" val="0"/>
@@ -35356,8 +35396,8 @@
         </p:blipFill>
         <p:spPr bwMode="auto">
           <a:xfrm>
-            <a:off x="1719093" y="1208230"/>
-            <a:ext cx="5790061" cy="2810775"/>
+            <a:off x="993791" y="1194458"/>
+            <a:ext cx="7144097" cy="2778260"/>
           </a:xfrm>
           <a:prstGeom prst="rect">
             <a:avLst/>
@@ -39894,17 +39934,7 @@
                           <a:latin typeface="맑은 고딕" pitchFamily="50" charset="-127"/>
                           <a:ea typeface="맑은 고딕" pitchFamily="50" charset="-127"/>
                         </a:rPr>
-                        <a:t>오래 걸림 </a:t>
-                      </a:r>
-                      <a:r>
-                        <a:rPr lang="ko-KR" altLang="en-US" sz="1050" b="0" dirty="0" smtClean="0">
-                          <a:solidFill>
-                            <a:schemeClr val="tx1"/>
-                          </a:solidFill>
-                          <a:latin typeface="맑은 고딕" pitchFamily="50" charset="-127"/>
-                          <a:ea typeface="맑은 고딕" pitchFamily="50" charset="-127"/>
-                        </a:rPr>
-                        <a:t>표시</a:t>
+                        <a:t>오래 걸림 표시</a:t>
                       </a:r>
                       <a:endParaRPr lang="en-US" altLang="ko-KR" sz="1050" b="0" dirty="0" smtClean="0">
                         <a:solidFill>
@@ -40469,7 +40499,7 @@
       </p:graphicFrame>
       <p:pic>
         <p:nvPicPr>
-          <p:cNvPr id="1027" name="Picture 3"/>
+          <p:cNvPr id="4098" name="Picture 2"/>
           <p:cNvPicPr>
             <a:picLocks noChangeAspect="1" noChangeArrowheads="1"/>
           </p:cNvPicPr>
@@ -40490,8 +40520,8 @@
         </p:blipFill>
         <p:spPr bwMode="auto">
           <a:xfrm>
-            <a:off x="1908886" y="1136978"/>
-            <a:ext cx="5320251" cy="2403093"/>
+            <a:off x="1505036" y="1130734"/>
+            <a:ext cx="6049132" cy="2462711"/>
           </a:xfrm>
           <a:prstGeom prst="rect">
             <a:avLst/>
@@ -43466,7 +43496,7 @@
       </p:graphicFrame>
       <p:pic>
         <p:nvPicPr>
-          <p:cNvPr id="4098" name="Picture 2"/>
+          <p:cNvPr id="1026" name="Picture 2"/>
           <p:cNvPicPr>
             <a:picLocks noChangeAspect="1" noChangeArrowheads="1"/>
           </p:cNvPicPr>
@@ -43487,8 +43517,8 @@
         </p:blipFill>
         <p:spPr bwMode="auto">
           <a:xfrm>
-            <a:off x="327100" y="1294049"/>
-            <a:ext cx="4057650" cy="4895850"/>
+            <a:off x="517241" y="1285147"/>
+            <a:ext cx="3678133" cy="4854074"/>
           </a:xfrm>
           <a:prstGeom prst="rect">
             <a:avLst/>

--- a/doc/3_ 설계서/UI Design Template_9_pigeon.pptx
+++ b/doc/3_ 설계서/UI Design Template_9_pigeon.pptx
@@ -154,7 +154,7 @@
   </p:defaultTextStyle>
   <p:extLst>
     <p:ext uri="{EFAFB233-063F-42B5-8137-9DF3F51BA10A}">
-      <p15:sldGuideLst xmlns="" xmlns:p15="http://schemas.microsoft.com/office/powerpoint/2012/main">
+      <p15:sldGuideLst xmlns:p15="http://schemas.microsoft.com/office/powerpoint/2012/main">
         <p15:guide id="1" orient="horz">
           <p15:clr>
             <a:srgbClr val="A4A3A4"/>
@@ -173,7 +173,7 @@
       </p15:sldGuideLst>
     </p:ext>
     <p:ext uri="{2D200454-40CA-4A62-9FC3-DE9A4176ACB9}">
-      <p15:notesGuideLst xmlns="" xmlns:p15="http://schemas.microsoft.com/office/powerpoint/2012/main">
+      <p15:notesGuideLst xmlns:p15="http://schemas.microsoft.com/office/powerpoint/2012/main">
         <p15:guide id="1" orient="horz" pos="3126">
           <p15:clr>
             <a:srgbClr val="A4A3A4"/>

--- a/doc/3_ 설계서/UI Design Template_9_pigeon.pptx
+++ b/doc/3_ 설계서/UI Design Template_9_pigeon.pptx
@@ -18,9 +18,9 @@
     <p:sldId id="267" r:id="rId6"/>
     <p:sldId id="268" r:id="rId7"/>
     <p:sldId id="271" r:id="rId8"/>
-    <p:sldId id="272" r:id="rId9"/>
-    <p:sldId id="273" r:id="rId10"/>
-    <p:sldId id="274" r:id="rId11"/>
+    <p:sldId id="275" r:id="rId9"/>
+    <p:sldId id="276" r:id="rId10"/>
+    <p:sldId id="277" r:id="rId11"/>
     <p:sldId id="264" r:id="rId12"/>
     <p:sldId id="265" r:id="rId13"/>
     <p:sldId id="266" r:id="rId14"/>
@@ -154,7 +154,7 @@
   </p:defaultTextStyle>
   <p:extLst>
     <p:ext uri="{EFAFB233-063F-42B5-8137-9DF3F51BA10A}">
-      <p15:sldGuideLst xmlns:p15="http://schemas.microsoft.com/office/powerpoint/2012/main">
+      <p15:sldGuideLst xmlns:p15="http://schemas.microsoft.com/office/powerpoint/2012/main" xmlns="">
         <p15:guide id="1" orient="horz">
           <p15:clr>
             <a:srgbClr val="A4A3A4"/>
@@ -173,7 +173,7 @@
       </p15:sldGuideLst>
     </p:ext>
     <p:ext uri="{2D200454-40CA-4A62-9FC3-DE9A4176ACB9}">
-      <p15:notesGuideLst xmlns:p15="http://schemas.microsoft.com/office/powerpoint/2012/main">
+      <p15:notesGuideLst xmlns:p15="http://schemas.microsoft.com/office/powerpoint/2012/main" xmlns="">
         <p15:guide id="1" orient="horz" pos="3126">
           <p15:clr>
             <a:srgbClr val="A4A3A4"/>
@@ -10559,6 +10559,302 @@
 </p:sldLayout>
 </file>
 
+<file path=ppt/slideLayouts/slideLayout4.xml><?xml version="1.0" encoding="utf-8"?>
+<p:sldLayout xmlns:a="http://schemas.openxmlformats.org/drawingml/2006/main" xmlns:r="http://schemas.openxmlformats.org/officeDocument/2006/relationships" xmlns:p="http://schemas.openxmlformats.org/presentationml/2006/main" userDrawn="1">
+  <p:cSld name="2_제목 및 내용">
+    <p:spTree>
+      <p:nvGrpSpPr>
+        <p:cNvPr id="1" name=""/>
+        <p:cNvGrpSpPr/>
+        <p:nvPr/>
+      </p:nvGrpSpPr>
+      <p:grpSpPr>
+        <a:xfrm>
+          <a:off x="0" y="0"/>
+          <a:ext cx="0" cy="0"/>
+          <a:chOff x="0" y="0"/>
+          <a:chExt cx="0" cy="0"/>
+        </a:xfrm>
+      </p:grpSpPr>
+      <p:sp>
+        <p:nvSpPr>
+          <p:cNvPr id="8" name="Rectangle 1034"/>
+          <p:cNvSpPr>
+            <a:spLocks noGrp="1" noChangeArrowheads="1"/>
+          </p:cNvSpPr>
+          <p:nvPr>
+            <p:ph type="ftr" sz="quarter" idx="3"/>
+          </p:nvPr>
+        </p:nvSpPr>
+        <p:spPr bwMode="black">
+          <a:xfrm>
+            <a:off x="6061745" y="6464300"/>
+            <a:ext cx="2798763" cy="300038"/>
+          </a:xfrm>
+          <a:prstGeom prst="rect">
+            <a:avLst/>
+          </a:prstGeom>
+          <a:noFill/>
+          <a:ln w="9525">
+            <a:noFill/>
+            <a:miter lim="800000"/>
+            <a:headEnd/>
+            <a:tailEnd/>
+          </a:ln>
+          <a:effectLst/>
+        </p:spPr>
+        <p:txBody>
+          <a:bodyPr vert="horz" wrap="square" lIns="0" tIns="0" rIns="0" bIns="0" numCol="1" anchor="ctr" anchorCtr="0" compatLnSpc="1">
+            <a:prstTxWarp prst="textNoShape">
+              <a:avLst/>
+            </a:prstTxWarp>
+          </a:bodyPr>
+          <a:lstStyle>
+            <a:lvl1pPr>
+              <a:defRPr sz="900" i="1" baseline="0">
+                <a:solidFill>
+                  <a:srgbClr val="000066"/>
+                </a:solidFill>
+                <a:latin typeface="Times New Roman" charset="0"/>
+                <a:ea typeface="굴림" pitchFamily="50" charset="-127"/>
+              </a:defRPr>
+            </a:lvl1pPr>
+          </a:lstStyle>
+          <a:p>
+            <a:pPr algn="r"/>
+            <a:r>
+              <a:rPr lang="ko-KR" altLang="en-US" dirty="0" smtClean="0"/>
+              <a:t>팀 명</a:t>
+            </a:r>
+            <a:endParaRPr lang="en-US" altLang="ko-KR" dirty="0"/>
+          </a:p>
+        </p:txBody>
+      </p:sp>
+      <p:sp>
+        <p:nvSpPr>
+          <p:cNvPr id="9" name="직사각형 8"/>
+          <p:cNvSpPr/>
+          <p:nvPr userDrawn="1"/>
+        </p:nvSpPr>
+        <p:spPr bwMode="auto">
+          <a:xfrm>
+            <a:off x="101602" y="1101012"/>
+            <a:ext cx="8933342" cy="5257843"/>
+          </a:xfrm>
+          <a:prstGeom prst="rect">
+            <a:avLst/>
+          </a:prstGeom>
+          <a:noFill/>
+          <a:ln w="9525" cap="flat" cmpd="sng" algn="ctr">
+            <a:solidFill>
+              <a:schemeClr val="tx1"/>
+            </a:solidFill>
+            <a:prstDash val="solid"/>
+            <a:round/>
+            <a:headEnd type="none" w="med" len="med"/>
+            <a:tailEnd type="none" w="med" len="med"/>
+          </a:ln>
+          <a:effectLst/>
+        </p:spPr>
+        <p:txBody>
+          <a:bodyPr vert="horz" wrap="none" lIns="90000" tIns="46800" rIns="90000" bIns="46800" numCol="1" rtlCol="0" anchor="ctr" anchorCtr="0" compatLnSpc="1">
+            <a:prstTxWarp prst="textNoShape">
+              <a:avLst/>
+            </a:prstTxWarp>
+          </a:bodyPr>
+          <a:lstStyle/>
+          <a:p>
+            <a:pPr marL="0" marR="0" indent="0" algn="l" defTabSz="914400" rtl="0" eaLnBrk="0" fontAlgn="base" latinLnBrk="0" hangingPunct="0">
+              <a:lnSpc>
+                <a:spcPct val="100000"/>
+              </a:lnSpc>
+              <a:spcBef>
+                <a:spcPct val="0"/>
+              </a:spcBef>
+              <a:spcAft>
+                <a:spcPct val="0"/>
+              </a:spcAft>
+              <a:buClrTx/>
+              <a:buSzTx/>
+              <a:buFontTx/>
+              <a:buNone/>
+              <a:tabLst/>
+            </a:pPr>
+            <a:endParaRPr kumimoji="0" lang="ko-KR" altLang="en-US" sz="1400" b="0" i="0" u="none" strike="noStrike" cap="none" normalizeH="0" baseline="0" smtClean="0">
+              <a:ln>
+                <a:noFill/>
+              </a:ln>
+              <a:solidFill>
+                <a:schemeClr val="tx1"/>
+              </a:solidFill>
+              <a:effectLst/>
+              <a:latin typeface="Arial" charset="0"/>
+              <a:ea typeface="HY울릉도M" pitchFamily="18" charset="-127"/>
+            </a:endParaRPr>
+          </a:p>
+        </p:txBody>
+      </p:sp>
+    </p:spTree>
+    <p:extLst>
+      <p:ext uri="{BB962C8B-B14F-4D97-AF65-F5344CB8AC3E}">
+        <p14:creationId xmlns:p14="http://schemas.microsoft.com/office/powerpoint/2010/main" val="4275661615"/>
+      </p:ext>
+    </p:extLst>
+  </p:cSld>
+  <p:clrMapOvr>
+    <a:masterClrMapping/>
+  </p:clrMapOvr>
+</p:sldLayout>
+</file>
+
+<file path=ppt/slideLayouts/slideLayout5.xml><?xml version="1.0" encoding="utf-8"?>
+<p:sldLayout xmlns:a="http://schemas.openxmlformats.org/drawingml/2006/main" xmlns:r="http://schemas.openxmlformats.org/officeDocument/2006/relationships" xmlns:p="http://schemas.openxmlformats.org/presentationml/2006/main" userDrawn="1">
+  <p:cSld name="3_제목 및 내용">
+    <p:spTree>
+      <p:nvGrpSpPr>
+        <p:cNvPr id="1" name=""/>
+        <p:cNvGrpSpPr/>
+        <p:nvPr/>
+      </p:nvGrpSpPr>
+      <p:grpSpPr>
+        <a:xfrm>
+          <a:off x="0" y="0"/>
+          <a:ext cx="0" cy="0"/>
+          <a:chOff x="0" y="0"/>
+          <a:chExt cx="0" cy="0"/>
+        </a:xfrm>
+      </p:grpSpPr>
+      <p:sp>
+        <p:nvSpPr>
+          <p:cNvPr id="8" name="Rectangle 1034"/>
+          <p:cNvSpPr>
+            <a:spLocks noGrp="1" noChangeArrowheads="1"/>
+          </p:cNvSpPr>
+          <p:nvPr>
+            <p:ph type="ftr" sz="quarter" idx="3"/>
+          </p:nvPr>
+        </p:nvSpPr>
+        <p:spPr bwMode="black">
+          <a:xfrm>
+            <a:off x="6061745" y="6464300"/>
+            <a:ext cx="2798763" cy="300038"/>
+          </a:xfrm>
+          <a:prstGeom prst="rect">
+            <a:avLst/>
+          </a:prstGeom>
+          <a:noFill/>
+          <a:ln w="9525">
+            <a:noFill/>
+            <a:miter lim="800000"/>
+            <a:headEnd/>
+            <a:tailEnd/>
+          </a:ln>
+          <a:effectLst/>
+        </p:spPr>
+        <p:txBody>
+          <a:bodyPr vert="horz" wrap="square" lIns="0" tIns="0" rIns="0" bIns="0" numCol="1" anchor="ctr" anchorCtr="0" compatLnSpc="1">
+            <a:prstTxWarp prst="textNoShape">
+              <a:avLst/>
+            </a:prstTxWarp>
+          </a:bodyPr>
+          <a:lstStyle>
+            <a:lvl1pPr>
+              <a:defRPr sz="900" i="1" baseline="0">
+                <a:solidFill>
+                  <a:srgbClr val="000066"/>
+                </a:solidFill>
+                <a:latin typeface="Times New Roman" charset="0"/>
+                <a:ea typeface="굴림" pitchFamily="50" charset="-127"/>
+              </a:defRPr>
+            </a:lvl1pPr>
+          </a:lstStyle>
+          <a:p>
+            <a:pPr algn="r"/>
+            <a:r>
+              <a:rPr lang="ko-KR" altLang="en-US" dirty="0" smtClean="0"/>
+              <a:t>팀 명</a:t>
+            </a:r>
+            <a:endParaRPr lang="en-US" altLang="ko-KR" dirty="0"/>
+          </a:p>
+        </p:txBody>
+      </p:sp>
+      <p:sp>
+        <p:nvSpPr>
+          <p:cNvPr id="9" name="직사각형 8"/>
+          <p:cNvSpPr/>
+          <p:nvPr userDrawn="1"/>
+        </p:nvSpPr>
+        <p:spPr bwMode="auto">
+          <a:xfrm>
+            <a:off x="101602" y="1101012"/>
+            <a:ext cx="8933342" cy="5257843"/>
+          </a:xfrm>
+          <a:prstGeom prst="rect">
+            <a:avLst/>
+          </a:prstGeom>
+          <a:noFill/>
+          <a:ln w="9525" cap="flat" cmpd="sng" algn="ctr">
+            <a:solidFill>
+              <a:schemeClr val="tx1"/>
+            </a:solidFill>
+            <a:prstDash val="solid"/>
+            <a:round/>
+            <a:headEnd type="none" w="med" len="med"/>
+            <a:tailEnd type="none" w="med" len="med"/>
+          </a:ln>
+          <a:effectLst/>
+        </p:spPr>
+        <p:txBody>
+          <a:bodyPr vert="horz" wrap="none" lIns="90000" tIns="46800" rIns="90000" bIns="46800" numCol="1" rtlCol="0" anchor="ctr" anchorCtr="0" compatLnSpc="1">
+            <a:prstTxWarp prst="textNoShape">
+              <a:avLst/>
+            </a:prstTxWarp>
+          </a:bodyPr>
+          <a:lstStyle/>
+          <a:p>
+            <a:pPr marL="0" marR="0" indent="0" algn="l" defTabSz="914400" rtl="0" eaLnBrk="0" fontAlgn="base" latinLnBrk="0" hangingPunct="0">
+              <a:lnSpc>
+                <a:spcPct val="100000"/>
+              </a:lnSpc>
+              <a:spcBef>
+                <a:spcPct val="0"/>
+              </a:spcBef>
+              <a:spcAft>
+                <a:spcPct val="0"/>
+              </a:spcAft>
+              <a:buClrTx/>
+              <a:buSzTx/>
+              <a:buFontTx/>
+              <a:buNone/>
+              <a:tabLst/>
+            </a:pPr>
+            <a:endParaRPr kumimoji="0" lang="ko-KR" altLang="en-US" sz="1400" b="0" i="0" u="none" strike="noStrike" cap="none" normalizeH="0" baseline="0" smtClean="0">
+              <a:ln>
+                <a:noFill/>
+              </a:ln>
+              <a:solidFill>
+                <a:schemeClr val="tx1"/>
+              </a:solidFill>
+              <a:effectLst/>
+              <a:latin typeface="Arial" charset="0"/>
+              <a:ea typeface="HY울릉도M" pitchFamily="18" charset="-127"/>
+            </a:endParaRPr>
+          </a:p>
+        </p:txBody>
+      </p:sp>
+    </p:spTree>
+    <p:extLst>
+      <p:ext uri="{BB962C8B-B14F-4D97-AF65-F5344CB8AC3E}">
+        <p14:creationId xmlns:p14="http://schemas.microsoft.com/office/powerpoint/2010/main" val="1531758995"/>
+      </p:ext>
+    </p:extLst>
+  </p:cSld>
+  <p:clrMapOvr>
+    <a:masterClrMapping/>
+  </p:clrMapOvr>
+</p:sldLayout>
+</file>
+
 <file path=ppt/slideMasters/slideMaster1.xml><?xml version="1.0" encoding="utf-8"?>
 <p:sldMaster xmlns:a="http://schemas.openxmlformats.org/drawingml/2006/main" xmlns:r="http://schemas.openxmlformats.org/officeDocument/2006/relationships" xmlns:p="http://schemas.openxmlformats.org/presentationml/2006/main">
   <p:cSld>
@@ -10679,7 +10975,7 @@
           <p:nvPr userDrawn="1"/>
         </p:nvPicPr>
         <p:blipFill>
-          <a:blip r:embed="rId5" cstate="print"/>
+          <a:blip r:embed="rId7" cstate="print"/>
           <a:srcRect/>
           <a:stretch>
             <a:fillRect/>
@@ -10763,6 +11059,8 @@
     <p:sldLayoutId id="2147483656" r:id="rId1"/>
     <p:sldLayoutId id="2147483657" r:id="rId2"/>
     <p:sldLayoutId id="2147483662" r:id="rId3"/>
+    <p:sldLayoutId id="2147483663" r:id="rId4"/>
+    <p:sldLayoutId id="2147483664" r:id="rId5"/>
   </p:sldLayoutIdLst>
   <p:hf sldNum="0" hdr="0" dt="0"/>
   <p:txStyles>
@@ -10989,7 +11287,7 @@
         </a:spcAft>
         <a:buFont typeface="Wingdings" pitchFamily="2" charset="2"/>
         <a:buBlip>
-          <a:blip r:embed="rId6"/>
+          <a:blip r:embed="rId8"/>
         </a:buBlip>
         <a:tabLst>
           <a:tab pos="571500" algn="l"/>
@@ -11410,14 +11708,14 @@
           <p:nvPr>
             <p:extLst>
               <p:ext uri="{D42A27DB-BD31-4B8C-83A1-F6EECF244321}">
-                <p14:modId xmlns:p14="http://schemas.microsoft.com/office/powerpoint/2010/main" val="2263207909"/>
+                <p14:modId xmlns:p14="http://schemas.microsoft.com/office/powerpoint/2010/main" val="344130413"/>
               </p:ext>
             </p:extLst>
           </p:nvPr>
         </p:nvGraphicFramePr>
         <p:xfrm>
-          <a:off x="4623752" y="1341069"/>
-          <a:ext cx="4050032" cy="2839124"/>
+          <a:off x="4623752" y="1285653"/>
+          <a:ext cx="4050032" cy="3090584"/>
         </p:xfrm>
         <a:graphic>
           <a:graphicData uri="http://schemas.openxmlformats.org/drawingml/2006/table">
@@ -11772,14 +12070,14 @@
                     <a:p>
                       <a:pPr latinLnBrk="1"/>
                       <a:r>
-                        <a:rPr lang="ko-KR" altLang="en-US" sz="1050" b="0" dirty="0" smtClean="0">
+                        <a:rPr lang="ko-KR" altLang="en-US" sz="1050" b="0" dirty="0" err="1" smtClean="0">
                           <a:solidFill>
                             <a:schemeClr val="tx1"/>
                           </a:solidFill>
                           <a:latin typeface="맑은 고딕" pitchFamily="50" charset="-127"/>
                           <a:ea typeface="맑은 고딕" pitchFamily="50" charset="-127"/>
                         </a:rPr>
-                        <a:t>진행 미완</a:t>
+                        <a:t>진행중</a:t>
                       </a:r>
                       <a:endParaRPr lang="ko-KR" altLang="en-US" sz="1050" b="0" dirty="0">
                         <a:solidFill>
@@ -11826,8 +12124,15 @@
                           <a:latin typeface="맑은 고딕" pitchFamily="50" charset="-127"/>
                           <a:ea typeface="맑은 고딕" pitchFamily="50" charset="-127"/>
                         </a:rPr>
-                        <a:t>Push Button</a:t>
+                        <a:t>Radio Button</a:t>
                       </a:r>
+                      <a:endParaRPr lang="en-US" altLang="ko-KR" sz="1050" b="0" baseline="0" dirty="0" smtClean="0">
+                        <a:solidFill>
+                          <a:schemeClr val="tx1"/>
+                        </a:solidFill>
+                        <a:latin typeface="맑은 고딕" pitchFamily="50" charset="-127"/>
+                        <a:ea typeface="맑은 고딕" pitchFamily="50" charset="-127"/>
+                      </a:endParaRPr>
                     </a:p>
                   </a:txBody>
                   <a:tcPr anchor="ctr">
@@ -11914,7 +12219,7 @@
                           <a:latin typeface="맑은 고딕" pitchFamily="50" charset="-127"/>
                           <a:ea typeface="맑은 고딕" pitchFamily="50" charset="-127"/>
                         </a:rPr>
-                        <a:t>진행 완성</a:t>
+                        <a:t>지남</a:t>
                       </a:r>
                       <a:endParaRPr lang="ko-KR" altLang="en-US" sz="1050" b="0" dirty="0">
                         <a:solidFill>
@@ -11961,8 +12266,15 @@
                           <a:latin typeface="맑은 고딕" pitchFamily="50" charset="-127"/>
                           <a:ea typeface="맑은 고딕" pitchFamily="50" charset="-127"/>
                         </a:rPr>
-                        <a:t>Push Button</a:t>
+                        <a:t>Radio Button</a:t>
                       </a:r>
+                      <a:endParaRPr lang="en-US" altLang="ko-KR" sz="1050" b="0" baseline="0" dirty="0" smtClean="0">
+                        <a:solidFill>
+                          <a:schemeClr val="tx1"/>
+                        </a:solidFill>
+                        <a:latin typeface="맑은 고딕" pitchFamily="50" charset="-127"/>
+                        <a:ea typeface="맑은 고딕" pitchFamily="50" charset="-127"/>
+                      </a:endParaRPr>
                     </a:p>
                   </a:txBody>
                   <a:tcPr anchor="ctr">
@@ -12049,7 +12361,7 @@
                           <a:latin typeface="맑은 고딕" pitchFamily="50" charset="-127"/>
                           <a:ea typeface="맑은 고딕" pitchFamily="50" charset="-127"/>
                         </a:rPr>
-                        <a:t>지남 미완</a:t>
+                        <a:t>완료보임</a:t>
                       </a:r>
                       <a:endParaRPr lang="ko-KR" altLang="en-US" sz="1050" b="0" dirty="0">
                         <a:solidFill>
@@ -12096,8 +12408,15 @@
                           <a:latin typeface="맑은 고딕" pitchFamily="50" charset="-127"/>
                           <a:ea typeface="맑은 고딕" pitchFamily="50" charset="-127"/>
                         </a:rPr>
-                        <a:t>Push Button</a:t>
+                        <a:t>Radio Button</a:t>
                       </a:r>
+                      <a:endParaRPr lang="en-US" altLang="ko-KR" sz="1050" b="0" baseline="0" dirty="0" smtClean="0">
+                        <a:solidFill>
+                          <a:schemeClr val="tx1"/>
+                        </a:solidFill>
+                        <a:latin typeface="맑은 고딕" pitchFamily="50" charset="-127"/>
+                        <a:ea typeface="맑은 고딕" pitchFamily="50" charset="-127"/>
+                      </a:endParaRPr>
                     </a:p>
                   </a:txBody>
                   <a:tcPr anchor="ctr">
@@ -12184,7 +12503,17 @@
                           <a:latin typeface="맑은 고딕" pitchFamily="50" charset="-127"/>
                           <a:ea typeface="맑은 고딕" pitchFamily="50" charset="-127"/>
                         </a:rPr>
-                        <a:t>지남 완성</a:t>
+                        <a:t>완료보임</a:t>
+                      </a:r>
+                      <a:r>
+                        <a:rPr lang="en-US" altLang="ko-KR" sz="1050" b="0" dirty="0" smtClean="0">
+                          <a:solidFill>
+                            <a:schemeClr val="tx1"/>
+                          </a:solidFill>
+                          <a:latin typeface="맑은 고딕" pitchFamily="50" charset="-127"/>
+                          <a:ea typeface="맑은 고딕" pitchFamily="50" charset="-127"/>
+                        </a:rPr>
+                        <a:t>X</a:t>
                       </a:r>
                       <a:endParaRPr lang="ko-KR" altLang="en-US" sz="1050" b="0" dirty="0">
                         <a:solidFill>
@@ -12231,8 +12560,15 @@
                           <a:latin typeface="맑은 고딕" pitchFamily="50" charset="-127"/>
                           <a:ea typeface="맑은 고딕" pitchFamily="50" charset="-127"/>
                         </a:rPr>
-                        <a:t>Push Button</a:t>
+                        <a:t>Radio Button</a:t>
                       </a:r>
+                      <a:endParaRPr lang="en-US" altLang="ko-KR" sz="1050" b="0" baseline="0" dirty="0" smtClean="0">
+                        <a:solidFill>
+                          <a:schemeClr val="tx1"/>
+                        </a:solidFill>
+                        <a:latin typeface="맑은 고딕" pitchFamily="50" charset="-127"/>
+                        <a:ea typeface="맑은 고딕" pitchFamily="50" charset="-127"/>
+                      </a:endParaRPr>
                     </a:p>
                   </a:txBody>
                   <a:tcPr anchor="ctr">
@@ -12258,6 +12594,132 @@
                           <a:ea typeface="맑은 고딕" pitchFamily="50" charset="-127"/>
                         </a:rPr>
                         <a:t>5</a:t>
+                      </a:r>
+                      <a:endParaRPr lang="ko-KR" altLang="en-US" sz="1050" b="0" dirty="0">
+                        <a:solidFill>
+                          <a:schemeClr val="tx1"/>
+                        </a:solidFill>
+                        <a:latin typeface="맑은 고딕" pitchFamily="50" charset="-127"/>
+                        <a:ea typeface="맑은 고딕" pitchFamily="50" charset="-127"/>
+                      </a:endParaRPr>
+                    </a:p>
+                  </a:txBody>
+                  <a:tcPr anchor="ctr">
+                    <a:solidFill>
+                      <a:schemeClr val="bg1"/>
+                    </a:solidFill>
+                  </a:tcPr>
+                </a:tc>
+                <a:tc>
+                  <a:txBody>
+                    <a:bodyPr/>
+                    <a:lstStyle/>
+                    <a:p>
+                      <a:pPr algn="ctr" latinLnBrk="1"/>
+                      <a:r>
+                        <a:rPr lang="en-US" altLang="ko-KR" sz="1050" b="0" dirty="0" smtClean="0">
+                          <a:solidFill>
+                            <a:schemeClr val="tx1"/>
+                          </a:solidFill>
+                          <a:latin typeface="맑은 고딕" pitchFamily="50" charset="-127"/>
+                          <a:ea typeface="맑은 고딕" pitchFamily="50" charset="-127"/>
+                        </a:rPr>
+                        <a:t>I</a:t>
+                      </a:r>
+                      <a:endParaRPr lang="ko-KR" altLang="en-US" sz="1050" b="0" dirty="0">
+                        <a:solidFill>
+                          <a:schemeClr val="tx1"/>
+                        </a:solidFill>
+                        <a:latin typeface="맑은 고딕" pitchFamily="50" charset="-127"/>
+                        <a:ea typeface="맑은 고딕" pitchFamily="50" charset="-127"/>
+                      </a:endParaRPr>
+                    </a:p>
+                  </a:txBody>
+                  <a:tcPr anchor="ctr">
+                    <a:solidFill>
+                      <a:schemeClr val="bg1"/>
+                    </a:solidFill>
+                  </a:tcPr>
+                </a:tc>
+                <a:tc>
+                  <a:txBody>
+                    <a:bodyPr/>
+                    <a:lstStyle/>
+                    <a:p>
+                      <a:pPr latinLnBrk="1"/>
+                      <a:r>
+                        <a:rPr lang="ko-KR" altLang="en-US" sz="1050" b="0" dirty="0" smtClean="0">
+                          <a:solidFill>
+                            <a:schemeClr val="tx1"/>
+                          </a:solidFill>
+                          <a:latin typeface="맑은 고딕" pitchFamily="50" charset="-127"/>
+                          <a:ea typeface="맑은 고딕" pitchFamily="50" charset="-127"/>
+                        </a:rPr>
+                        <a:t>조회</a:t>
+                      </a:r>
+                      <a:endParaRPr lang="ko-KR" altLang="en-US" sz="1050" b="0" dirty="0">
+                        <a:solidFill>
+                          <a:schemeClr val="tx1"/>
+                        </a:solidFill>
+                        <a:latin typeface="맑은 고딕" pitchFamily="50" charset="-127"/>
+                        <a:ea typeface="맑은 고딕" pitchFamily="50" charset="-127"/>
+                      </a:endParaRPr>
+                    </a:p>
+                  </a:txBody>
+                  <a:tcPr anchor="ctr">
+                    <a:solidFill>
+                      <a:schemeClr val="bg1"/>
+                    </a:solidFill>
+                  </a:tcPr>
+                </a:tc>
+                <a:tc>
+                  <a:txBody>
+                    <a:bodyPr/>
+                    <a:lstStyle/>
+                    <a:p>
+                      <a:pPr latinLnBrk="1"/>
+                      <a:r>
+                        <a:rPr lang="en-US" altLang="ko-KR" sz="1050" b="0" baseline="0" dirty="0" smtClean="0">
+                          <a:solidFill>
+                            <a:schemeClr val="tx1"/>
+                          </a:solidFill>
+                          <a:latin typeface="맑은 고딕" pitchFamily="50" charset="-127"/>
+                          <a:ea typeface="맑은 고딕" pitchFamily="50" charset="-127"/>
+                        </a:rPr>
+                        <a:t>Push Button</a:t>
+                      </a:r>
+                      <a:endParaRPr lang="en-US" altLang="ko-KR" sz="1050" b="0" baseline="0" dirty="0" smtClean="0">
+                        <a:solidFill>
+                          <a:schemeClr val="tx1"/>
+                        </a:solidFill>
+                        <a:latin typeface="맑은 고딕" pitchFamily="50" charset="-127"/>
+                        <a:ea typeface="맑은 고딕" pitchFamily="50" charset="-127"/>
+                      </a:endParaRPr>
+                    </a:p>
+                  </a:txBody>
+                  <a:tcPr anchor="ctr">
+                    <a:solidFill>
+                      <a:schemeClr val="bg1"/>
+                    </a:solidFill>
+                  </a:tcPr>
+                </a:tc>
+              </a:tr>
+              <a:tr h="195561">
+                <a:tc>
+                  <a:txBody>
+                    <a:bodyPr/>
+                    <a:lstStyle/>
+                    <a:p>
+                      <a:pPr algn="ctr" latinLnBrk="1"/>
+                      <a:r>
+                        <a:rPr lang="en-US" altLang="ko-KR" sz="1050" b="0" dirty="0" smtClean="0">
+                          <a:solidFill>
+                            <a:schemeClr val="tx1"/>
+                          </a:solidFill>
+                          <a:latin typeface="맑은 고딕" pitchFamily="50" charset="-127"/>
+                          <a:ea typeface="맑은 고딕" pitchFamily="50" charset="-127"/>
+                        </a:rPr>
+                        <a:t>6</a:t>
                       </a:r>
                       <a:endParaRPr lang="ko-KR" altLang="en-US" sz="1050" b="0" dirty="0">
                         <a:solidFill>
@@ -12396,7 +12858,7 @@
                           <a:latin typeface="맑은 고딕" pitchFamily="50" charset="-127"/>
                           <a:ea typeface="맑은 고딕" pitchFamily="50" charset="-127"/>
                         </a:rPr>
-                        <a:t>6</a:t>
+                        <a:t>7</a:t>
                       </a:r>
                       <a:endParaRPr lang="ko-KR" altLang="en-US" sz="1050" b="0" dirty="0">
                         <a:solidFill>
@@ -12531,7 +12993,7 @@
                           <a:latin typeface="맑은 고딕" pitchFamily="50" charset="-127"/>
                           <a:ea typeface="맑은 고딕" pitchFamily="50" charset="-127"/>
                         </a:rPr>
-                        <a:t>7</a:t>
+                        <a:t>8</a:t>
                       </a:r>
                       <a:endParaRPr lang="ko-KR" altLang="en-US" sz="1050" b="0" dirty="0">
                         <a:solidFill>
@@ -12666,7 +13128,7 @@
                           <a:latin typeface="맑은 고딕" pitchFamily="50" charset="-127"/>
                           <a:ea typeface="맑은 고딕" pitchFamily="50" charset="-127"/>
                         </a:rPr>
-                        <a:t>8</a:t>
+                        <a:t>9</a:t>
                       </a:r>
                       <a:endParaRPr lang="ko-KR" altLang="en-US" sz="1050" b="0" dirty="0">
                         <a:solidFill>
@@ -12801,7 +13263,7 @@
                           <a:latin typeface="맑은 고딕" pitchFamily="50" charset="-127"/>
                           <a:ea typeface="맑은 고딕" pitchFamily="50" charset="-127"/>
                         </a:rPr>
-                        <a:t>9</a:t>
+                        <a:t>10</a:t>
                       </a:r>
                       <a:endParaRPr lang="ko-KR" altLang="en-US" sz="1050" b="0" dirty="0">
                         <a:solidFill>
@@ -12934,7 +13396,7 @@
           <p:nvPr>
             <p:extLst>
               <p:ext uri="{D42A27DB-BD31-4B8C-83A1-F6EECF244321}">
-                <p14:modId xmlns:p14="http://schemas.microsoft.com/office/powerpoint/2010/main" val="908435501"/>
+                <p14:modId xmlns:p14="http://schemas.microsoft.com/office/powerpoint/2010/main" val="1328039308"/>
               </p:ext>
             </p:extLst>
           </p:nvPr>
@@ -14628,7 +15090,7 @@
       </p:graphicFrame>
       <p:pic>
         <p:nvPicPr>
-          <p:cNvPr id="3" name="Picture 2"/>
+          <p:cNvPr id="8" name="Picture 2"/>
           <p:cNvPicPr>
             <a:picLocks noChangeAspect="1" noChangeArrowheads="1"/>
           </p:cNvPicPr>
@@ -14649,8 +15111,8 @@
         </p:blipFill>
         <p:spPr bwMode="auto">
           <a:xfrm>
-            <a:off x="451428" y="1293096"/>
-            <a:ext cx="3835026" cy="4882283"/>
+            <a:off x="452588" y="1229731"/>
+            <a:ext cx="3823852" cy="4991998"/>
           </a:xfrm>
           <a:prstGeom prst="rect">
             <a:avLst/>
@@ -14680,10 +15142,787 @@
           </a:extLst>
         </p:spPr>
       </p:pic>
+      <p:sp>
+        <p:nvSpPr>
+          <p:cNvPr id="9" name="타원 8"/>
+          <p:cNvSpPr>
+            <a:spLocks noChangeAspect="1"/>
+          </p:cNvSpPr>
+          <p:nvPr/>
+        </p:nvSpPr>
+        <p:spPr bwMode="auto">
+          <a:xfrm>
+            <a:off x="571801" y="1473864"/>
+            <a:ext cx="177679" cy="177679"/>
+          </a:xfrm>
+          <a:prstGeom prst="ellipse">
+            <a:avLst/>
+          </a:prstGeom>
+          <a:solidFill>
+            <a:srgbClr val="3FADFF"/>
+          </a:solidFill>
+          <a:ln w="31750" cap="flat" cmpd="dbl" algn="ctr">
+            <a:solidFill>
+              <a:schemeClr val="bg1">
+                <a:lumMod val="50000"/>
+              </a:schemeClr>
+            </a:solidFill>
+            <a:prstDash val="solid"/>
+            <a:round/>
+            <a:headEnd type="none" w="med" len="med"/>
+            <a:tailEnd type="none" w="med" len="med"/>
+          </a:ln>
+          <a:effectLst/>
+        </p:spPr>
+        <p:txBody>
+          <a:bodyPr vert="horz" wrap="none" lIns="90000" tIns="46800" rIns="90000" bIns="46800" numCol="1" rtlCol="0" anchor="ctr" anchorCtr="0" compatLnSpc="1">
+            <a:prstTxWarp prst="textNoShape">
+              <a:avLst/>
+            </a:prstTxWarp>
+          </a:bodyPr>
+          <a:lstStyle/>
+          <a:p>
+            <a:pPr marL="0" marR="0" indent="0" algn="ctr" defTabSz="914400" rtl="0" eaLnBrk="0" fontAlgn="base" latinLnBrk="0" hangingPunct="0">
+              <a:lnSpc>
+                <a:spcPct val="100000"/>
+              </a:lnSpc>
+              <a:spcBef>
+                <a:spcPct val="0"/>
+              </a:spcBef>
+              <a:spcAft>
+                <a:spcPct val="0"/>
+              </a:spcAft>
+              <a:buClrTx/>
+              <a:buSzTx/>
+              <a:buFontTx/>
+              <a:buNone/>
+              <a:tabLst/>
+            </a:pPr>
+            <a:r>
+              <a:rPr kumimoji="0" lang="en-US" altLang="ko-KR" sz="1000" b="1" i="0" u="none" strike="noStrike" cap="none" normalizeH="0" baseline="0" dirty="0" smtClean="0">
+                <a:ln>
+                  <a:noFill/>
+                </a:ln>
+                <a:solidFill>
+                  <a:schemeClr val="tx1"/>
+                </a:solidFill>
+                <a:effectLst/>
+                <a:latin typeface="맑은 고딕" pitchFamily="50" charset="-127"/>
+                <a:ea typeface="맑은 고딕" pitchFamily="50" charset="-127"/>
+              </a:rPr>
+              <a:t>1</a:t>
+            </a:r>
+            <a:endParaRPr kumimoji="0" lang="ko-KR" altLang="en-US" sz="1000" b="1" i="0" u="none" strike="noStrike" cap="none" normalizeH="0" baseline="0" dirty="0" smtClean="0">
+              <a:ln>
+                <a:noFill/>
+              </a:ln>
+              <a:solidFill>
+                <a:schemeClr val="tx1"/>
+              </a:solidFill>
+              <a:effectLst/>
+              <a:latin typeface="맑은 고딕" pitchFamily="50" charset="-127"/>
+              <a:ea typeface="맑은 고딕" pitchFamily="50" charset="-127"/>
+            </a:endParaRPr>
+          </a:p>
+        </p:txBody>
+      </p:sp>
+      <p:sp>
+        <p:nvSpPr>
+          <p:cNvPr id="10" name="타원 9"/>
+          <p:cNvSpPr>
+            <a:spLocks noChangeAspect="1"/>
+          </p:cNvSpPr>
+          <p:nvPr/>
+        </p:nvSpPr>
+        <p:spPr bwMode="auto">
+          <a:xfrm>
+            <a:off x="1269146" y="1473865"/>
+            <a:ext cx="177679" cy="177679"/>
+          </a:xfrm>
+          <a:prstGeom prst="ellipse">
+            <a:avLst/>
+          </a:prstGeom>
+          <a:solidFill>
+            <a:srgbClr val="3FADFF"/>
+          </a:solidFill>
+          <a:ln w="31750" cap="flat" cmpd="dbl" algn="ctr">
+            <a:solidFill>
+              <a:schemeClr val="bg1">
+                <a:lumMod val="50000"/>
+              </a:schemeClr>
+            </a:solidFill>
+            <a:prstDash val="solid"/>
+            <a:round/>
+            <a:headEnd type="none" w="med" len="med"/>
+            <a:tailEnd type="none" w="med" len="med"/>
+          </a:ln>
+          <a:effectLst/>
+        </p:spPr>
+        <p:txBody>
+          <a:bodyPr vert="horz" wrap="none" lIns="90000" tIns="46800" rIns="90000" bIns="46800" numCol="1" rtlCol="0" anchor="ctr" anchorCtr="0" compatLnSpc="1">
+            <a:prstTxWarp prst="textNoShape">
+              <a:avLst/>
+            </a:prstTxWarp>
+          </a:bodyPr>
+          <a:lstStyle/>
+          <a:p>
+            <a:pPr marL="0" marR="0" indent="0" algn="ctr" defTabSz="914400" rtl="0" eaLnBrk="0" fontAlgn="base" latinLnBrk="0" hangingPunct="0">
+              <a:lnSpc>
+                <a:spcPct val="100000"/>
+              </a:lnSpc>
+              <a:spcBef>
+                <a:spcPct val="0"/>
+              </a:spcBef>
+              <a:spcAft>
+                <a:spcPct val="0"/>
+              </a:spcAft>
+              <a:buClrTx/>
+              <a:buSzTx/>
+              <a:buFontTx/>
+              <a:buNone/>
+              <a:tabLst/>
+            </a:pPr>
+            <a:r>
+              <a:rPr lang="en-US" altLang="ko-KR" sz="1000" b="1" dirty="0">
+                <a:latin typeface="맑은 고딕" pitchFamily="50" charset="-127"/>
+                <a:ea typeface="맑은 고딕" pitchFamily="50" charset="-127"/>
+              </a:rPr>
+              <a:t>2</a:t>
+            </a:r>
+            <a:endParaRPr kumimoji="0" lang="ko-KR" altLang="en-US" sz="1000" b="1" i="0" u="none" strike="noStrike" cap="none" normalizeH="0" baseline="0" dirty="0" smtClean="0">
+              <a:ln>
+                <a:noFill/>
+              </a:ln>
+              <a:solidFill>
+                <a:schemeClr val="tx1"/>
+              </a:solidFill>
+              <a:effectLst/>
+              <a:latin typeface="맑은 고딕" pitchFamily="50" charset="-127"/>
+              <a:ea typeface="맑은 고딕" pitchFamily="50" charset="-127"/>
+            </a:endParaRPr>
+          </a:p>
+        </p:txBody>
+      </p:sp>
+      <p:sp>
+        <p:nvSpPr>
+          <p:cNvPr id="11" name="타원 10"/>
+          <p:cNvSpPr>
+            <a:spLocks noChangeAspect="1"/>
+          </p:cNvSpPr>
+          <p:nvPr/>
+        </p:nvSpPr>
+        <p:spPr bwMode="auto">
+          <a:xfrm>
+            <a:off x="1901837" y="1473864"/>
+            <a:ext cx="177679" cy="177679"/>
+          </a:xfrm>
+          <a:prstGeom prst="ellipse">
+            <a:avLst/>
+          </a:prstGeom>
+          <a:solidFill>
+            <a:srgbClr val="3FADFF"/>
+          </a:solidFill>
+          <a:ln w="31750" cap="flat" cmpd="dbl" algn="ctr">
+            <a:solidFill>
+              <a:schemeClr val="bg1">
+                <a:lumMod val="50000"/>
+              </a:schemeClr>
+            </a:solidFill>
+            <a:prstDash val="solid"/>
+            <a:round/>
+            <a:headEnd type="none" w="med" len="med"/>
+            <a:tailEnd type="none" w="med" len="med"/>
+          </a:ln>
+          <a:effectLst/>
+        </p:spPr>
+        <p:txBody>
+          <a:bodyPr vert="horz" wrap="none" lIns="90000" tIns="46800" rIns="90000" bIns="46800" numCol="1" rtlCol="0" anchor="ctr" anchorCtr="0" compatLnSpc="1">
+            <a:prstTxWarp prst="textNoShape">
+              <a:avLst/>
+            </a:prstTxWarp>
+          </a:bodyPr>
+          <a:lstStyle/>
+          <a:p>
+            <a:pPr marL="0" marR="0" indent="0" algn="ctr" defTabSz="914400" rtl="0" eaLnBrk="0" fontAlgn="base" latinLnBrk="0" hangingPunct="0">
+              <a:lnSpc>
+                <a:spcPct val="100000"/>
+              </a:lnSpc>
+              <a:spcBef>
+                <a:spcPct val="0"/>
+              </a:spcBef>
+              <a:spcAft>
+                <a:spcPct val="0"/>
+              </a:spcAft>
+              <a:buClrTx/>
+              <a:buSzTx/>
+              <a:buFontTx/>
+              <a:buNone/>
+              <a:tabLst/>
+            </a:pPr>
+            <a:r>
+              <a:rPr lang="en-US" altLang="ko-KR" sz="1000" b="1" dirty="0" smtClean="0">
+                <a:latin typeface="맑은 고딕" pitchFamily="50" charset="-127"/>
+                <a:ea typeface="맑은 고딕" pitchFamily="50" charset="-127"/>
+              </a:rPr>
+              <a:t>3</a:t>
+            </a:r>
+            <a:endParaRPr kumimoji="0" lang="ko-KR" altLang="en-US" sz="1000" b="1" i="0" u="none" strike="noStrike" cap="none" normalizeH="0" baseline="0" dirty="0" smtClean="0">
+              <a:ln>
+                <a:noFill/>
+              </a:ln>
+              <a:solidFill>
+                <a:schemeClr val="tx1"/>
+              </a:solidFill>
+              <a:effectLst/>
+              <a:latin typeface="맑은 고딕" pitchFamily="50" charset="-127"/>
+              <a:ea typeface="맑은 고딕" pitchFamily="50" charset="-127"/>
+            </a:endParaRPr>
+          </a:p>
+        </p:txBody>
+      </p:sp>
+      <p:sp>
+        <p:nvSpPr>
+          <p:cNvPr id="12" name="타원 11"/>
+          <p:cNvSpPr>
+            <a:spLocks noChangeAspect="1"/>
+          </p:cNvSpPr>
+          <p:nvPr/>
+        </p:nvSpPr>
+        <p:spPr bwMode="auto">
+          <a:xfrm>
+            <a:off x="2548382" y="1464628"/>
+            <a:ext cx="177679" cy="177679"/>
+          </a:xfrm>
+          <a:prstGeom prst="ellipse">
+            <a:avLst/>
+          </a:prstGeom>
+          <a:solidFill>
+            <a:srgbClr val="3FADFF"/>
+          </a:solidFill>
+          <a:ln w="31750" cap="flat" cmpd="dbl" algn="ctr">
+            <a:solidFill>
+              <a:schemeClr val="bg1">
+                <a:lumMod val="50000"/>
+              </a:schemeClr>
+            </a:solidFill>
+            <a:prstDash val="solid"/>
+            <a:round/>
+            <a:headEnd type="none" w="med" len="med"/>
+            <a:tailEnd type="none" w="med" len="med"/>
+          </a:ln>
+          <a:effectLst/>
+        </p:spPr>
+        <p:txBody>
+          <a:bodyPr vert="horz" wrap="none" lIns="90000" tIns="46800" rIns="90000" bIns="46800" numCol="1" rtlCol="0" anchor="ctr" anchorCtr="0" compatLnSpc="1">
+            <a:prstTxWarp prst="textNoShape">
+              <a:avLst/>
+            </a:prstTxWarp>
+          </a:bodyPr>
+          <a:lstStyle/>
+          <a:p>
+            <a:pPr marL="0" marR="0" indent="0" algn="ctr" defTabSz="914400" rtl="0" eaLnBrk="0" fontAlgn="base" latinLnBrk="0" hangingPunct="0">
+              <a:lnSpc>
+                <a:spcPct val="100000"/>
+              </a:lnSpc>
+              <a:spcBef>
+                <a:spcPct val="0"/>
+              </a:spcBef>
+              <a:spcAft>
+                <a:spcPct val="0"/>
+              </a:spcAft>
+              <a:buClrTx/>
+              <a:buSzTx/>
+              <a:buFontTx/>
+              <a:buNone/>
+              <a:tabLst/>
+            </a:pPr>
+            <a:r>
+              <a:rPr lang="en-US" altLang="ko-KR" sz="1000" b="1" dirty="0" smtClean="0">
+                <a:latin typeface="맑은 고딕" pitchFamily="50" charset="-127"/>
+                <a:ea typeface="맑은 고딕" pitchFamily="50" charset="-127"/>
+              </a:rPr>
+              <a:t>4</a:t>
+            </a:r>
+            <a:endParaRPr kumimoji="0" lang="ko-KR" altLang="en-US" sz="1000" b="1" i="0" u="none" strike="noStrike" cap="none" normalizeH="0" baseline="0" dirty="0" smtClean="0">
+              <a:ln>
+                <a:noFill/>
+              </a:ln>
+              <a:solidFill>
+                <a:schemeClr val="tx1"/>
+              </a:solidFill>
+              <a:effectLst/>
+              <a:latin typeface="맑은 고딕" pitchFamily="50" charset="-127"/>
+              <a:ea typeface="맑은 고딕" pitchFamily="50" charset="-127"/>
+            </a:endParaRPr>
+          </a:p>
+        </p:txBody>
+      </p:sp>
+      <p:sp>
+        <p:nvSpPr>
+          <p:cNvPr id="13" name="타원 12"/>
+          <p:cNvSpPr>
+            <a:spLocks noChangeAspect="1"/>
+          </p:cNvSpPr>
+          <p:nvPr/>
+        </p:nvSpPr>
+        <p:spPr bwMode="auto">
+          <a:xfrm>
+            <a:off x="3241111" y="1457822"/>
+            <a:ext cx="177679" cy="177679"/>
+          </a:xfrm>
+          <a:prstGeom prst="ellipse">
+            <a:avLst/>
+          </a:prstGeom>
+          <a:solidFill>
+            <a:srgbClr val="3FADFF"/>
+          </a:solidFill>
+          <a:ln w="31750" cap="flat" cmpd="dbl" algn="ctr">
+            <a:solidFill>
+              <a:schemeClr val="bg1">
+                <a:lumMod val="50000"/>
+              </a:schemeClr>
+            </a:solidFill>
+            <a:prstDash val="solid"/>
+            <a:round/>
+            <a:headEnd type="none" w="med" len="med"/>
+            <a:tailEnd type="none" w="med" len="med"/>
+          </a:ln>
+          <a:effectLst/>
+        </p:spPr>
+        <p:txBody>
+          <a:bodyPr vert="horz" wrap="none" lIns="90000" tIns="46800" rIns="90000" bIns="46800" numCol="1" rtlCol="0" anchor="ctr" anchorCtr="0" compatLnSpc="1">
+            <a:prstTxWarp prst="textNoShape">
+              <a:avLst/>
+            </a:prstTxWarp>
+          </a:bodyPr>
+          <a:lstStyle/>
+          <a:p>
+            <a:pPr marL="0" marR="0" indent="0" algn="ctr" defTabSz="914400" rtl="0" eaLnBrk="0" fontAlgn="base" latinLnBrk="0" hangingPunct="0">
+              <a:lnSpc>
+                <a:spcPct val="100000"/>
+              </a:lnSpc>
+              <a:spcBef>
+                <a:spcPct val="0"/>
+              </a:spcBef>
+              <a:spcAft>
+                <a:spcPct val="0"/>
+              </a:spcAft>
+              <a:buClrTx/>
+              <a:buSzTx/>
+              <a:buFontTx/>
+              <a:buNone/>
+              <a:tabLst/>
+            </a:pPr>
+            <a:r>
+              <a:rPr lang="en-US" altLang="ko-KR" sz="1000" b="1" dirty="0" smtClean="0">
+                <a:latin typeface="맑은 고딕" pitchFamily="50" charset="-127"/>
+                <a:ea typeface="맑은 고딕" pitchFamily="50" charset="-127"/>
+              </a:rPr>
+              <a:t>5</a:t>
+            </a:r>
+            <a:endParaRPr kumimoji="0" lang="ko-KR" altLang="en-US" sz="1000" b="1" i="0" u="none" strike="noStrike" cap="none" normalizeH="0" baseline="0" dirty="0" smtClean="0">
+              <a:ln>
+                <a:noFill/>
+              </a:ln>
+              <a:solidFill>
+                <a:schemeClr val="tx1"/>
+              </a:solidFill>
+              <a:effectLst/>
+              <a:latin typeface="맑은 고딕" pitchFamily="50" charset="-127"/>
+              <a:ea typeface="맑은 고딕" pitchFamily="50" charset="-127"/>
+            </a:endParaRPr>
+          </a:p>
+        </p:txBody>
+      </p:sp>
+      <p:sp>
+        <p:nvSpPr>
+          <p:cNvPr id="14" name="타원 13"/>
+          <p:cNvSpPr>
+            <a:spLocks noChangeAspect="1"/>
+          </p:cNvSpPr>
+          <p:nvPr/>
+        </p:nvSpPr>
+        <p:spPr bwMode="auto">
+          <a:xfrm>
+            <a:off x="516385" y="1759770"/>
+            <a:ext cx="177679" cy="177679"/>
+          </a:xfrm>
+          <a:prstGeom prst="ellipse">
+            <a:avLst/>
+          </a:prstGeom>
+          <a:solidFill>
+            <a:srgbClr val="3FADFF"/>
+          </a:solidFill>
+          <a:ln w="31750" cap="flat" cmpd="dbl" algn="ctr">
+            <a:solidFill>
+              <a:schemeClr val="bg1">
+                <a:lumMod val="50000"/>
+              </a:schemeClr>
+            </a:solidFill>
+            <a:prstDash val="solid"/>
+            <a:round/>
+            <a:headEnd type="none" w="med" len="med"/>
+            <a:tailEnd type="none" w="med" len="med"/>
+          </a:ln>
+          <a:effectLst/>
+        </p:spPr>
+        <p:txBody>
+          <a:bodyPr vert="horz" wrap="none" lIns="90000" tIns="46800" rIns="90000" bIns="46800" numCol="1" rtlCol="0" anchor="ctr" anchorCtr="0" compatLnSpc="1">
+            <a:prstTxWarp prst="textNoShape">
+              <a:avLst/>
+            </a:prstTxWarp>
+          </a:bodyPr>
+          <a:lstStyle/>
+          <a:p>
+            <a:pPr marL="0" marR="0" indent="0" algn="ctr" defTabSz="914400" rtl="0" eaLnBrk="0" fontAlgn="base" latinLnBrk="0" hangingPunct="0">
+              <a:lnSpc>
+                <a:spcPct val="100000"/>
+              </a:lnSpc>
+              <a:spcBef>
+                <a:spcPct val="0"/>
+              </a:spcBef>
+              <a:spcAft>
+                <a:spcPct val="0"/>
+              </a:spcAft>
+              <a:buClrTx/>
+              <a:buSzTx/>
+              <a:buFontTx/>
+              <a:buNone/>
+              <a:tabLst/>
+            </a:pPr>
+            <a:r>
+              <a:rPr lang="en-US" altLang="ko-KR" sz="1000" b="1" dirty="0" smtClean="0">
+                <a:latin typeface="맑은 고딕" pitchFamily="50" charset="-127"/>
+                <a:ea typeface="맑은 고딕" pitchFamily="50" charset="-127"/>
+              </a:rPr>
+              <a:t>6</a:t>
+            </a:r>
+            <a:endParaRPr kumimoji="0" lang="ko-KR" altLang="en-US" sz="1000" b="1" i="0" u="none" strike="noStrike" cap="none" normalizeH="0" baseline="0" dirty="0" smtClean="0">
+              <a:ln>
+                <a:noFill/>
+              </a:ln>
+              <a:solidFill>
+                <a:schemeClr val="tx1"/>
+              </a:solidFill>
+              <a:effectLst/>
+              <a:latin typeface="맑은 고딕" pitchFamily="50" charset="-127"/>
+              <a:ea typeface="맑은 고딕" pitchFamily="50" charset="-127"/>
+            </a:endParaRPr>
+          </a:p>
+        </p:txBody>
+      </p:sp>
+      <p:sp>
+        <p:nvSpPr>
+          <p:cNvPr id="15" name="타원 14"/>
+          <p:cNvSpPr>
+            <a:spLocks noChangeAspect="1"/>
+          </p:cNvSpPr>
+          <p:nvPr/>
+        </p:nvSpPr>
+        <p:spPr bwMode="auto">
+          <a:xfrm>
+            <a:off x="605224" y="5560956"/>
+            <a:ext cx="177679" cy="177679"/>
+          </a:xfrm>
+          <a:prstGeom prst="ellipse">
+            <a:avLst/>
+          </a:prstGeom>
+          <a:solidFill>
+            <a:srgbClr val="3FADFF"/>
+          </a:solidFill>
+          <a:ln w="31750" cap="flat" cmpd="dbl" algn="ctr">
+            <a:solidFill>
+              <a:schemeClr val="bg1">
+                <a:lumMod val="50000"/>
+              </a:schemeClr>
+            </a:solidFill>
+            <a:prstDash val="solid"/>
+            <a:round/>
+            <a:headEnd type="none" w="med" len="med"/>
+            <a:tailEnd type="none" w="med" len="med"/>
+          </a:ln>
+          <a:effectLst/>
+        </p:spPr>
+        <p:txBody>
+          <a:bodyPr vert="horz" wrap="none" lIns="90000" tIns="46800" rIns="90000" bIns="46800" numCol="1" rtlCol="0" anchor="ctr" anchorCtr="0" compatLnSpc="1">
+            <a:prstTxWarp prst="textNoShape">
+              <a:avLst/>
+            </a:prstTxWarp>
+          </a:bodyPr>
+          <a:lstStyle/>
+          <a:p>
+            <a:pPr marL="0" marR="0" indent="0" algn="ctr" defTabSz="914400" rtl="0" eaLnBrk="0" fontAlgn="base" latinLnBrk="0" hangingPunct="0">
+              <a:lnSpc>
+                <a:spcPct val="100000"/>
+              </a:lnSpc>
+              <a:spcBef>
+                <a:spcPct val="0"/>
+              </a:spcBef>
+              <a:spcAft>
+                <a:spcPct val="0"/>
+              </a:spcAft>
+              <a:buClrTx/>
+              <a:buSzTx/>
+              <a:buFontTx/>
+              <a:buNone/>
+              <a:tabLst/>
+            </a:pPr>
+            <a:r>
+              <a:rPr lang="en-US" altLang="ko-KR" sz="1000" b="1" dirty="0" smtClean="0">
+                <a:latin typeface="맑은 고딕" pitchFamily="50" charset="-127"/>
+                <a:ea typeface="맑은 고딕" pitchFamily="50" charset="-127"/>
+              </a:rPr>
+              <a:t>7</a:t>
+            </a:r>
+            <a:endParaRPr kumimoji="0" lang="ko-KR" altLang="en-US" sz="1000" b="1" i="0" u="none" strike="noStrike" cap="none" normalizeH="0" baseline="0" dirty="0" smtClean="0">
+              <a:ln>
+                <a:noFill/>
+              </a:ln>
+              <a:solidFill>
+                <a:schemeClr val="tx1"/>
+              </a:solidFill>
+              <a:effectLst/>
+              <a:latin typeface="맑은 고딕" pitchFamily="50" charset="-127"/>
+              <a:ea typeface="맑은 고딕" pitchFamily="50" charset="-127"/>
+            </a:endParaRPr>
+          </a:p>
+        </p:txBody>
+      </p:sp>
+      <p:sp>
+        <p:nvSpPr>
+          <p:cNvPr id="16" name="타원 15"/>
+          <p:cNvSpPr>
+            <a:spLocks noChangeAspect="1"/>
+          </p:cNvSpPr>
+          <p:nvPr/>
+        </p:nvSpPr>
+        <p:spPr bwMode="auto">
+          <a:xfrm>
+            <a:off x="1446825" y="5560956"/>
+            <a:ext cx="177679" cy="177679"/>
+          </a:xfrm>
+          <a:prstGeom prst="ellipse">
+            <a:avLst/>
+          </a:prstGeom>
+          <a:solidFill>
+            <a:srgbClr val="3FADFF"/>
+          </a:solidFill>
+          <a:ln w="31750" cap="flat" cmpd="dbl" algn="ctr">
+            <a:solidFill>
+              <a:schemeClr val="bg1">
+                <a:lumMod val="50000"/>
+              </a:schemeClr>
+            </a:solidFill>
+            <a:prstDash val="solid"/>
+            <a:round/>
+            <a:headEnd type="none" w="med" len="med"/>
+            <a:tailEnd type="none" w="med" len="med"/>
+          </a:ln>
+          <a:effectLst/>
+        </p:spPr>
+        <p:txBody>
+          <a:bodyPr vert="horz" wrap="none" lIns="90000" tIns="46800" rIns="90000" bIns="46800" numCol="1" rtlCol="0" anchor="ctr" anchorCtr="0" compatLnSpc="1">
+            <a:prstTxWarp prst="textNoShape">
+              <a:avLst/>
+            </a:prstTxWarp>
+          </a:bodyPr>
+          <a:lstStyle/>
+          <a:p>
+            <a:pPr marL="0" marR="0" indent="0" algn="ctr" defTabSz="914400" rtl="0" eaLnBrk="0" fontAlgn="base" latinLnBrk="0" hangingPunct="0">
+              <a:lnSpc>
+                <a:spcPct val="100000"/>
+              </a:lnSpc>
+              <a:spcBef>
+                <a:spcPct val="0"/>
+              </a:spcBef>
+              <a:spcAft>
+                <a:spcPct val="0"/>
+              </a:spcAft>
+              <a:buClrTx/>
+              <a:buSzTx/>
+              <a:buFontTx/>
+              <a:buNone/>
+              <a:tabLst/>
+            </a:pPr>
+            <a:r>
+              <a:rPr lang="en-US" altLang="ko-KR" sz="1000" b="1" dirty="0" smtClean="0">
+                <a:latin typeface="맑은 고딕" pitchFamily="50" charset="-127"/>
+                <a:ea typeface="맑은 고딕" pitchFamily="50" charset="-127"/>
+              </a:rPr>
+              <a:t>8</a:t>
+            </a:r>
+            <a:endParaRPr kumimoji="0" lang="ko-KR" altLang="en-US" sz="1000" b="1" i="0" u="none" strike="noStrike" cap="none" normalizeH="0" baseline="0" dirty="0" smtClean="0">
+              <a:ln>
+                <a:noFill/>
+              </a:ln>
+              <a:solidFill>
+                <a:schemeClr val="tx1"/>
+              </a:solidFill>
+              <a:effectLst/>
+              <a:latin typeface="맑은 고딕" pitchFamily="50" charset="-127"/>
+              <a:ea typeface="맑은 고딕" pitchFamily="50" charset="-127"/>
+            </a:endParaRPr>
+          </a:p>
+        </p:txBody>
+      </p:sp>
+      <p:sp>
+        <p:nvSpPr>
+          <p:cNvPr id="17" name="타원 16"/>
+          <p:cNvSpPr>
+            <a:spLocks noChangeAspect="1"/>
+          </p:cNvSpPr>
+          <p:nvPr/>
+        </p:nvSpPr>
+        <p:spPr bwMode="auto">
+          <a:xfrm>
+            <a:off x="2289765" y="5560956"/>
+            <a:ext cx="177679" cy="177679"/>
+          </a:xfrm>
+          <a:prstGeom prst="ellipse">
+            <a:avLst/>
+          </a:prstGeom>
+          <a:solidFill>
+            <a:srgbClr val="3FADFF"/>
+          </a:solidFill>
+          <a:ln w="31750" cap="flat" cmpd="dbl" algn="ctr">
+            <a:solidFill>
+              <a:schemeClr val="bg1">
+                <a:lumMod val="50000"/>
+              </a:schemeClr>
+            </a:solidFill>
+            <a:prstDash val="solid"/>
+            <a:round/>
+            <a:headEnd type="none" w="med" len="med"/>
+            <a:tailEnd type="none" w="med" len="med"/>
+          </a:ln>
+          <a:effectLst/>
+        </p:spPr>
+        <p:txBody>
+          <a:bodyPr vert="horz" wrap="none" lIns="90000" tIns="46800" rIns="90000" bIns="46800" numCol="1" rtlCol="0" anchor="ctr" anchorCtr="0" compatLnSpc="1">
+            <a:prstTxWarp prst="textNoShape">
+              <a:avLst/>
+            </a:prstTxWarp>
+          </a:bodyPr>
+          <a:lstStyle/>
+          <a:p>
+            <a:pPr marL="0" marR="0" indent="0" algn="ctr" defTabSz="914400" rtl="0" eaLnBrk="0" fontAlgn="base" latinLnBrk="0" hangingPunct="0">
+              <a:lnSpc>
+                <a:spcPct val="100000"/>
+              </a:lnSpc>
+              <a:spcBef>
+                <a:spcPct val="0"/>
+              </a:spcBef>
+              <a:spcAft>
+                <a:spcPct val="0"/>
+              </a:spcAft>
+              <a:buClrTx/>
+              <a:buSzTx/>
+              <a:buFontTx/>
+              <a:buNone/>
+              <a:tabLst/>
+            </a:pPr>
+            <a:r>
+              <a:rPr lang="en-US" altLang="ko-KR" sz="1000" b="1" dirty="0" smtClean="0">
+                <a:latin typeface="맑은 고딕" pitchFamily="50" charset="-127"/>
+                <a:ea typeface="맑은 고딕" pitchFamily="50" charset="-127"/>
+              </a:rPr>
+              <a:t>9</a:t>
+            </a:r>
+            <a:endParaRPr kumimoji="0" lang="ko-KR" altLang="en-US" sz="1000" b="1" i="0" u="none" strike="noStrike" cap="none" normalizeH="0" baseline="0" dirty="0" smtClean="0">
+              <a:ln>
+                <a:noFill/>
+              </a:ln>
+              <a:solidFill>
+                <a:schemeClr val="tx1"/>
+              </a:solidFill>
+              <a:effectLst/>
+              <a:latin typeface="맑은 고딕" pitchFamily="50" charset="-127"/>
+              <a:ea typeface="맑은 고딕" pitchFamily="50" charset="-127"/>
+            </a:endParaRPr>
+          </a:p>
+        </p:txBody>
+      </p:sp>
+      <p:sp>
+        <p:nvSpPr>
+          <p:cNvPr id="18" name="타원 17"/>
+          <p:cNvSpPr>
+            <a:spLocks noChangeAspect="1"/>
+          </p:cNvSpPr>
+          <p:nvPr/>
+        </p:nvSpPr>
+        <p:spPr bwMode="auto">
+          <a:xfrm>
+            <a:off x="3096855" y="5560956"/>
+            <a:ext cx="177679" cy="177679"/>
+          </a:xfrm>
+          <a:prstGeom prst="ellipse">
+            <a:avLst/>
+          </a:prstGeom>
+          <a:solidFill>
+            <a:srgbClr val="3FADFF"/>
+          </a:solidFill>
+          <a:ln w="31750" cap="flat" cmpd="dbl" algn="ctr">
+            <a:solidFill>
+              <a:schemeClr val="bg1">
+                <a:lumMod val="50000"/>
+              </a:schemeClr>
+            </a:solidFill>
+            <a:prstDash val="solid"/>
+            <a:round/>
+            <a:headEnd type="none" w="med" len="med"/>
+            <a:tailEnd type="none" w="med" len="med"/>
+          </a:ln>
+          <a:effectLst/>
+        </p:spPr>
+        <p:txBody>
+          <a:bodyPr vert="horz" wrap="none" lIns="90000" tIns="46800" rIns="90000" bIns="46800" numCol="1" rtlCol="0" anchor="ctr" anchorCtr="0" compatLnSpc="1">
+            <a:prstTxWarp prst="textNoShape">
+              <a:avLst/>
+            </a:prstTxWarp>
+          </a:bodyPr>
+          <a:lstStyle/>
+          <a:p>
+            <a:pPr marL="0" marR="0" indent="0" algn="ctr" defTabSz="914400" rtl="0" eaLnBrk="0" fontAlgn="base" latinLnBrk="0" hangingPunct="0">
+              <a:lnSpc>
+                <a:spcPct val="100000"/>
+              </a:lnSpc>
+              <a:spcBef>
+                <a:spcPct val="0"/>
+              </a:spcBef>
+              <a:spcAft>
+                <a:spcPct val="0"/>
+              </a:spcAft>
+              <a:buClrTx/>
+              <a:buSzTx/>
+              <a:buFontTx/>
+              <a:buNone/>
+              <a:tabLst/>
+            </a:pPr>
+            <a:r>
+              <a:rPr lang="en-US" altLang="ko-KR" sz="1000" b="1" dirty="0" smtClean="0">
+                <a:latin typeface="맑은 고딕" pitchFamily="50" charset="-127"/>
+                <a:ea typeface="맑은 고딕" pitchFamily="50" charset="-127"/>
+              </a:rPr>
+              <a:t>10</a:t>
+            </a:r>
+            <a:endParaRPr kumimoji="0" lang="ko-KR" altLang="en-US" sz="1000" b="1" i="0" u="none" strike="noStrike" cap="none" normalizeH="0" baseline="0" dirty="0" smtClean="0">
+              <a:ln>
+                <a:noFill/>
+              </a:ln>
+              <a:solidFill>
+                <a:schemeClr val="tx1"/>
+              </a:solidFill>
+              <a:effectLst/>
+              <a:latin typeface="맑은 고딕" pitchFamily="50" charset="-127"/>
+              <a:ea typeface="맑은 고딕" pitchFamily="50" charset="-127"/>
+            </a:endParaRPr>
+          </a:p>
+        </p:txBody>
+      </p:sp>
     </p:spTree>
     <p:extLst>
       <p:ext uri="{BB962C8B-B14F-4D97-AF65-F5344CB8AC3E}">
-        <p14:creationId xmlns:p14="http://schemas.microsoft.com/office/powerpoint/2010/main" val="1821217540"/>
+        <p14:creationId xmlns:p14="http://schemas.microsoft.com/office/powerpoint/2010/main" val="138257861"/>
       </p:ext>
     </p:extLst>
   </p:cSld>
@@ -14741,7 +15980,7 @@
         </p:nvSpPr>
         <p:spPr bwMode="auto">
           <a:xfrm>
-            <a:off x="4614128" y="1211259"/>
+            <a:off x="4743432" y="1211259"/>
             <a:ext cx="4183811" cy="440285"/>
           </a:xfrm>
           <a:prstGeom prst="rect">
@@ -14868,7 +16107,7 @@
         </p:nvGrpSpPr>
         <p:grpSpPr>
           <a:xfrm>
-            <a:off x="4614126" y="1732062"/>
+            <a:off x="4743430" y="1732062"/>
             <a:ext cx="4183813" cy="1726638"/>
             <a:chOff x="4614126" y="1746882"/>
             <a:chExt cx="4183813" cy="1726638"/>
@@ -15599,7 +16838,7 @@
         </p:nvGrpSpPr>
         <p:grpSpPr>
           <a:xfrm>
-            <a:off x="4614124" y="3515997"/>
+            <a:off x="4743428" y="3515997"/>
             <a:ext cx="4183813" cy="2746779"/>
             <a:chOff x="4614124" y="3515997"/>
             <a:chExt cx="4183813" cy="2746779"/>
@@ -17860,8 +19099,8 @@
         </p:blipFill>
         <p:spPr>
           <a:xfrm>
-            <a:off x="101602" y="2233835"/>
-            <a:ext cx="4456235" cy="1742883"/>
+            <a:off x="138546" y="1217875"/>
+            <a:ext cx="4562762" cy="1784547"/>
           </a:xfrm>
           <a:prstGeom prst="rect">
             <a:avLst/>
@@ -17930,13 +19169,13 @@
           <p:nvPr>
             <p:extLst>
               <p:ext uri="{D42A27DB-BD31-4B8C-83A1-F6EECF244321}">
-                <p14:modId xmlns:p14="http://schemas.microsoft.com/office/powerpoint/2010/main" val="182780313"/>
+                <p14:modId xmlns:p14="http://schemas.microsoft.com/office/powerpoint/2010/main" val="2483661152"/>
               </p:ext>
             </p:extLst>
           </p:nvPr>
         </p:nvGraphicFramePr>
         <p:xfrm>
-          <a:off x="4623752" y="1222736"/>
+          <a:off x="4863888" y="1241208"/>
           <a:ext cx="4050032" cy="1833284"/>
         </p:xfrm>
         <a:graphic>
@@ -18951,413 +20190,14 @@
         </p:blipFill>
         <p:spPr>
           <a:xfrm>
-            <a:off x="101602" y="2233835"/>
-            <a:ext cx="4456235" cy="1742883"/>
+            <a:off x="184360" y="1231189"/>
+            <a:ext cx="4581603" cy="1791916"/>
           </a:xfrm>
           <a:prstGeom prst="rect">
             <a:avLst/>
           </a:prstGeom>
         </p:spPr>
       </p:pic>
-      <p:sp>
-        <p:nvSpPr>
-          <p:cNvPr id="24" name="타원 23"/>
-          <p:cNvSpPr>
-            <a:spLocks noChangeAspect="1"/>
-          </p:cNvSpPr>
-          <p:nvPr/>
-        </p:nvSpPr>
-        <p:spPr bwMode="auto">
-          <a:xfrm>
-            <a:off x="2738172" y="2921665"/>
-            <a:ext cx="108000" cy="108000"/>
-          </a:xfrm>
-          <a:prstGeom prst="ellipse">
-            <a:avLst/>
-          </a:prstGeom>
-          <a:solidFill>
-            <a:srgbClr val="0081E2"/>
-          </a:solidFill>
-          <a:ln w="31750" cap="flat" cmpd="dbl" algn="ctr">
-            <a:solidFill>
-              <a:schemeClr val="bg1">
-                <a:lumMod val="50000"/>
-              </a:schemeClr>
-            </a:solidFill>
-            <a:prstDash val="solid"/>
-            <a:round/>
-            <a:headEnd type="none" w="med" len="med"/>
-            <a:tailEnd type="none" w="med" len="med"/>
-          </a:ln>
-          <a:effectLst/>
-        </p:spPr>
-        <p:txBody>
-          <a:bodyPr vert="horz" wrap="none" lIns="90000" tIns="46800" rIns="90000" bIns="46800" numCol="1" rtlCol="0" anchor="ctr" anchorCtr="0" compatLnSpc="1">
-            <a:prstTxWarp prst="textNoShape">
-              <a:avLst/>
-            </a:prstTxWarp>
-          </a:bodyPr>
-          <a:lstStyle/>
-          <a:p>
-            <a:pPr marL="0" marR="0" indent="0" algn="ctr" defTabSz="914400" rtl="0" eaLnBrk="0" fontAlgn="base" latinLnBrk="0" hangingPunct="0">
-              <a:lnSpc>
-                <a:spcPct val="100000"/>
-              </a:lnSpc>
-              <a:spcBef>
-                <a:spcPct val="0"/>
-              </a:spcBef>
-              <a:spcAft>
-                <a:spcPct val="0"/>
-              </a:spcAft>
-              <a:buClrTx/>
-              <a:buSzTx/>
-              <a:buFontTx/>
-              <a:buNone/>
-              <a:tabLst/>
-            </a:pPr>
-            <a:r>
-              <a:rPr lang="en-US" altLang="ko-KR" sz="1000" b="1" dirty="0">
-                <a:latin typeface="맑은 고딕" pitchFamily="50" charset="-127"/>
-                <a:ea typeface="맑은 고딕" pitchFamily="50" charset="-127"/>
-              </a:rPr>
-              <a:t>2</a:t>
-            </a:r>
-            <a:endParaRPr kumimoji="0" lang="ko-KR" altLang="en-US" sz="1000" b="1" i="0" u="none" strike="noStrike" cap="none" normalizeH="0" baseline="0" dirty="0" smtClean="0">
-              <a:ln>
-                <a:noFill/>
-              </a:ln>
-              <a:solidFill>
-                <a:schemeClr val="tx1"/>
-              </a:solidFill>
-              <a:effectLst/>
-              <a:latin typeface="맑은 고딕" pitchFamily="50" charset="-127"/>
-              <a:ea typeface="맑은 고딕" pitchFamily="50" charset="-127"/>
-            </a:endParaRPr>
-          </a:p>
-        </p:txBody>
-      </p:sp>
-      <p:sp>
-        <p:nvSpPr>
-          <p:cNvPr id="25" name="타원 24"/>
-          <p:cNvSpPr>
-            <a:spLocks noChangeAspect="1"/>
-          </p:cNvSpPr>
-          <p:nvPr/>
-        </p:nvSpPr>
-        <p:spPr bwMode="auto">
-          <a:xfrm>
-            <a:off x="2738172" y="3096234"/>
-            <a:ext cx="108000" cy="108000"/>
-          </a:xfrm>
-          <a:prstGeom prst="ellipse">
-            <a:avLst/>
-          </a:prstGeom>
-          <a:solidFill>
-            <a:srgbClr val="0081E2"/>
-          </a:solidFill>
-          <a:ln w="31750" cap="flat" cmpd="dbl" algn="ctr">
-            <a:solidFill>
-              <a:schemeClr val="bg1">
-                <a:lumMod val="50000"/>
-              </a:schemeClr>
-            </a:solidFill>
-            <a:prstDash val="solid"/>
-            <a:round/>
-            <a:headEnd type="none" w="med" len="med"/>
-            <a:tailEnd type="none" w="med" len="med"/>
-          </a:ln>
-          <a:effectLst/>
-        </p:spPr>
-        <p:txBody>
-          <a:bodyPr vert="horz" wrap="none" lIns="90000" tIns="46800" rIns="90000" bIns="46800" numCol="1" rtlCol="0" anchor="ctr" anchorCtr="0" compatLnSpc="1">
-            <a:prstTxWarp prst="textNoShape">
-              <a:avLst/>
-            </a:prstTxWarp>
-          </a:bodyPr>
-          <a:lstStyle/>
-          <a:p>
-            <a:pPr marL="0" marR="0" indent="0" algn="ctr" defTabSz="914400" rtl="0" eaLnBrk="0" fontAlgn="base" latinLnBrk="0" hangingPunct="0">
-              <a:lnSpc>
-                <a:spcPct val="100000"/>
-              </a:lnSpc>
-              <a:spcBef>
-                <a:spcPct val="0"/>
-              </a:spcBef>
-              <a:spcAft>
-                <a:spcPct val="0"/>
-              </a:spcAft>
-              <a:buClrTx/>
-              <a:buSzTx/>
-              <a:buFontTx/>
-              <a:buNone/>
-              <a:tabLst/>
-            </a:pPr>
-            <a:r>
-              <a:rPr lang="en-US" altLang="ko-KR" sz="1000" b="1" dirty="0">
-                <a:latin typeface="맑은 고딕" pitchFamily="50" charset="-127"/>
-                <a:ea typeface="맑은 고딕" pitchFamily="50" charset="-127"/>
-              </a:rPr>
-              <a:t>3</a:t>
-            </a:r>
-            <a:endParaRPr kumimoji="0" lang="ko-KR" altLang="en-US" sz="1000" b="1" i="0" u="none" strike="noStrike" cap="none" normalizeH="0" baseline="0" dirty="0" smtClean="0">
-              <a:ln>
-                <a:noFill/>
-              </a:ln>
-              <a:solidFill>
-                <a:schemeClr val="tx1"/>
-              </a:solidFill>
-              <a:effectLst/>
-              <a:latin typeface="맑은 고딕" pitchFamily="50" charset="-127"/>
-              <a:ea typeface="맑은 고딕" pitchFamily="50" charset="-127"/>
-            </a:endParaRPr>
-          </a:p>
-        </p:txBody>
-      </p:sp>
-      <p:sp>
-        <p:nvSpPr>
-          <p:cNvPr id="26" name="타원 25"/>
-          <p:cNvSpPr>
-            <a:spLocks noChangeAspect="1"/>
-          </p:cNvSpPr>
-          <p:nvPr/>
-        </p:nvSpPr>
-        <p:spPr bwMode="auto">
-          <a:xfrm>
-            <a:off x="2741013" y="3270803"/>
-            <a:ext cx="108000" cy="108000"/>
-          </a:xfrm>
-          <a:prstGeom prst="ellipse">
-            <a:avLst/>
-          </a:prstGeom>
-          <a:solidFill>
-            <a:srgbClr val="0081E2"/>
-          </a:solidFill>
-          <a:ln w="31750" cap="flat" cmpd="dbl" algn="ctr">
-            <a:solidFill>
-              <a:schemeClr val="bg1">
-                <a:lumMod val="50000"/>
-              </a:schemeClr>
-            </a:solidFill>
-            <a:prstDash val="solid"/>
-            <a:round/>
-            <a:headEnd type="none" w="med" len="med"/>
-            <a:tailEnd type="none" w="med" len="med"/>
-          </a:ln>
-          <a:effectLst/>
-        </p:spPr>
-        <p:txBody>
-          <a:bodyPr vert="horz" wrap="none" lIns="90000" tIns="46800" rIns="90000" bIns="46800" numCol="1" rtlCol="0" anchor="ctr" anchorCtr="0" compatLnSpc="1">
-            <a:prstTxWarp prst="textNoShape">
-              <a:avLst/>
-            </a:prstTxWarp>
-          </a:bodyPr>
-          <a:lstStyle/>
-          <a:p>
-            <a:pPr marL="0" marR="0" indent="0" algn="ctr" defTabSz="914400" rtl="0" eaLnBrk="0" fontAlgn="base" latinLnBrk="0" hangingPunct="0">
-              <a:lnSpc>
-                <a:spcPct val="100000"/>
-              </a:lnSpc>
-              <a:spcBef>
-                <a:spcPct val="0"/>
-              </a:spcBef>
-              <a:spcAft>
-                <a:spcPct val="0"/>
-              </a:spcAft>
-              <a:buClrTx/>
-              <a:buSzTx/>
-              <a:buFontTx/>
-              <a:buNone/>
-              <a:tabLst/>
-            </a:pPr>
-            <a:r>
-              <a:rPr kumimoji="0" lang="en-US" altLang="ko-KR" sz="1000" b="1" i="0" u="none" strike="noStrike" cap="none" normalizeH="0" baseline="0" dirty="0" smtClean="0">
-                <a:ln>
-                  <a:noFill/>
-                </a:ln>
-                <a:solidFill>
-                  <a:schemeClr val="tx1"/>
-                </a:solidFill>
-                <a:effectLst/>
-                <a:latin typeface="맑은 고딕" pitchFamily="50" charset="-127"/>
-                <a:ea typeface="맑은 고딕" pitchFamily="50" charset="-127"/>
-              </a:rPr>
-              <a:t>4</a:t>
-            </a:r>
-            <a:endParaRPr kumimoji="0" lang="ko-KR" altLang="en-US" sz="1000" b="1" i="0" u="none" strike="noStrike" cap="none" normalizeH="0" baseline="0" dirty="0" smtClean="0">
-              <a:ln>
-                <a:noFill/>
-              </a:ln>
-              <a:solidFill>
-                <a:schemeClr val="tx1"/>
-              </a:solidFill>
-              <a:effectLst/>
-              <a:latin typeface="맑은 고딕" pitchFamily="50" charset="-127"/>
-              <a:ea typeface="맑은 고딕" pitchFamily="50" charset="-127"/>
-            </a:endParaRPr>
-          </a:p>
-        </p:txBody>
-      </p:sp>
-      <p:sp>
-        <p:nvSpPr>
-          <p:cNvPr id="28" name="타원 27"/>
-          <p:cNvSpPr>
-            <a:spLocks noChangeAspect="1"/>
-          </p:cNvSpPr>
-          <p:nvPr/>
-        </p:nvSpPr>
-        <p:spPr bwMode="auto">
-          <a:xfrm>
-            <a:off x="165888" y="2416153"/>
-            <a:ext cx="108000" cy="108000"/>
-          </a:xfrm>
-          <a:prstGeom prst="ellipse">
-            <a:avLst/>
-          </a:prstGeom>
-          <a:solidFill>
-            <a:srgbClr val="0081E2"/>
-          </a:solidFill>
-          <a:ln w="31750" cap="flat" cmpd="dbl" algn="ctr">
-            <a:solidFill>
-              <a:schemeClr val="bg1">
-                <a:lumMod val="50000"/>
-              </a:schemeClr>
-            </a:solidFill>
-            <a:prstDash val="solid"/>
-            <a:round/>
-            <a:headEnd type="none" w="med" len="med"/>
-            <a:tailEnd type="none" w="med" len="med"/>
-          </a:ln>
-          <a:effectLst/>
-        </p:spPr>
-        <p:txBody>
-          <a:bodyPr vert="horz" wrap="none" lIns="90000" tIns="46800" rIns="90000" bIns="46800" numCol="1" rtlCol="0" anchor="ctr" anchorCtr="0" compatLnSpc="1">
-            <a:prstTxWarp prst="textNoShape">
-              <a:avLst/>
-            </a:prstTxWarp>
-          </a:bodyPr>
-          <a:lstStyle/>
-          <a:p>
-            <a:pPr marL="0" marR="0" indent="0" algn="ctr" defTabSz="914400" rtl="0" eaLnBrk="0" fontAlgn="base" latinLnBrk="0" hangingPunct="0">
-              <a:lnSpc>
-                <a:spcPct val="100000"/>
-              </a:lnSpc>
-              <a:spcBef>
-                <a:spcPct val="0"/>
-              </a:spcBef>
-              <a:spcAft>
-                <a:spcPct val="0"/>
-              </a:spcAft>
-              <a:buClrTx/>
-              <a:buSzTx/>
-              <a:buFontTx/>
-              <a:buNone/>
-              <a:tabLst/>
-            </a:pPr>
-            <a:r>
-              <a:rPr lang="en-US" altLang="ko-KR" sz="1000" b="1" dirty="0" smtClean="0">
-                <a:latin typeface="맑은 고딕" pitchFamily="50" charset="-127"/>
-                <a:ea typeface="맑은 고딕" pitchFamily="50" charset="-127"/>
-              </a:rPr>
-              <a:t>5</a:t>
-            </a:r>
-            <a:endParaRPr kumimoji="0" lang="ko-KR" altLang="en-US" sz="1000" b="1" i="0" u="none" strike="noStrike" cap="none" normalizeH="0" baseline="0" dirty="0" smtClean="0">
-              <a:ln>
-                <a:noFill/>
-              </a:ln>
-              <a:solidFill>
-                <a:schemeClr val="tx1"/>
-              </a:solidFill>
-              <a:effectLst/>
-              <a:latin typeface="맑은 고딕" pitchFamily="50" charset="-127"/>
-              <a:ea typeface="맑은 고딕" pitchFamily="50" charset="-127"/>
-            </a:endParaRPr>
-          </a:p>
-        </p:txBody>
-      </p:sp>
-      <p:sp>
-        <p:nvSpPr>
-          <p:cNvPr id="4" name="타원 3"/>
-          <p:cNvSpPr>
-            <a:spLocks noChangeAspect="1"/>
-          </p:cNvSpPr>
-          <p:nvPr/>
-        </p:nvSpPr>
-        <p:spPr bwMode="auto">
-          <a:xfrm>
-            <a:off x="2741013" y="2752120"/>
-            <a:ext cx="108000" cy="108000"/>
-          </a:xfrm>
-          <a:prstGeom prst="ellipse">
-            <a:avLst/>
-          </a:prstGeom>
-          <a:solidFill>
-            <a:srgbClr val="0081E2"/>
-          </a:solidFill>
-          <a:ln w="31750" cap="flat" cmpd="dbl" algn="ctr">
-            <a:solidFill>
-              <a:schemeClr val="bg1">
-                <a:lumMod val="50000"/>
-              </a:schemeClr>
-            </a:solidFill>
-            <a:prstDash val="solid"/>
-            <a:round/>
-            <a:headEnd type="none" w="med" len="med"/>
-            <a:tailEnd type="none" w="med" len="med"/>
-          </a:ln>
-          <a:effectLst/>
-        </p:spPr>
-        <p:txBody>
-          <a:bodyPr vert="horz" wrap="none" lIns="90000" tIns="46800" rIns="90000" bIns="46800" numCol="1" rtlCol="0" anchor="ctr" anchorCtr="0" compatLnSpc="1">
-            <a:prstTxWarp prst="textNoShape">
-              <a:avLst/>
-            </a:prstTxWarp>
-          </a:bodyPr>
-          <a:lstStyle/>
-          <a:p>
-            <a:pPr marL="0" marR="0" indent="0" algn="ctr" defTabSz="914400" rtl="0" eaLnBrk="0" fontAlgn="base" latinLnBrk="0" hangingPunct="0">
-              <a:lnSpc>
-                <a:spcPct val="100000"/>
-              </a:lnSpc>
-              <a:spcBef>
-                <a:spcPct val="0"/>
-              </a:spcBef>
-              <a:spcAft>
-                <a:spcPct val="0"/>
-              </a:spcAft>
-              <a:buClrTx/>
-              <a:buSzTx/>
-              <a:buFontTx/>
-              <a:buNone/>
-              <a:tabLst/>
-            </a:pPr>
-            <a:r>
-              <a:rPr kumimoji="0" lang="en-US" altLang="ko-KR" sz="1000" b="1" i="0" u="none" strike="noStrike" cap="none" normalizeH="0" baseline="0" dirty="0" smtClean="0">
-                <a:ln>
-                  <a:noFill/>
-                </a:ln>
-                <a:solidFill>
-                  <a:schemeClr val="tx1"/>
-                </a:solidFill>
-                <a:effectLst/>
-                <a:latin typeface="맑은 고딕" pitchFamily="50" charset="-127"/>
-                <a:ea typeface="맑은 고딕" pitchFamily="50" charset="-127"/>
-              </a:rPr>
-              <a:t>1</a:t>
-            </a:r>
-            <a:endParaRPr kumimoji="0" lang="ko-KR" altLang="en-US" sz="1000" b="1" i="0" u="none" strike="noStrike" cap="none" normalizeH="0" baseline="0" dirty="0" smtClean="0">
-              <a:ln>
-                <a:noFill/>
-              </a:ln>
-              <a:solidFill>
-                <a:schemeClr val="tx1"/>
-              </a:solidFill>
-              <a:effectLst/>
-              <a:latin typeface="맑은 고딕" pitchFamily="50" charset="-127"/>
-              <a:ea typeface="맑은 고딕" pitchFamily="50" charset="-127"/>
-            </a:endParaRPr>
-          </a:p>
-        </p:txBody>
-      </p:sp>
       <p:graphicFrame>
         <p:nvGraphicFramePr>
           <p:cNvPr id="33" name="Group 240"/>
@@ -21044,6 +21884,398 @@
           </a:graphicData>
         </a:graphic>
       </p:graphicFrame>
+      <p:sp>
+        <p:nvSpPr>
+          <p:cNvPr id="11" name="타원 10"/>
+          <p:cNvSpPr>
+            <a:spLocks noChangeAspect="1"/>
+          </p:cNvSpPr>
+          <p:nvPr/>
+        </p:nvSpPr>
+        <p:spPr bwMode="auto">
+          <a:xfrm>
+            <a:off x="2920024" y="1682226"/>
+            <a:ext cx="177679" cy="177679"/>
+          </a:xfrm>
+          <a:prstGeom prst="ellipse">
+            <a:avLst/>
+          </a:prstGeom>
+          <a:solidFill>
+            <a:srgbClr val="3FADFF"/>
+          </a:solidFill>
+          <a:ln w="31750" cap="flat" cmpd="dbl" algn="ctr">
+            <a:solidFill>
+              <a:schemeClr val="bg1">
+                <a:lumMod val="50000"/>
+              </a:schemeClr>
+            </a:solidFill>
+            <a:prstDash val="solid"/>
+            <a:round/>
+            <a:headEnd type="none" w="med" len="med"/>
+            <a:tailEnd type="none" w="med" len="med"/>
+          </a:ln>
+          <a:effectLst/>
+        </p:spPr>
+        <p:txBody>
+          <a:bodyPr vert="horz" wrap="none" lIns="90000" tIns="46800" rIns="90000" bIns="46800" numCol="1" rtlCol="0" anchor="ctr" anchorCtr="0" compatLnSpc="1">
+            <a:prstTxWarp prst="textNoShape">
+              <a:avLst/>
+            </a:prstTxWarp>
+          </a:bodyPr>
+          <a:lstStyle/>
+          <a:p>
+            <a:pPr marL="0" marR="0" indent="0" algn="ctr" defTabSz="914400" rtl="0" eaLnBrk="0" fontAlgn="base" latinLnBrk="0" hangingPunct="0">
+              <a:lnSpc>
+                <a:spcPct val="100000"/>
+              </a:lnSpc>
+              <a:spcBef>
+                <a:spcPct val="0"/>
+              </a:spcBef>
+              <a:spcAft>
+                <a:spcPct val="0"/>
+              </a:spcAft>
+              <a:buClrTx/>
+              <a:buSzTx/>
+              <a:buFontTx/>
+              <a:buNone/>
+              <a:tabLst/>
+            </a:pPr>
+            <a:r>
+              <a:rPr kumimoji="0" lang="en-US" altLang="ko-KR" sz="1000" b="1" i="0" u="none" strike="noStrike" cap="none" normalizeH="0" baseline="0" dirty="0" smtClean="0">
+                <a:ln>
+                  <a:noFill/>
+                </a:ln>
+                <a:solidFill>
+                  <a:schemeClr val="tx1"/>
+                </a:solidFill>
+                <a:effectLst/>
+                <a:latin typeface="맑은 고딕" pitchFamily="50" charset="-127"/>
+                <a:ea typeface="맑은 고딕" pitchFamily="50" charset="-127"/>
+              </a:rPr>
+              <a:t>1</a:t>
+            </a:r>
+            <a:endParaRPr kumimoji="0" lang="ko-KR" altLang="en-US" sz="1000" b="1" i="0" u="none" strike="noStrike" cap="none" normalizeH="0" baseline="0" dirty="0" smtClean="0">
+              <a:ln>
+                <a:noFill/>
+              </a:ln>
+              <a:solidFill>
+                <a:schemeClr val="tx1"/>
+              </a:solidFill>
+              <a:effectLst/>
+              <a:latin typeface="맑은 고딕" pitchFamily="50" charset="-127"/>
+              <a:ea typeface="맑은 고딕" pitchFamily="50" charset="-127"/>
+            </a:endParaRPr>
+          </a:p>
+        </p:txBody>
+      </p:sp>
+      <p:sp>
+        <p:nvSpPr>
+          <p:cNvPr id="12" name="타원 11"/>
+          <p:cNvSpPr>
+            <a:spLocks noChangeAspect="1"/>
+          </p:cNvSpPr>
+          <p:nvPr/>
+        </p:nvSpPr>
+        <p:spPr bwMode="auto">
+          <a:xfrm>
+            <a:off x="2920024" y="2096649"/>
+            <a:ext cx="177679" cy="177679"/>
+          </a:xfrm>
+          <a:prstGeom prst="ellipse">
+            <a:avLst/>
+          </a:prstGeom>
+          <a:solidFill>
+            <a:srgbClr val="3FADFF"/>
+          </a:solidFill>
+          <a:ln w="31750" cap="flat" cmpd="dbl" algn="ctr">
+            <a:solidFill>
+              <a:schemeClr val="bg1">
+                <a:lumMod val="50000"/>
+              </a:schemeClr>
+            </a:solidFill>
+            <a:prstDash val="solid"/>
+            <a:round/>
+            <a:headEnd type="none" w="med" len="med"/>
+            <a:tailEnd type="none" w="med" len="med"/>
+          </a:ln>
+          <a:effectLst/>
+        </p:spPr>
+        <p:txBody>
+          <a:bodyPr vert="horz" wrap="none" lIns="90000" tIns="46800" rIns="90000" bIns="46800" numCol="1" rtlCol="0" anchor="ctr" anchorCtr="0" compatLnSpc="1">
+            <a:prstTxWarp prst="textNoShape">
+              <a:avLst/>
+            </a:prstTxWarp>
+          </a:bodyPr>
+          <a:lstStyle/>
+          <a:p>
+            <a:pPr marL="0" marR="0" indent="0" algn="ctr" defTabSz="914400" rtl="0" eaLnBrk="0" fontAlgn="base" latinLnBrk="0" hangingPunct="0">
+              <a:lnSpc>
+                <a:spcPct val="100000"/>
+              </a:lnSpc>
+              <a:spcBef>
+                <a:spcPct val="0"/>
+              </a:spcBef>
+              <a:spcAft>
+                <a:spcPct val="0"/>
+              </a:spcAft>
+              <a:buClrTx/>
+              <a:buSzTx/>
+              <a:buFontTx/>
+              <a:buNone/>
+              <a:tabLst/>
+            </a:pPr>
+            <a:r>
+              <a:rPr lang="en-US" altLang="ko-KR" sz="1000" b="1" dirty="0" smtClean="0">
+                <a:latin typeface="맑은 고딕" pitchFamily="50" charset="-127"/>
+                <a:ea typeface="맑은 고딕" pitchFamily="50" charset="-127"/>
+              </a:rPr>
+              <a:t>3</a:t>
+            </a:r>
+            <a:endParaRPr kumimoji="0" lang="ko-KR" altLang="en-US" sz="1000" b="1" i="0" u="none" strike="noStrike" cap="none" normalizeH="0" baseline="0" dirty="0" smtClean="0">
+              <a:ln>
+                <a:noFill/>
+              </a:ln>
+              <a:solidFill>
+                <a:schemeClr val="tx1"/>
+              </a:solidFill>
+              <a:effectLst/>
+              <a:latin typeface="맑은 고딕" pitchFamily="50" charset="-127"/>
+              <a:ea typeface="맑은 고딕" pitchFamily="50" charset="-127"/>
+            </a:endParaRPr>
+          </a:p>
+        </p:txBody>
+      </p:sp>
+      <p:sp>
+        <p:nvSpPr>
+          <p:cNvPr id="13" name="타원 12"/>
+          <p:cNvSpPr>
+            <a:spLocks noChangeAspect="1"/>
+          </p:cNvSpPr>
+          <p:nvPr/>
+        </p:nvSpPr>
+        <p:spPr bwMode="auto">
+          <a:xfrm>
+            <a:off x="2920024" y="2296198"/>
+            <a:ext cx="177679" cy="177679"/>
+          </a:xfrm>
+          <a:prstGeom prst="ellipse">
+            <a:avLst/>
+          </a:prstGeom>
+          <a:solidFill>
+            <a:srgbClr val="3FADFF"/>
+          </a:solidFill>
+          <a:ln w="31750" cap="flat" cmpd="dbl" algn="ctr">
+            <a:solidFill>
+              <a:schemeClr val="bg1">
+                <a:lumMod val="50000"/>
+              </a:schemeClr>
+            </a:solidFill>
+            <a:prstDash val="solid"/>
+            <a:round/>
+            <a:headEnd type="none" w="med" len="med"/>
+            <a:tailEnd type="none" w="med" len="med"/>
+          </a:ln>
+          <a:effectLst/>
+        </p:spPr>
+        <p:txBody>
+          <a:bodyPr vert="horz" wrap="none" lIns="90000" tIns="46800" rIns="90000" bIns="46800" numCol="1" rtlCol="0" anchor="ctr" anchorCtr="0" compatLnSpc="1">
+            <a:prstTxWarp prst="textNoShape">
+              <a:avLst/>
+            </a:prstTxWarp>
+          </a:bodyPr>
+          <a:lstStyle/>
+          <a:p>
+            <a:pPr marL="0" marR="0" indent="0" algn="ctr" defTabSz="914400" rtl="0" eaLnBrk="0" fontAlgn="base" latinLnBrk="0" hangingPunct="0">
+              <a:lnSpc>
+                <a:spcPct val="100000"/>
+              </a:lnSpc>
+              <a:spcBef>
+                <a:spcPct val="0"/>
+              </a:spcBef>
+              <a:spcAft>
+                <a:spcPct val="0"/>
+              </a:spcAft>
+              <a:buClrTx/>
+              <a:buSzTx/>
+              <a:buFontTx/>
+              <a:buNone/>
+              <a:tabLst/>
+            </a:pPr>
+            <a:r>
+              <a:rPr lang="en-US" altLang="ko-KR" sz="1000" b="1" dirty="0" smtClean="0">
+                <a:latin typeface="맑은 고딕" pitchFamily="50" charset="-127"/>
+                <a:ea typeface="맑은 고딕" pitchFamily="50" charset="-127"/>
+              </a:rPr>
+              <a:t>4</a:t>
+            </a:r>
+            <a:endParaRPr kumimoji="0" lang="ko-KR" altLang="en-US" sz="1000" b="1" i="0" u="none" strike="noStrike" cap="none" normalizeH="0" baseline="0" dirty="0" smtClean="0">
+              <a:ln>
+                <a:noFill/>
+              </a:ln>
+              <a:solidFill>
+                <a:schemeClr val="tx1"/>
+              </a:solidFill>
+              <a:effectLst/>
+              <a:latin typeface="맑은 고딕" pitchFamily="50" charset="-127"/>
+              <a:ea typeface="맑은 고딕" pitchFamily="50" charset="-127"/>
+            </a:endParaRPr>
+          </a:p>
+        </p:txBody>
+      </p:sp>
+      <p:sp>
+        <p:nvSpPr>
+          <p:cNvPr id="14" name="타원 13"/>
+          <p:cNvSpPr>
+            <a:spLocks noChangeAspect="1"/>
+          </p:cNvSpPr>
+          <p:nvPr/>
+        </p:nvSpPr>
+        <p:spPr bwMode="auto">
+          <a:xfrm>
+            <a:off x="165888" y="1374024"/>
+            <a:ext cx="177679" cy="177679"/>
+          </a:xfrm>
+          <a:prstGeom prst="ellipse">
+            <a:avLst/>
+          </a:prstGeom>
+          <a:solidFill>
+            <a:srgbClr val="3FADFF"/>
+          </a:solidFill>
+          <a:ln w="31750" cap="flat" cmpd="dbl" algn="ctr">
+            <a:solidFill>
+              <a:schemeClr val="bg1">
+                <a:lumMod val="50000"/>
+              </a:schemeClr>
+            </a:solidFill>
+            <a:prstDash val="solid"/>
+            <a:round/>
+            <a:headEnd type="none" w="med" len="med"/>
+            <a:tailEnd type="none" w="med" len="med"/>
+          </a:ln>
+          <a:effectLst/>
+        </p:spPr>
+        <p:txBody>
+          <a:bodyPr vert="horz" wrap="none" lIns="90000" tIns="46800" rIns="90000" bIns="46800" numCol="1" rtlCol="0" anchor="ctr" anchorCtr="0" compatLnSpc="1">
+            <a:prstTxWarp prst="textNoShape">
+              <a:avLst/>
+            </a:prstTxWarp>
+          </a:bodyPr>
+          <a:lstStyle/>
+          <a:p>
+            <a:pPr marL="0" marR="0" indent="0" algn="ctr" defTabSz="914400" rtl="0" eaLnBrk="0" fontAlgn="base" latinLnBrk="0" hangingPunct="0">
+              <a:lnSpc>
+                <a:spcPct val="100000"/>
+              </a:lnSpc>
+              <a:spcBef>
+                <a:spcPct val="0"/>
+              </a:spcBef>
+              <a:spcAft>
+                <a:spcPct val="0"/>
+              </a:spcAft>
+              <a:buClrTx/>
+              <a:buSzTx/>
+              <a:buFontTx/>
+              <a:buNone/>
+              <a:tabLst/>
+            </a:pPr>
+            <a:r>
+              <a:rPr lang="en-US" altLang="ko-KR" sz="1000" b="1" dirty="0" smtClean="0">
+                <a:latin typeface="맑은 고딕" pitchFamily="50" charset="-127"/>
+                <a:ea typeface="맑은 고딕" pitchFamily="50" charset="-127"/>
+              </a:rPr>
+              <a:t>5</a:t>
+            </a:r>
+            <a:endParaRPr kumimoji="0" lang="ko-KR" altLang="en-US" sz="1000" b="1" i="0" u="none" strike="noStrike" cap="none" normalizeH="0" baseline="0" dirty="0" smtClean="0">
+              <a:ln>
+                <a:noFill/>
+              </a:ln>
+              <a:solidFill>
+                <a:schemeClr val="tx1"/>
+              </a:solidFill>
+              <a:effectLst/>
+              <a:latin typeface="맑은 고딕" pitchFamily="50" charset="-127"/>
+              <a:ea typeface="맑은 고딕" pitchFamily="50" charset="-127"/>
+            </a:endParaRPr>
+          </a:p>
+        </p:txBody>
+      </p:sp>
+      <p:sp>
+        <p:nvSpPr>
+          <p:cNvPr id="15" name="타원 14"/>
+          <p:cNvSpPr>
+            <a:spLocks noChangeAspect="1"/>
+          </p:cNvSpPr>
+          <p:nvPr/>
+        </p:nvSpPr>
+        <p:spPr bwMode="auto">
+          <a:xfrm>
+            <a:off x="2920024" y="1887862"/>
+            <a:ext cx="177679" cy="177679"/>
+          </a:xfrm>
+          <a:prstGeom prst="ellipse">
+            <a:avLst/>
+          </a:prstGeom>
+          <a:solidFill>
+            <a:srgbClr val="3FADFF"/>
+          </a:solidFill>
+          <a:ln w="31750" cap="flat" cmpd="dbl" algn="ctr">
+            <a:solidFill>
+              <a:schemeClr val="bg1">
+                <a:lumMod val="50000"/>
+              </a:schemeClr>
+            </a:solidFill>
+            <a:prstDash val="solid"/>
+            <a:round/>
+            <a:headEnd type="none" w="med" len="med"/>
+            <a:tailEnd type="none" w="med" len="med"/>
+          </a:ln>
+          <a:effectLst/>
+        </p:spPr>
+        <p:txBody>
+          <a:bodyPr vert="horz" wrap="none" lIns="90000" tIns="46800" rIns="90000" bIns="46800" numCol="1" rtlCol="0" anchor="ctr" anchorCtr="0" compatLnSpc="1">
+            <a:prstTxWarp prst="textNoShape">
+              <a:avLst/>
+            </a:prstTxWarp>
+          </a:bodyPr>
+          <a:lstStyle/>
+          <a:p>
+            <a:pPr marL="0" marR="0" indent="0" algn="ctr" defTabSz="914400" rtl="0" eaLnBrk="0" fontAlgn="base" latinLnBrk="0" hangingPunct="0">
+              <a:lnSpc>
+                <a:spcPct val="100000"/>
+              </a:lnSpc>
+              <a:spcBef>
+                <a:spcPct val="0"/>
+              </a:spcBef>
+              <a:spcAft>
+                <a:spcPct val="0"/>
+              </a:spcAft>
+              <a:buClrTx/>
+              <a:buSzTx/>
+              <a:buFontTx/>
+              <a:buNone/>
+              <a:tabLst/>
+            </a:pPr>
+            <a:r>
+              <a:rPr lang="en-US" altLang="ko-KR" sz="1000" b="1" dirty="0">
+                <a:latin typeface="맑은 고딕" pitchFamily="50" charset="-127"/>
+                <a:ea typeface="맑은 고딕" pitchFamily="50" charset="-127"/>
+              </a:rPr>
+              <a:t>2</a:t>
+            </a:r>
+            <a:endParaRPr kumimoji="0" lang="ko-KR" altLang="en-US" sz="1000" b="1" i="0" u="none" strike="noStrike" cap="none" normalizeH="0" baseline="0" dirty="0" smtClean="0">
+              <a:ln>
+                <a:noFill/>
+              </a:ln>
+              <a:solidFill>
+                <a:schemeClr val="tx1"/>
+              </a:solidFill>
+              <a:effectLst/>
+              <a:latin typeface="맑은 고딕" pitchFamily="50" charset="-127"/>
+              <a:ea typeface="맑은 고딕" pitchFamily="50" charset="-127"/>
+            </a:endParaRPr>
+          </a:p>
+        </p:txBody>
+      </p:sp>
     </p:spTree>
     <p:extLst>
       <p:ext uri="{BB962C8B-B14F-4D97-AF65-F5344CB8AC3E}">
@@ -21106,13 +22338,13 @@
           <p:nvPr>
             <p:extLst>
               <p:ext uri="{D42A27DB-BD31-4B8C-83A1-F6EECF244321}">
-                <p14:modId xmlns:p14="http://schemas.microsoft.com/office/powerpoint/2010/main" val="449745606"/>
+                <p14:modId xmlns:p14="http://schemas.microsoft.com/office/powerpoint/2010/main" val="2893967477"/>
               </p:ext>
             </p:extLst>
           </p:nvPr>
         </p:nvGraphicFramePr>
         <p:xfrm>
-          <a:off x="4623752" y="1222736"/>
+          <a:off x="4863888" y="1241208"/>
           <a:ext cx="4050032" cy="1833284"/>
         </p:xfrm>
         <a:graphic>
@@ -23797,7 +25029,7 @@
       </p:graphicFrame>
       <p:pic>
         <p:nvPicPr>
-          <p:cNvPr id="29" name="그림 28"/>
+          <p:cNvPr id="12" name="그림 11"/>
           <p:cNvPicPr>
             <a:picLocks noChangeAspect="1"/>
           </p:cNvPicPr>
@@ -23811,8 +25043,8 @@
         </p:blipFill>
         <p:spPr>
           <a:xfrm>
-            <a:off x="101602" y="2233835"/>
-            <a:ext cx="4456235" cy="1742883"/>
+            <a:off x="184360" y="1258897"/>
+            <a:ext cx="4581603" cy="1791916"/>
           </a:xfrm>
           <a:prstGeom prst="rect">
             <a:avLst/>
@@ -23821,7 +25053,7 @@
       </p:pic>
       <p:sp>
         <p:nvSpPr>
-          <p:cNvPr id="24" name="타원 23"/>
+          <p:cNvPr id="13" name="타원 12"/>
           <p:cNvSpPr>
             <a:spLocks noChangeAspect="1"/>
           </p:cNvSpPr>
@@ -23829,168 +25061,14 @@
         </p:nvSpPr>
         <p:spPr bwMode="auto">
           <a:xfrm>
-            <a:off x="3032086" y="2362153"/>
-            <a:ext cx="108000" cy="108000"/>
+            <a:off x="2696165" y="1314657"/>
+            <a:ext cx="177679" cy="177679"/>
           </a:xfrm>
           <a:prstGeom prst="ellipse">
             <a:avLst/>
           </a:prstGeom>
           <a:solidFill>
-            <a:srgbClr val="0081E2"/>
-          </a:solidFill>
-          <a:ln w="31750" cap="flat" cmpd="dbl" algn="ctr">
-            <a:solidFill>
-              <a:schemeClr val="bg1">
-                <a:lumMod val="50000"/>
-              </a:schemeClr>
-            </a:solidFill>
-            <a:prstDash val="solid"/>
-            <a:round/>
-            <a:headEnd type="none" w="med" len="med"/>
-            <a:tailEnd type="none" w="med" len="med"/>
-          </a:ln>
-          <a:effectLst/>
-        </p:spPr>
-        <p:txBody>
-          <a:bodyPr vert="horz" wrap="none" lIns="90000" tIns="46800" rIns="90000" bIns="46800" numCol="1" rtlCol="0" anchor="ctr" anchorCtr="0" compatLnSpc="1">
-            <a:prstTxWarp prst="textNoShape">
-              <a:avLst/>
-            </a:prstTxWarp>
-          </a:bodyPr>
-          <a:lstStyle/>
-          <a:p>
-            <a:pPr marL="0" marR="0" indent="0" algn="ctr" defTabSz="914400" rtl="0" eaLnBrk="0" fontAlgn="base" latinLnBrk="0" hangingPunct="0">
-              <a:lnSpc>
-                <a:spcPct val="100000"/>
-              </a:lnSpc>
-              <a:spcBef>
-                <a:spcPct val="0"/>
-              </a:spcBef>
-              <a:spcAft>
-                <a:spcPct val="0"/>
-              </a:spcAft>
-              <a:buClrTx/>
-              <a:buSzTx/>
-              <a:buFontTx/>
-              <a:buNone/>
-              <a:tabLst/>
-            </a:pPr>
-            <a:r>
-              <a:rPr lang="en-US" altLang="ko-KR" sz="1000" b="1" dirty="0">
-                <a:latin typeface="맑은 고딕" pitchFamily="50" charset="-127"/>
-                <a:ea typeface="맑은 고딕" pitchFamily="50" charset="-127"/>
-              </a:rPr>
-              <a:t>2</a:t>
-            </a:r>
-            <a:endParaRPr kumimoji="0" lang="ko-KR" altLang="en-US" sz="1000" b="1" i="0" u="none" strike="noStrike" cap="none" normalizeH="0" baseline="0" dirty="0" smtClean="0">
-              <a:ln>
-                <a:noFill/>
-              </a:ln>
-              <a:solidFill>
-                <a:schemeClr val="tx1"/>
-              </a:solidFill>
-              <a:effectLst/>
-              <a:latin typeface="맑은 고딕" pitchFamily="50" charset="-127"/>
-              <a:ea typeface="맑은 고딕" pitchFamily="50" charset="-127"/>
-            </a:endParaRPr>
-          </a:p>
-        </p:txBody>
-      </p:sp>
-      <p:sp>
-        <p:nvSpPr>
-          <p:cNvPr id="25" name="타원 24"/>
-          <p:cNvSpPr>
-            <a:spLocks noChangeAspect="1"/>
-          </p:cNvSpPr>
-          <p:nvPr/>
-        </p:nvSpPr>
-        <p:spPr bwMode="auto">
-          <a:xfrm>
-            <a:off x="3492302" y="2362153"/>
-            <a:ext cx="108000" cy="108000"/>
-          </a:xfrm>
-          <a:prstGeom prst="ellipse">
-            <a:avLst/>
-          </a:prstGeom>
-          <a:solidFill>
-            <a:srgbClr val="0081E2"/>
-          </a:solidFill>
-          <a:ln w="31750" cap="flat" cmpd="dbl" algn="ctr">
-            <a:solidFill>
-              <a:schemeClr val="bg1">
-                <a:lumMod val="50000"/>
-              </a:schemeClr>
-            </a:solidFill>
-            <a:prstDash val="solid"/>
-            <a:round/>
-            <a:headEnd type="none" w="med" len="med"/>
-            <a:tailEnd type="none" w="med" len="med"/>
-          </a:ln>
-          <a:effectLst/>
-        </p:spPr>
-        <p:txBody>
-          <a:bodyPr vert="horz" wrap="none" lIns="90000" tIns="46800" rIns="90000" bIns="46800" numCol="1" rtlCol="0" anchor="ctr" anchorCtr="0" compatLnSpc="1">
-            <a:prstTxWarp prst="textNoShape">
-              <a:avLst/>
-            </a:prstTxWarp>
-          </a:bodyPr>
-          <a:lstStyle/>
-          <a:p>
-            <a:pPr marL="0" marR="0" indent="0" algn="ctr" defTabSz="914400" rtl="0" eaLnBrk="0" fontAlgn="base" latinLnBrk="0" hangingPunct="0">
-              <a:lnSpc>
-                <a:spcPct val="100000"/>
-              </a:lnSpc>
-              <a:spcBef>
-                <a:spcPct val="0"/>
-              </a:spcBef>
-              <a:spcAft>
-                <a:spcPct val="0"/>
-              </a:spcAft>
-              <a:buClrTx/>
-              <a:buSzTx/>
-              <a:buFontTx/>
-              <a:buNone/>
-              <a:tabLst/>
-            </a:pPr>
-            <a:r>
-              <a:rPr lang="en-US" altLang="ko-KR" sz="1000" b="1" dirty="0">
-                <a:latin typeface="맑은 고딕" pitchFamily="50" charset="-127"/>
-                <a:ea typeface="맑은 고딕" pitchFamily="50" charset="-127"/>
-              </a:rPr>
-              <a:t>3</a:t>
-            </a:r>
-            <a:endParaRPr kumimoji="0" lang="ko-KR" altLang="en-US" sz="1000" b="1" i="0" u="none" strike="noStrike" cap="none" normalizeH="0" baseline="0" dirty="0" smtClean="0">
-              <a:ln>
-                <a:noFill/>
-              </a:ln>
-              <a:solidFill>
-                <a:schemeClr val="tx1"/>
-              </a:solidFill>
-              <a:effectLst/>
-              <a:latin typeface="맑은 고딕" pitchFamily="50" charset="-127"/>
-              <a:ea typeface="맑은 고딕" pitchFamily="50" charset="-127"/>
-            </a:endParaRPr>
-          </a:p>
-        </p:txBody>
-      </p:sp>
-      <p:sp>
-        <p:nvSpPr>
-          <p:cNvPr id="26" name="타원 25"/>
-          <p:cNvSpPr>
-            <a:spLocks noChangeAspect="1"/>
-          </p:cNvSpPr>
-          <p:nvPr/>
-        </p:nvSpPr>
-        <p:spPr bwMode="auto">
-          <a:xfrm>
-            <a:off x="3944888" y="2362153"/>
-            <a:ext cx="108000" cy="108000"/>
-          </a:xfrm>
-          <a:prstGeom prst="ellipse">
-            <a:avLst/>
-          </a:prstGeom>
-          <a:solidFill>
-            <a:srgbClr val="0081E2"/>
+            <a:srgbClr val="3FADFF"/>
           </a:solidFill>
           <a:ln w="31750" cap="flat" cmpd="dbl" algn="ctr">
             <a:solidFill>
@@ -24041,6 +25119,160 @@
                 <a:latin typeface="맑은 고딕" pitchFamily="50" charset="-127"/>
                 <a:ea typeface="맑은 고딕" pitchFamily="50" charset="-127"/>
               </a:rPr>
+              <a:t>1</a:t>
+            </a:r>
+            <a:endParaRPr kumimoji="0" lang="ko-KR" altLang="en-US" sz="1000" b="1" i="0" u="none" strike="noStrike" cap="none" normalizeH="0" baseline="0" dirty="0" smtClean="0">
+              <a:ln>
+                <a:noFill/>
+              </a:ln>
+              <a:solidFill>
+                <a:schemeClr val="tx1"/>
+              </a:solidFill>
+              <a:effectLst/>
+              <a:latin typeface="맑은 고딕" pitchFamily="50" charset="-127"/>
+              <a:ea typeface="맑은 고딕" pitchFamily="50" charset="-127"/>
+            </a:endParaRPr>
+          </a:p>
+        </p:txBody>
+      </p:sp>
+      <p:sp>
+        <p:nvSpPr>
+          <p:cNvPr id="17" name="타원 16"/>
+          <p:cNvSpPr>
+            <a:spLocks noChangeAspect="1"/>
+          </p:cNvSpPr>
+          <p:nvPr/>
+        </p:nvSpPr>
+        <p:spPr bwMode="auto">
+          <a:xfrm>
+            <a:off x="3665982" y="1305421"/>
+            <a:ext cx="177679" cy="177679"/>
+          </a:xfrm>
+          <a:prstGeom prst="ellipse">
+            <a:avLst/>
+          </a:prstGeom>
+          <a:solidFill>
+            <a:srgbClr val="3FADFF"/>
+          </a:solidFill>
+          <a:ln w="31750" cap="flat" cmpd="dbl" algn="ctr">
+            <a:solidFill>
+              <a:schemeClr val="bg1">
+                <a:lumMod val="50000"/>
+              </a:schemeClr>
+            </a:solidFill>
+            <a:prstDash val="solid"/>
+            <a:round/>
+            <a:headEnd type="none" w="med" len="med"/>
+            <a:tailEnd type="none" w="med" len="med"/>
+          </a:ln>
+          <a:effectLst/>
+        </p:spPr>
+        <p:txBody>
+          <a:bodyPr vert="horz" wrap="none" lIns="90000" tIns="46800" rIns="90000" bIns="46800" numCol="1" rtlCol="0" anchor="ctr" anchorCtr="0" compatLnSpc="1">
+            <a:prstTxWarp prst="textNoShape">
+              <a:avLst/>
+            </a:prstTxWarp>
+          </a:bodyPr>
+          <a:lstStyle/>
+          <a:p>
+            <a:pPr marL="0" marR="0" indent="0" algn="ctr" defTabSz="914400" rtl="0" eaLnBrk="0" fontAlgn="base" latinLnBrk="0" hangingPunct="0">
+              <a:lnSpc>
+                <a:spcPct val="100000"/>
+              </a:lnSpc>
+              <a:spcBef>
+                <a:spcPct val="0"/>
+              </a:spcBef>
+              <a:spcAft>
+                <a:spcPct val="0"/>
+              </a:spcAft>
+              <a:buClrTx/>
+              <a:buSzTx/>
+              <a:buFontTx/>
+              <a:buNone/>
+              <a:tabLst/>
+            </a:pPr>
+            <a:r>
+              <a:rPr lang="en-US" altLang="ko-KR" sz="1000" b="1" dirty="0" smtClean="0">
+                <a:latin typeface="맑은 고딕" pitchFamily="50" charset="-127"/>
+                <a:ea typeface="맑은 고딕" pitchFamily="50" charset="-127"/>
+              </a:rPr>
+              <a:t>3</a:t>
+            </a:r>
+            <a:endParaRPr kumimoji="0" lang="ko-KR" altLang="en-US" sz="1000" b="1" i="0" u="none" strike="noStrike" cap="none" normalizeH="0" baseline="0" dirty="0" smtClean="0">
+              <a:ln>
+                <a:noFill/>
+              </a:ln>
+              <a:solidFill>
+                <a:schemeClr val="tx1"/>
+              </a:solidFill>
+              <a:effectLst/>
+              <a:latin typeface="맑은 고딕" pitchFamily="50" charset="-127"/>
+              <a:ea typeface="맑은 고딕" pitchFamily="50" charset="-127"/>
+            </a:endParaRPr>
+          </a:p>
+        </p:txBody>
+      </p:sp>
+      <p:sp>
+        <p:nvSpPr>
+          <p:cNvPr id="18" name="타원 17"/>
+          <p:cNvSpPr>
+            <a:spLocks noChangeAspect="1"/>
+          </p:cNvSpPr>
+          <p:nvPr/>
+        </p:nvSpPr>
+        <p:spPr bwMode="auto">
+          <a:xfrm>
+            <a:off x="4109327" y="1307851"/>
+            <a:ext cx="177679" cy="177679"/>
+          </a:xfrm>
+          <a:prstGeom prst="ellipse">
+            <a:avLst/>
+          </a:prstGeom>
+          <a:solidFill>
+            <a:srgbClr val="3FADFF"/>
+          </a:solidFill>
+          <a:ln w="31750" cap="flat" cmpd="dbl" algn="ctr">
+            <a:solidFill>
+              <a:schemeClr val="bg1">
+                <a:lumMod val="50000"/>
+              </a:schemeClr>
+            </a:solidFill>
+            <a:prstDash val="solid"/>
+            <a:round/>
+            <a:headEnd type="none" w="med" len="med"/>
+            <a:tailEnd type="none" w="med" len="med"/>
+          </a:ln>
+          <a:effectLst/>
+        </p:spPr>
+        <p:txBody>
+          <a:bodyPr vert="horz" wrap="none" lIns="90000" tIns="46800" rIns="90000" bIns="46800" numCol="1" rtlCol="0" anchor="ctr" anchorCtr="0" compatLnSpc="1">
+            <a:prstTxWarp prst="textNoShape">
+              <a:avLst/>
+            </a:prstTxWarp>
+          </a:bodyPr>
+          <a:lstStyle/>
+          <a:p>
+            <a:pPr marL="0" marR="0" indent="0" algn="ctr" defTabSz="914400" rtl="0" eaLnBrk="0" fontAlgn="base" latinLnBrk="0" hangingPunct="0">
+              <a:lnSpc>
+                <a:spcPct val="100000"/>
+              </a:lnSpc>
+              <a:spcBef>
+                <a:spcPct val="0"/>
+              </a:spcBef>
+              <a:spcAft>
+                <a:spcPct val="0"/>
+              </a:spcAft>
+              <a:buClrTx/>
+              <a:buSzTx/>
+              <a:buFontTx/>
+              <a:buNone/>
+              <a:tabLst/>
+            </a:pPr>
+            <a:r>
+              <a:rPr lang="en-US" altLang="ko-KR" sz="1000" b="1" dirty="0" smtClean="0">
+                <a:latin typeface="맑은 고딕" pitchFamily="50" charset="-127"/>
+                <a:ea typeface="맑은 고딕" pitchFamily="50" charset="-127"/>
+              </a:rPr>
               <a:t>4</a:t>
             </a:r>
             <a:endParaRPr kumimoji="0" lang="ko-KR" altLang="en-US" sz="1000" b="1" i="0" u="none" strike="noStrike" cap="none" normalizeH="0" baseline="0" dirty="0" smtClean="0">
@@ -24059,7 +25291,7 @@
       </p:sp>
       <p:sp>
         <p:nvSpPr>
-          <p:cNvPr id="28" name="타원 27"/>
+          <p:cNvPr id="19" name="타원 18"/>
           <p:cNvSpPr>
             <a:spLocks noChangeAspect="1"/>
           </p:cNvSpPr>
@@ -24067,14 +25299,14 @@
         </p:nvSpPr>
         <p:spPr bwMode="auto">
           <a:xfrm>
-            <a:off x="3944888" y="3586367"/>
-            <a:ext cx="108000" cy="108000"/>
+            <a:off x="4053911" y="2612368"/>
+            <a:ext cx="177679" cy="177679"/>
           </a:xfrm>
           <a:prstGeom prst="ellipse">
             <a:avLst/>
           </a:prstGeom>
           <a:solidFill>
-            <a:srgbClr val="0081E2"/>
+            <a:srgbClr val="3FADFF"/>
           </a:solidFill>
           <a:ln w="31750" cap="flat" cmpd="dbl" algn="ctr">
             <a:solidFill>
@@ -24136,7 +25368,7 @@
       </p:sp>
       <p:sp>
         <p:nvSpPr>
-          <p:cNvPr id="4" name="타원 3"/>
+          <p:cNvPr id="21" name="타원 20"/>
           <p:cNvSpPr>
             <a:spLocks noChangeAspect="1"/>
           </p:cNvSpPr>
@@ -24144,14 +25376,14 @@
         </p:nvSpPr>
         <p:spPr bwMode="auto">
           <a:xfrm>
-            <a:off x="2577728" y="2362153"/>
-            <a:ext cx="108000" cy="108000"/>
+            <a:off x="3194931" y="1307851"/>
+            <a:ext cx="177679" cy="177679"/>
           </a:xfrm>
           <a:prstGeom prst="ellipse">
             <a:avLst/>
           </a:prstGeom>
           <a:solidFill>
-            <a:srgbClr val="0081E2"/>
+            <a:srgbClr val="3FADFF"/>
           </a:solidFill>
           <a:ln w="31750" cap="flat" cmpd="dbl" algn="ctr">
             <a:solidFill>
@@ -24191,18 +25423,11 @@
               <a:tabLst/>
             </a:pPr>
             <a:r>
-              <a:rPr kumimoji="0" lang="en-US" altLang="ko-KR" sz="1000" b="1" i="0" u="none" strike="noStrike" cap="none" normalizeH="0" baseline="0" dirty="0" smtClean="0">
-                <a:ln>
-                  <a:noFill/>
-                </a:ln>
-                <a:solidFill>
-                  <a:schemeClr val="tx1"/>
-                </a:solidFill>
-                <a:effectLst/>
+              <a:rPr lang="en-US" altLang="ko-KR" sz="1000" b="1" dirty="0">
                 <a:latin typeface="맑은 고딕" pitchFamily="50" charset="-127"/>
                 <a:ea typeface="맑은 고딕" pitchFamily="50" charset="-127"/>
               </a:rPr>
-              <a:t>1</a:t>
+              <a:t>2</a:t>
             </a:r>
             <a:endParaRPr kumimoji="0" lang="ko-KR" altLang="en-US" sz="1000" b="1" i="0" u="none" strike="noStrike" cap="none" normalizeH="0" baseline="0" dirty="0" smtClean="0">
               <a:ln>
@@ -24281,7 +25506,7 @@
             <p:ph idx="1"/>
             <p:extLst>
               <p:ext uri="{D42A27DB-BD31-4B8C-83A1-F6EECF244321}">
-                <p14:modId xmlns:p14="http://schemas.microsoft.com/office/powerpoint/2010/main" val="1319916694"/>
+                <p14:modId xmlns:p14="http://schemas.microsoft.com/office/powerpoint/2010/main" val="2881066919"/>
               </p:ext>
             </p:extLst>
           </p:nvPr>
@@ -24935,7 +26160,17 @@
                     <a:lstStyle/>
                     <a:p>
                       <a:pPr algn="ctr" latinLnBrk="1"/>
-                      <a:endParaRPr lang="ko-KR" altLang="en-US" sz="1200" b="0">
+                      <a:r>
+                        <a:rPr lang="en-US" altLang="ko-KR" sz="1200" b="0" dirty="0" smtClean="0">
+                          <a:solidFill>
+                            <a:schemeClr val="tx1"/>
+                          </a:solidFill>
+                          <a:latin typeface="맑은 고딕" pitchFamily="50" charset="-127"/>
+                          <a:ea typeface="맑은 고딕" pitchFamily="50" charset="-127"/>
+                        </a:rPr>
+                        <a:t>2017/06/03</a:t>
+                      </a:r>
+                      <a:endParaRPr lang="ko-KR" altLang="en-US" sz="1200" b="0" dirty="0">
                         <a:solidFill>
                           <a:schemeClr val="tx1"/>
                         </a:solidFill>
@@ -24956,6 +26191,16 @@
                     <a:lstStyle/>
                     <a:p>
                       <a:pPr algn="ctr" latinLnBrk="1"/>
+                      <a:r>
+                        <a:rPr lang="en-US" altLang="ko-KR" sz="1200" b="0" dirty="0" smtClean="0">
+                          <a:solidFill>
+                            <a:schemeClr val="tx1"/>
+                          </a:solidFill>
+                          <a:latin typeface="맑은 고딕" pitchFamily="50" charset="-127"/>
+                          <a:ea typeface="맑은 고딕" pitchFamily="50" charset="-127"/>
+                        </a:rPr>
+                        <a:t>V1.3</a:t>
+                      </a:r>
                       <a:endParaRPr lang="ko-KR" altLang="en-US" sz="1200" b="0" dirty="0">
                         <a:solidFill>
                           <a:schemeClr val="tx1"/>
@@ -24977,6 +26222,16 @@
                     <a:lstStyle/>
                     <a:p>
                       <a:pPr latinLnBrk="1"/>
+                      <a:r>
+                        <a:rPr lang="ko-KR" altLang="en-US" sz="1200" b="0" dirty="0" smtClean="0">
+                          <a:solidFill>
+                            <a:schemeClr val="tx1"/>
+                          </a:solidFill>
+                          <a:latin typeface="맑은 고딕" pitchFamily="50" charset="-127"/>
+                          <a:ea typeface="맑은 고딕" pitchFamily="50" charset="-127"/>
+                        </a:rPr>
+                        <a:t>요구사항변경으로 인한 정정</a:t>
+                      </a:r>
                       <a:endParaRPr lang="ko-KR" altLang="en-US" sz="1200" b="0" dirty="0">
                         <a:solidFill>
                           <a:schemeClr val="tx1"/>
@@ -24998,6 +26253,16 @@
                     <a:lstStyle/>
                     <a:p>
                       <a:pPr algn="ctr" latinLnBrk="1"/>
+                      <a:r>
+                        <a:rPr lang="ko-KR" altLang="en-US" sz="1200" b="0" dirty="0" smtClean="0">
+                          <a:solidFill>
+                            <a:schemeClr val="tx1"/>
+                          </a:solidFill>
+                          <a:latin typeface="맑은 고딕" pitchFamily="50" charset="-127"/>
+                          <a:ea typeface="맑은 고딕" pitchFamily="50" charset="-127"/>
+                        </a:rPr>
+                        <a:t>임정연</a:t>
+                      </a:r>
                       <a:endParaRPr lang="ko-KR" altLang="en-US" sz="1200" b="0" dirty="0">
                         <a:solidFill>
                           <a:schemeClr val="tx1"/>
@@ -29496,8 +30761,8 @@
         </p:blipFill>
         <p:spPr>
           <a:xfrm>
-            <a:off x="403953" y="1145856"/>
-            <a:ext cx="3901346" cy="5176784"/>
+            <a:off x="450133" y="1192036"/>
+            <a:ext cx="3807113" cy="5051744"/>
           </a:xfrm>
           <a:prstGeom prst="rect">
             <a:avLst/>
@@ -29534,6 +30799,36 @@
           <a:chExt cx="0" cy="0"/>
         </a:xfrm>
       </p:grpSpPr>
+      <p:pic>
+        <p:nvPicPr>
+          <p:cNvPr id="17" name="그림 16"/>
+          <p:cNvPicPr>
+            <a:picLocks noChangeAspect="1"/>
+          </p:cNvPicPr>
+          <p:nvPr/>
+        </p:nvPicPr>
+        <p:blipFill>
+          <a:blip r:embed="rId2">
+            <a:extLst>
+              <a:ext uri="{28A0092B-C50C-407E-A947-70E740481C1C}">
+                <a14:useLocalDpi xmlns:a14="http://schemas.microsoft.com/office/drawing/2010/main" val="0"/>
+              </a:ext>
+            </a:extLst>
+          </a:blip>
+          <a:stretch>
+            <a:fillRect/>
+          </a:stretch>
+        </p:blipFill>
+        <p:spPr>
+          <a:xfrm>
+            <a:off x="450133" y="1192036"/>
+            <a:ext cx="3807113" cy="5051744"/>
+          </a:xfrm>
+          <a:prstGeom prst="rect">
+            <a:avLst/>
+          </a:prstGeom>
+        </p:spPr>
+      </p:pic>
       <p:sp>
         <p:nvSpPr>
           <p:cNvPr id="2" name="바닥글 개체 틀 1"/>
@@ -32176,39 +33471,9 @@
           </a:graphicData>
         </a:graphic>
       </p:graphicFrame>
-      <p:pic>
-        <p:nvPicPr>
-          <p:cNvPr id="11" name="그림 10"/>
-          <p:cNvPicPr>
-            <a:picLocks noChangeAspect="1"/>
-          </p:cNvPicPr>
-          <p:nvPr/>
-        </p:nvPicPr>
-        <p:blipFill>
-          <a:blip r:embed="rId2">
-            <a:extLst>
-              <a:ext uri="{28A0092B-C50C-407E-A947-70E740481C1C}">
-                <a14:useLocalDpi xmlns:a14="http://schemas.microsoft.com/office/drawing/2010/main" val="0"/>
-              </a:ext>
-            </a:extLst>
-          </a:blip>
-          <a:stretch>
-            <a:fillRect/>
-          </a:stretch>
-        </p:blipFill>
-        <p:spPr>
-          <a:xfrm>
-            <a:off x="438741" y="1126851"/>
-            <a:ext cx="3901346" cy="5176784"/>
-          </a:xfrm>
-          <a:prstGeom prst="rect">
-            <a:avLst/>
-          </a:prstGeom>
-        </p:spPr>
-      </p:pic>
       <p:sp>
         <p:nvSpPr>
-          <p:cNvPr id="24" name="타원 23"/>
+          <p:cNvPr id="12" name="타원 11"/>
           <p:cNvSpPr>
             <a:spLocks noChangeAspect="1"/>
           </p:cNvSpPr>
@@ -32216,168 +33481,14 @@
         </p:nvSpPr>
         <p:spPr bwMode="auto">
           <a:xfrm>
-            <a:off x="1491757" y="5547742"/>
-            <a:ext cx="108000" cy="108000"/>
+            <a:off x="627219" y="5489494"/>
+            <a:ext cx="177679" cy="177679"/>
           </a:xfrm>
           <a:prstGeom prst="ellipse">
             <a:avLst/>
           </a:prstGeom>
           <a:solidFill>
-            <a:srgbClr val="0081E2"/>
-          </a:solidFill>
-          <a:ln w="31750" cap="flat" cmpd="dbl" algn="ctr">
-            <a:solidFill>
-              <a:schemeClr val="bg1">
-                <a:lumMod val="50000"/>
-              </a:schemeClr>
-            </a:solidFill>
-            <a:prstDash val="solid"/>
-            <a:round/>
-            <a:headEnd type="none" w="med" len="med"/>
-            <a:tailEnd type="none" w="med" len="med"/>
-          </a:ln>
-          <a:effectLst/>
-        </p:spPr>
-        <p:txBody>
-          <a:bodyPr vert="horz" wrap="none" lIns="90000" tIns="46800" rIns="90000" bIns="46800" numCol="1" rtlCol="0" anchor="ctr" anchorCtr="0" compatLnSpc="1">
-            <a:prstTxWarp prst="textNoShape">
-              <a:avLst/>
-            </a:prstTxWarp>
-          </a:bodyPr>
-          <a:lstStyle/>
-          <a:p>
-            <a:pPr marL="0" marR="0" indent="0" algn="ctr" defTabSz="914400" rtl="0" eaLnBrk="0" fontAlgn="base" latinLnBrk="0" hangingPunct="0">
-              <a:lnSpc>
-                <a:spcPct val="100000"/>
-              </a:lnSpc>
-              <a:spcBef>
-                <a:spcPct val="0"/>
-              </a:spcBef>
-              <a:spcAft>
-                <a:spcPct val="0"/>
-              </a:spcAft>
-              <a:buClrTx/>
-              <a:buSzTx/>
-              <a:buFontTx/>
-              <a:buNone/>
-              <a:tabLst/>
-            </a:pPr>
-            <a:r>
-              <a:rPr lang="en-US" altLang="ko-KR" sz="1000" b="1" dirty="0">
-                <a:latin typeface="맑은 고딕" pitchFamily="50" charset="-127"/>
-                <a:ea typeface="맑은 고딕" pitchFamily="50" charset="-127"/>
-              </a:rPr>
-              <a:t>2</a:t>
-            </a:r>
-            <a:endParaRPr kumimoji="0" lang="ko-KR" altLang="en-US" sz="1000" b="1" i="0" u="none" strike="noStrike" cap="none" normalizeH="0" baseline="0" dirty="0" smtClean="0">
-              <a:ln>
-                <a:noFill/>
-              </a:ln>
-              <a:solidFill>
-                <a:schemeClr val="tx1"/>
-              </a:solidFill>
-              <a:effectLst/>
-              <a:latin typeface="맑은 고딕" pitchFamily="50" charset="-127"/>
-              <a:ea typeface="맑은 고딕" pitchFamily="50" charset="-127"/>
-            </a:endParaRPr>
-          </a:p>
-        </p:txBody>
-      </p:sp>
-      <p:sp>
-        <p:nvSpPr>
-          <p:cNvPr id="25" name="타원 24"/>
-          <p:cNvSpPr>
-            <a:spLocks noChangeAspect="1"/>
-          </p:cNvSpPr>
-          <p:nvPr/>
-        </p:nvSpPr>
-        <p:spPr bwMode="auto">
-          <a:xfrm>
-            <a:off x="2335414" y="5547742"/>
-            <a:ext cx="108000" cy="108000"/>
-          </a:xfrm>
-          <a:prstGeom prst="ellipse">
-            <a:avLst/>
-          </a:prstGeom>
-          <a:solidFill>
-            <a:srgbClr val="0081E2"/>
-          </a:solidFill>
-          <a:ln w="31750" cap="flat" cmpd="dbl" algn="ctr">
-            <a:solidFill>
-              <a:schemeClr val="bg1">
-                <a:lumMod val="50000"/>
-              </a:schemeClr>
-            </a:solidFill>
-            <a:prstDash val="solid"/>
-            <a:round/>
-            <a:headEnd type="none" w="med" len="med"/>
-            <a:tailEnd type="none" w="med" len="med"/>
-          </a:ln>
-          <a:effectLst/>
-        </p:spPr>
-        <p:txBody>
-          <a:bodyPr vert="horz" wrap="none" lIns="90000" tIns="46800" rIns="90000" bIns="46800" numCol="1" rtlCol="0" anchor="ctr" anchorCtr="0" compatLnSpc="1">
-            <a:prstTxWarp prst="textNoShape">
-              <a:avLst/>
-            </a:prstTxWarp>
-          </a:bodyPr>
-          <a:lstStyle/>
-          <a:p>
-            <a:pPr marL="0" marR="0" indent="0" algn="ctr" defTabSz="914400" rtl="0" eaLnBrk="0" fontAlgn="base" latinLnBrk="0" hangingPunct="0">
-              <a:lnSpc>
-                <a:spcPct val="100000"/>
-              </a:lnSpc>
-              <a:spcBef>
-                <a:spcPct val="0"/>
-              </a:spcBef>
-              <a:spcAft>
-                <a:spcPct val="0"/>
-              </a:spcAft>
-              <a:buClrTx/>
-              <a:buSzTx/>
-              <a:buFontTx/>
-              <a:buNone/>
-              <a:tabLst/>
-            </a:pPr>
-            <a:r>
-              <a:rPr lang="en-US" altLang="ko-KR" sz="1000" b="1" dirty="0">
-                <a:latin typeface="맑은 고딕" pitchFamily="50" charset="-127"/>
-                <a:ea typeface="맑은 고딕" pitchFamily="50" charset="-127"/>
-              </a:rPr>
-              <a:t>3</a:t>
-            </a:r>
-            <a:endParaRPr kumimoji="0" lang="ko-KR" altLang="en-US" sz="1000" b="1" i="0" u="none" strike="noStrike" cap="none" normalizeH="0" baseline="0" dirty="0" smtClean="0">
-              <a:ln>
-                <a:noFill/>
-              </a:ln>
-              <a:solidFill>
-                <a:schemeClr val="tx1"/>
-              </a:solidFill>
-              <a:effectLst/>
-              <a:latin typeface="맑은 고딕" pitchFamily="50" charset="-127"/>
-              <a:ea typeface="맑은 고딕" pitchFamily="50" charset="-127"/>
-            </a:endParaRPr>
-          </a:p>
-        </p:txBody>
-      </p:sp>
-      <p:sp>
-        <p:nvSpPr>
-          <p:cNvPr id="26" name="타원 25"/>
-          <p:cNvSpPr>
-            <a:spLocks noChangeAspect="1"/>
-          </p:cNvSpPr>
-          <p:nvPr/>
-        </p:nvSpPr>
-        <p:spPr bwMode="auto">
-          <a:xfrm>
-            <a:off x="3179071" y="5547742"/>
-            <a:ext cx="108000" cy="108000"/>
-          </a:xfrm>
-          <a:prstGeom prst="ellipse">
-            <a:avLst/>
-          </a:prstGeom>
-          <a:solidFill>
-            <a:srgbClr val="0081E2"/>
+            <a:srgbClr val="3FADFF"/>
           </a:solidFill>
           <a:ln w="31750" cap="flat" cmpd="dbl" algn="ctr">
             <a:solidFill>
@@ -32428,6 +33539,160 @@
                 <a:latin typeface="맑은 고딕" pitchFamily="50" charset="-127"/>
                 <a:ea typeface="맑은 고딕" pitchFamily="50" charset="-127"/>
               </a:rPr>
+              <a:t>1</a:t>
+            </a:r>
+            <a:endParaRPr kumimoji="0" lang="ko-KR" altLang="en-US" sz="1000" b="1" i="0" u="none" strike="noStrike" cap="none" normalizeH="0" baseline="0" dirty="0" smtClean="0">
+              <a:ln>
+                <a:noFill/>
+              </a:ln>
+              <a:solidFill>
+                <a:schemeClr val="tx1"/>
+              </a:solidFill>
+              <a:effectLst/>
+              <a:latin typeface="맑은 고딕" pitchFamily="50" charset="-127"/>
+              <a:ea typeface="맑은 고딕" pitchFamily="50" charset="-127"/>
+            </a:endParaRPr>
+          </a:p>
+        </p:txBody>
+      </p:sp>
+      <p:sp>
+        <p:nvSpPr>
+          <p:cNvPr id="13" name="타원 12"/>
+          <p:cNvSpPr>
+            <a:spLocks noChangeAspect="1"/>
+          </p:cNvSpPr>
+          <p:nvPr/>
+        </p:nvSpPr>
+        <p:spPr bwMode="auto">
+          <a:xfrm>
+            <a:off x="2271292" y="5489494"/>
+            <a:ext cx="177679" cy="177679"/>
+          </a:xfrm>
+          <a:prstGeom prst="ellipse">
+            <a:avLst/>
+          </a:prstGeom>
+          <a:solidFill>
+            <a:srgbClr val="3FADFF"/>
+          </a:solidFill>
+          <a:ln w="31750" cap="flat" cmpd="dbl" algn="ctr">
+            <a:solidFill>
+              <a:schemeClr val="bg1">
+                <a:lumMod val="50000"/>
+              </a:schemeClr>
+            </a:solidFill>
+            <a:prstDash val="solid"/>
+            <a:round/>
+            <a:headEnd type="none" w="med" len="med"/>
+            <a:tailEnd type="none" w="med" len="med"/>
+          </a:ln>
+          <a:effectLst/>
+        </p:spPr>
+        <p:txBody>
+          <a:bodyPr vert="horz" wrap="none" lIns="90000" tIns="46800" rIns="90000" bIns="46800" numCol="1" rtlCol="0" anchor="ctr" anchorCtr="0" compatLnSpc="1">
+            <a:prstTxWarp prst="textNoShape">
+              <a:avLst/>
+            </a:prstTxWarp>
+          </a:bodyPr>
+          <a:lstStyle/>
+          <a:p>
+            <a:pPr marL="0" marR="0" indent="0" algn="ctr" defTabSz="914400" rtl="0" eaLnBrk="0" fontAlgn="base" latinLnBrk="0" hangingPunct="0">
+              <a:lnSpc>
+                <a:spcPct val="100000"/>
+              </a:lnSpc>
+              <a:spcBef>
+                <a:spcPct val="0"/>
+              </a:spcBef>
+              <a:spcAft>
+                <a:spcPct val="0"/>
+              </a:spcAft>
+              <a:buClrTx/>
+              <a:buSzTx/>
+              <a:buFontTx/>
+              <a:buNone/>
+              <a:tabLst/>
+            </a:pPr>
+            <a:r>
+              <a:rPr lang="en-US" altLang="ko-KR" sz="1000" b="1" dirty="0" smtClean="0">
+                <a:latin typeface="맑은 고딕" pitchFamily="50" charset="-127"/>
+                <a:ea typeface="맑은 고딕" pitchFamily="50" charset="-127"/>
+              </a:rPr>
+              <a:t>3</a:t>
+            </a:r>
+            <a:endParaRPr kumimoji="0" lang="ko-KR" altLang="en-US" sz="1000" b="1" i="0" u="none" strike="noStrike" cap="none" normalizeH="0" baseline="0" dirty="0" smtClean="0">
+              <a:ln>
+                <a:noFill/>
+              </a:ln>
+              <a:solidFill>
+                <a:schemeClr val="tx1"/>
+              </a:solidFill>
+              <a:effectLst/>
+              <a:latin typeface="맑은 고딕" pitchFamily="50" charset="-127"/>
+              <a:ea typeface="맑은 고딕" pitchFamily="50" charset="-127"/>
+            </a:endParaRPr>
+          </a:p>
+        </p:txBody>
+      </p:sp>
+      <p:sp>
+        <p:nvSpPr>
+          <p:cNvPr id="14" name="타원 13"/>
+          <p:cNvSpPr>
+            <a:spLocks noChangeAspect="1"/>
+          </p:cNvSpPr>
+          <p:nvPr/>
+        </p:nvSpPr>
+        <p:spPr bwMode="auto">
+          <a:xfrm>
+            <a:off x="3093327" y="5489494"/>
+            <a:ext cx="177679" cy="177679"/>
+          </a:xfrm>
+          <a:prstGeom prst="ellipse">
+            <a:avLst/>
+          </a:prstGeom>
+          <a:solidFill>
+            <a:srgbClr val="3FADFF"/>
+          </a:solidFill>
+          <a:ln w="31750" cap="flat" cmpd="dbl" algn="ctr">
+            <a:solidFill>
+              <a:schemeClr val="bg1">
+                <a:lumMod val="50000"/>
+              </a:schemeClr>
+            </a:solidFill>
+            <a:prstDash val="solid"/>
+            <a:round/>
+            <a:headEnd type="none" w="med" len="med"/>
+            <a:tailEnd type="none" w="med" len="med"/>
+          </a:ln>
+          <a:effectLst/>
+        </p:spPr>
+        <p:txBody>
+          <a:bodyPr vert="horz" wrap="none" lIns="90000" tIns="46800" rIns="90000" bIns="46800" numCol="1" rtlCol="0" anchor="ctr" anchorCtr="0" compatLnSpc="1">
+            <a:prstTxWarp prst="textNoShape">
+              <a:avLst/>
+            </a:prstTxWarp>
+          </a:bodyPr>
+          <a:lstStyle/>
+          <a:p>
+            <a:pPr marL="0" marR="0" indent="0" algn="ctr" defTabSz="914400" rtl="0" eaLnBrk="0" fontAlgn="base" latinLnBrk="0" hangingPunct="0">
+              <a:lnSpc>
+                <a:spcPct val="100000"/>
+              </a:lnSpc>
+              <a:spcBef>
+                <a:spcPct val="0"/>
+              </a:spcBef>
+              <a:spcAft>
+                <a:spcPct val="0"/>
+              </a:spcAft>
+              <a:buClrTx/>
+              <a:buSzTx/>
+              <a:buFontTx/>
+              <a:buNone/>
+              <a:tabLst/>
+            </a:pPr>
+            <a:r>
+              <a:rPr lang="en-US" altLang="ko-KR" sz="1000" b="1" dirty="0" smtClean="0">
+                <a:latin typeface="맑은 고딕" pitchFamily="50" charset="-127"/>
+                <a:ea typeface="맑은 고딕" pitchFamily="50" charset="-127"/>
+              </a:rPr>
               <a:t>4</a:t>
             </a:r>
             <a:endParaRPr kumimoji="0" lang="ko-KR" altLang="en-US" sz="1000" b="1" i="0" u="none" strike="noStrike" cap="none" normalizeH="0" baseline="0" dirty="0" smtClean="0">
@@ -32446,7 +33711,7 @@
       </p:sp>
       <p:sp>
         <p:nvSpPr>
-          <p:cNvPr id="28" name="타원 27"/>
+          <p:cNvPr id="15" name="타원 14"/>
           <p:cNvSpPr>
             <a:spLocks noChangeAspect="1"/>
           </p:cNvSpPr>
@@ -32454,14 +33719,14 @@
         </p:nvSpPr>
         <p:spPr bwMode="auto">
           <a:xfrm>
-            <a:off x="536002" y="1510633"/>
-            <a:ext cx="108000" cy="108000"/>
+            <a:off x="538379" y="1513241"/>
+            <a:ext cx="177679" cy="177679"/>
           </a:xfrm>
           <a:prstGeom prst="ellipse">
             <a:avLst/>
           </a:prstGeom>
           <a:solidFill>
-            <a:srgbClr val="0081E2"/>
+            <a:srgbClr val="3FADFF"/>
           </a:solidFill>
           <a:ln w="31750" cap="flat" cmpd="dbl" algn="ctr">
             <a:solidFill>
@@ -32523,7 +33788,7 @@
       </p:sp>
       <p:sp>
         <p:nvSpPr>
-          <p:cNvPr id="4" name="타원 3"/>
+          <p:cNvPr id="16" name="타원 15"/>
           <p:cNvSpPr>
             <a:spLocks noChangeAspect="1"/>
           </p:cNvSpPr>
@@ -32531,14 +33796,14 @@
         </p:nvSpPr>
         <p:spPr bwMode="auto">
           <a:xfrm>
-            <a:off x="644002" y="5547742"/>
-            <a:ext cx="108000" cy="108000"/>
+            <a:off x="1440022" y="5489494"/>
+            <a:ext cx="177679" cy="177679"/>
           </a:xfrm>
           <a:prstGeom prst="ellipse">
             <a:avLst/>
           </a:prstGeom>
           <a:solidFill>
-            <a:srgbClr val="0081E2"/>
+            <a:srgbClr val="3FADFF"/>
           </a:solidFill>
           <a:ln w="31750" cap="flat" cmpd="dbl" algn="ctr">
             <a:solidFill>
@@ -32578,18 +33843,11 @@
               <a:tabLst/>
             </a:pPr>
             <a:r>
-              <a:rPr kumimoji="0" lang="en-US" altLang="ko-KR" sz="1000" b="1" i="0" u="none" strike="noStrike" cap="none" normalizeH="0" baseline="0" dirty="0" smtClean="0">
-                <a:ln>
-                  <a:noFill/>
-                </a:ln>
-                <a:solidFill>
-                  <a:schemeClr val="tx1"/>
-                </a:solidFill>
-                <a:effectLst/>
+              <a:rPr lang="en-US" altLang="ko-KR" sz="1000" b="1" dirty="0">
                 <a:latin typeface="맑은 고딕" pitchFamily="50" charset="-127"/>
                 <a:ea typeface="맑은 고딕" pitchFamily="50" charset="-127"/>
               </a:rPr>
-              <a:t>1</a:t>
+              <a:t>2</a:t>
             </a:r>
             <a:endParaRPr kumimoji="0" lang="ko-KR" altLang="en-US" sz="1000" b="1" i="0" u="none" strike="noStrike" cap="none" normalizeH="0" baseline="0" dirty="0" smtClean="0">
               <a:ln>
@@ -33640,12 +34898,154 @@
                 <a:t>버튼으로 한다</a:t>
               </a:r>
               <a:r>
-                <a:rPr lang="en-US" altLang="ko-KR" sz="1050" dirty="0">
+                <a:rPr lang="en-US" altLang="ko-KR" sz="1050" dirty="0" smtClean="0">
                   <a:latin typeface="맑은 고딕" pitchFamily="50" charset="-127"/>
                   <a:ea typeface="맑은 고딕" pitchFamily="50" charset="-127"/>
                 </a:rPr>
                 <a:t>.</a:t>
               </a:r>
+            </a:p>
+            <a:p>
+              <a:pPr algn="just">
+                <a:buFont typeface="Arial" pitchFamily="34" charset="0"/>
+                <a:buChar char="•"/>
+              </a:pPr>
+              <a:endParaRPr lang="en-US" altLang="ko-KR" sz="1050" dirty="0" smtClean="0">
+                <a:latin typeface="맑은 고딕" pitchFamily="50" charset="-127"/>
+                <a:ea typeface="맑은 고딕" pitchFamily="50" charset="-127"/>
+              </a:endParaRPr>
+            </a:p>
+            <a:p>
+              <a:pPr algn="just">
+                <a:buFont typeface="Arial" pitchFamily="34" charset="0"/>
+                <a:buChar char="•"/>
+              </a:pPr>
+              <a:r>
+                <a:rPr lang="ko-KR" altLang="en-US" sz="1050" dirty="0" smtClean="0">
+                  <a:latin typeface="맑은 고딕" pitchFamily="50" charset="-127"/>
+                  <a:ea typeface="맑은 고딕" pitchFamily="50" charset="-127"/>
+                </a:rPr>
+                <a:t> 버튼 </a:t>
+              </a:r>
+              <a:r>
+                <a:rPr lang="ko-KR" altLang="en-US" sz="1050" dirty="0" err="1">
+                  <a:latin typeface="맑은 고딕" pitchFamily="50" charset="-127"/>
+                  <a:ea typeface="맑은 고딕" pitchFamily="50" charset="-127"/>
+                </a:rPr>
+                <a:t>클릭시</a:t>
+              </a:r>
+              <a:r>
+                <a:rPr lang="ko-KR" altLang="en-US" sz="1050" dirty="0">
+                  <a:latin typeface="맑은 고딕" pitchFamily="50" charset="-127"/>
+                  <a:ea typeface="맑은 고딕" pitchFamily="50" charset="-127"/>
+                </a:rPr>
+                <a:t> </a:t>
+              </a:r>
+              <a:r>
+                <a:rPr lang="ko-KR" altLang="en-US" sz="1050" dirty="0" smtClean="0">
+                  <a:latin typeface="맑은 고딕" pitchFamily="50" charset="-127"/>
+                  <a:ea typeface="맑은 고딕" pitchFamily="50" charset="-127"/>
+                </a:rPr>
+                <a:t>버튼 색이 변한다</a:t>
+              </a:r>
+              <a:r>
+                <a:rPr lang="en-US" altLang="ko-KR" sz="1050" dirty="0" smtClean="0">
+                  <a:latin typeface="맑은 고딕" pitchFamily="50" charset="-127"/>
+                  <a:ea typeface="맑은 고딕" pitchFamily="50" charset="-127"/>
+                </a:rPr>
+                <a:t>. </a:t>
+              </a:r>
+            </a:p>
+            <a:p>
+              <a:pPr algn="just"/>
+              <a:r>
+                <a:rPr lang="en-US" altLang="ko-KR" sz="1050" dirty="0">
+                  <a:latin typeface="맑은 고딕" pitchFamily="50" charset="-127"/>
+                  <a:ea typeface="맑은 고딕" pitchFamily="50" charset="-127"/>
+                </a:rPr>
+                <a:t> </a:t>
+              </a:r>
+              <a:r>
+                <a:rPr lang="en-US" altLang="ko-KR" sz="1050" dirty="0" smtClean="0">
+                  <a:latin typeface="맑은 고딕" pitchFamily="50" charset="-127"/>
+                  <a:ea typeface="맑은 고딕" pitchFamily="50" charset="-127"/>
+                </a:rPr>
+                <a:t> (</a:t>
+              </a:r>
+              <a:r>
+                <a:rPr lang="ko-KR" altLang="en-US" sz="1050" dirty="0" err="1">
+                  <a:latin typeface="맑은 고딕" pitchFamily="50" charset="-127"/>
+                  <a:ea typeface="맑은 고딕" pitchFamily="50" charset="-127"/>
+                </a:rPr>
+                <a:t>홀수번째</a:t>
+              </a:r>
+              <a:r>
+                <a:rPr lang="ko-KR" altLang="en-US" sz="1050" dirty="0">
+                  <a:latin typeface="맑은 고딕" pitchFamily="50" charset="-127"/>
+                  <a:ea typeface="맑은 고딕" pitchFamily="50" charset="-127"/>
+                </a:rPr>
+                <a:t> </a:t>
+              </a:r>
+              <a:r>
+                <a:rPr lang="ko-KR" altLang="en-US" sz="1050" dirty="0" err="1">
+                  <a:latin typeface="맑은 고딕" pitchFamily="50" charset="-127"/>
+                  <a:ea typeface="맑은 고딕" pitchFamily="50" charset="-127"/>
+                </a:rPr>
+                <a:t>클릭시</a:t>
+              </a:r>
+              <a:r>
+                <a:rPr lang="ko-KR" altLang="en-US" sz="1050" dirty="0">
+                  <a:latin typeface="맑은 고딕" pitchFamily="50" charset="-127"/>
+                  <a:ea typeface="맑은 고딕" pitchFamily="50" charset="-127"/>
+                </a:rPr>
+                <a:t> 노란색</a:t>
+              </a:r>
+              <a:r>
+                <a:rPr lang="en-US" altLang="ko-KR" sz="1050" dirty="0">
+                  <a:latin typeface="맑은 고딕" pitchFamily="50" charset="-127"/>
+                  <a:ea typeface="맑은 고딕" pitchFamily="50" charset="-127"/>
+                </a:rPr>
+                <a:t>, </a:t>
+              </a:r>
+              <a:r>
+                <a:rPr lang="ko-KR" altLang="en-US" sz="1050" dirty="0" err="1">
+                  <a:latin typeface="맑은 고딕" pitchFamily="50" charset="-127"/>
+                  <a:ea typeface="맑은 고딕" pitchFamily="50" charset="-127"/>
+                </a:rPr>
+                <a:t>짝수번째</a:t>
+              </a:r>
+              <a:r>
+                <a:rPr lang="ko-KR" altLang="en-US" sz="1050" dirty="0">
+                  <a:latin typeface="맑은 고딕" pitchFamily="50" charset="-127"/>
+                  <a:ea typeface="맑은 고딕" pitchFamily="50" charset="-127"/>
+                </a:rPr>
+                <a:t> </a:t>
+              </a:r>
+              <a:r>
+                <a:rPr lang="ko-KR" altLang="en-US" sz="1050" dirty="0" err="1">
+                  <a:latin typeface="맑은 고딕" pitchFamily="50" charset="-127"/>
+                  <a:ea typeface="맑은 고딕" pitchFamily="50" charset="-127"/>
+                </a:rPr>
+                <a:t>클릭시</a:t>
+              </a:r>
+              <a:r>
+                <a:rPr lang="ko-KR" altLang="en-US" sz="1050" dirty="0">
+                  <a:latin typeface="맑은 고딕" pitchFamily="50" charset="-127"/>
+                  <a:ea typeface="맑은 고딕" pitchFamily="50" charset="-127"/>
+                </a:rPr>
+                <a:t> 원래대로</a:t>
+              </a:r>
+              <a:r>
+                <a:rPr lang="en-US" altLang="ko-KR" sz="1050" dirty="0">
+                  <a:latin typeface="맑은 고딕" pitchFamily="50" charset="-127"/>
+                  <a:ea typeface="맑은 고딕" pitchFamily="50" charset="-127"/>
+                </a:rPr>
+                <a:t>)</a:t>
+              </a:r>
+              <a:endParaRPr lang="en-US" altLang="ko-KR" sz="1050" dirty="0">
+                <a:latin typeface="맑은 고딕" pitchFamily="50" charset="-127"/>
+                <a:ea typeface="맑은 고딕" pitchFamily="50" charset="-127"/>
+              </a:endParaRPr>
             </a:p>
             <a:p>
               <a:pPr algn="just"/>
@@ -35494,13 +36894,13 @@
           <p:nvPr>
             <p:extLst>
               <p:ext uri="{D42A27DB-BD31-4B8C-83A1-F6EECF244321}">
-                <p14:modId xmlns:p14="http://schemas.microsoft.com/office/powerpoint/2010/main" val="4152240602"/>
+                <p14:modId xmlns:p14="http://schemas.microsoft.com/office/powerpoint/2010/main" val="3271129933"/>
               </p:ext>
             </p:extLst>
           </p:nvPr>
         </p:nvGraphicFramePr>
         <p:xfrm>
-          <a:off x="355002" y="3611918"/>
+          <a:off x="521250" y="3611918"/>
           <a:ext cx="4050032" cy="2577634"/>
         </p:xfrm>
         <a:graphic>
@@ -37152,7 +38552,7 @@
           <p:nvPr>
             <p:extLst>
               <p:ext uri="{D42A27DB-BD31-4B8C-83A1-F6EECF244321}">
-                <p14:modId xmlns:p14="http://schemas.microsoft.com/office/powerpoint/2010/main" val="2259568887"/>
+                <p14:modId xmlns:p14="http://schemas.microsoft.com/office/powerpoint/2010/main" val="188618919"/>
               </p:ext>
             </p:extLst>
           </p:nvPr>
@@ -38867,13 +40267,13 @@
           <p:nvPr>
             <p:extLst>
               <p:ext uri="{D42A27DB-BD31-4B8C-83A1-F6EECF244321}">
-                <p14:modId xmlns:p14="http://schemas.microsoft.com/office/powerpoint/2010/main" val="2277246453"/>
+                <p14:modId xmlns:p14="http://schemas.microsoft.com/office/powerpoint/2010/main" val="2378935828"/>
               </p:ext>
             </p:extLst>
           </p:nvPr>
         </p:nvGraphicFramePr>
         <p:xfrm>
-          <a:off x="4415792" y="3611918"/>
+          <a:off x="4582040" y="3611918"/>
           <a:ext cx="4050032" cy="2577634"/>
         </p:xfrm>
         <a:graphic>
@@ -40372,16 +41772,6 @@
                     <a:lstStyle/>
                     <a:p>
                       <a:pPr algn="ctr" latinLnBrk="1"/>
-                      <a:r>
-                        <a:rPr lang="en-US" altLang="ko-KR" sz="1050" b="0" dirty="0" smtClean="0">
-                          <a:solidFill>
-                            <a:schemeClr val="tx1"/>
-                          </a:solidFill>
-                          <a:latin typeface="맑은 고딕" pitchFamily="50" charset="-127"/>
-                          <a:ea typeface="맑은 고딕" pitchFamily="50" charset="-127"/>
-                        </a:rPr>
-                        <a:t>16</a:t>
-                      </a:r>
                       <a:endParaRPr lang="ko-KR" altLang="en-US" sz="1050" b="0" dirty="0">
                         <a:solidFill>
                           <a:schemeClr val="tx1"/>
@@ -40499,14 +41889,14 @@
       </p:graphicFrame>
       <p:pic>
         <p:nvPicPr>
-          <p:cNvPr id="4098" name="Picture 2"/>
+          <p:cNvPr id="8" name="Picture 2"/>
           <p:cNvPicPr>
             <a:picLocks noChangeAspect="1" noChangeArrowheads="1"/>
           </p:cNvPicPr>
           <p:nvPr/>
         </p:nvPicPr>
         <p:blipFill>
-          <a:blip r:embed="rId2">
+          <a:blip r:embed="rId2" cstate="print">
             <a:extLst>
               <a:ext uri="{28A0092B-C50C-407E-A947-70E740481C1C}">
                 <a14:useLocalDpi xmlns:a14="http://schemas.microsoft.com/office/drawing/2010/main" val="0"/>
@@ -40520,8 +41910,8 @@
         </p:blipFill>
         <p:spPr bwMode="auto">
           <a:xfrm>
-            <a:off x="1505036" y="1130734"/>
-            <a:ext cx="6049132" cy="2462711"/>
+            <a:off x="1576642" y="1175094"/>
+            <a:ext cx="5978705" cy="2325052"/>
           </a:xfrm>
           <a:prstGeom prst="rect">
             <a:avLst/>
@@ -40551,10 +41941,1172 @@
           </a:extLst>
         </p:spPr>
       </p:pic>
+      <p:sp>
+        <p:nvSpPr>
+          <p:cNvPr id="9" name="타원 8"/>
+          <p:cNvSpPr>
+            <a:spLocks noChangeAspect="1"/>
+          </p:cNvSpPr>
+          <p:nvPr/>
+        </p:nvSpPr>
+        <p:spPr bwMode="auto">
+          <a:xfrm>
+            <a:off x="1576642" y="1288701"/>
+            <a:ext cx="177679" cy="177679"/>
+          </a:xfrm>
+          <a:prstGeom prst="ellipse">
+            <a:avLst/>
+          </a:prstGeom>
+          <a:solidFill>
+            <a:srgbClr val="3FADFF"/>
+          </a:solidFill>
+          <a:ln w="31750" cap="flat" cmpd="dbl" algn="ctr">
+            <a:solidFill>
+              <a:schemeClr val="bg1">
+                <a:lumMod val="50000"/>
+              </a:schemeClr>
+            </a:solidFill>
+            <a:prstDash val="solid"/>
+            <a:round/>
+            <a:headEnd type="none" w="med" len="med"/>
+            <a:tailEnd type="none" w="med" len="med"/>
+          </a:ln>
+          <a:effectLst/>
+        </p:spPr>
+        <p:txBody>
+          <a:bodyPr vert="horz" wrap="none" lIns="90000" tIns="46800" rIns="90000" bIns="46800" numCol="1" rtlCol="0" anchor="ctr" anchorCtr="0" compatLnSpc="1">
+            <a:prstTxWarp prst="textNoShape">
+              <a:avLst/>
+            </a:prstTxWarp>
+          </a:bodyPr>
+          <a:lstStyle/>
+          <a:p>
+            <a:pPr marL="0" marR="0" indent="0" algn="ctr" defTabSz="914400" rtl="0" eaLnBrk="0" fontAlgn="base" latinLnBrk="0" hangingPunct="0">
+              <a:lnSpc>
+                <a:spcPct val="100000"/>
+              </a:lnSpc>
+              <a:spcBef>
+                <a:spcPct val="0"/>
+              </a:spcBef>
+              <a:spcAft>
+                <a:spcPct val="0"/>
+              </a:spcAft>
+              <a:buClrTx/>
+              <a:buSzTx/>
+              <a:buFontTx/>
+              <a:buNone/>
+              <a:tabLst/>
+            </a:pPr>
+            <a:r>
+              <a:rPr kumimoji="0" lang="en-US" altLang="ko-KR" sz="1000" b="1" i="0" u="none" strike="noStrike" cap="none" normalizeH="0" baseline="0" dirty="0" smtClean="0">
+                <a:ln>
+                  <a:noFill/>
+                </a:ln>
+                <a:solidFill>
+                  <a:schemeClr val="tx1"/>
+                </a:solidFill>
+                <a:effectLst/>
+                <a:latin typeface="맑은 고딕" pitchFamily="50" charset="-127"/>
+                <a:ea typeface="맑은 고딕" pitchFamily="50" charset="-127"/>
+              </a:rPr>
+              <a:t>1</a:t>
+            </a:r>
+            <a:endParaRPr kumimoji="0" lang="ko-KR" altLang="en-US" sz="1000" b="1" i="0" u="none" strike="noStrike" cap="none" normalizeH="0" baseline="0" dirty="0" smtClean="0">
+              <a:ln>
+                <a:noFill/>
+              </a:ln>
+              <a:solidFill>
+                <a:schemeClr val="tx1"/>
+              </a:solidFill>
+              <a:effectLst/>
+              <a:latin typeface="맑은 고딕" pitchFamily="50" charset="-127"/>
+              <a:ea typeface="맑은 고딕" pitchFamily="50" charset="-127"/>
+            </a:endParaRPr>
+          </a:p>
+        </p:txBody>
+      </p:sp>
+      <p:sp>
+        <p:nvSpPr>
+          <p:cNvPr id="10" name="타원 9"/>
+          <p:cNvSpPr>
+            <a:spLocks noChangeAspect="1"/>
+          </p:cNvSpPr>
+          <p:nvPr/>
+        </p:nvSpPr>
+        <p:spPr bwMode="auto">
+          <a:xfrm>
+            <a:off x="4926747" y="1288701"/>
+            <a:ext cx="177679" cy="177679"/>
+          </a:xfrm>
+          <a:prstGeom prst="ellipse">
+            <a:avLst/>
+          </a:prstGeom>
+          <a:solidFill>
+            <a:srgbClr val="3FADFF"/>
+          </a:solidFill>
+          <a:ln w="31750" cap="flat" cmpd="dbl" algn="ctr">
+            <a:solidFill>
+              <a:schemeClr val="bg1">
+                <a:lumMod val="50000"/>
+              </a:schemeClr>
+            </a:solidFill>
+            <a:prstDash val="solid"/>
+            <a:round/>
+            <a:headEnd type="none" w="med" len="med"/>
+            <a:tailEnd type="none" w="med" len="med"/>
+          </a:ln>
+          <a:effectLst/>
+        </p:spPr>
+        <p:txBody>
+          <a:bodyPr vert="horz" wrap="none" lIns="90000" tIns="46800" rIns="90000" bIns="46800" numCol="1" rtlCol="0" anchor="ctr" anchorCtr="0" compatLnSpc="1">
+            <a:prstTxWarp prst="textNoShape">
+              <a:avLst/>
+            </a:prstTxWarp>
+          </a:bodyPr>
+          <a:lstStyle/>
+          <a:p>
+            <a:pPr marL="0" marR="0" indent="0" algn="ctr" defTabSz="914400" rtl="0" eaLnBrk="0" fontAlgn="base" latinLnBrk="0" hangingPunct="0">
+              <a:lnSpc>
+                <a:spcPct val="100000"/>
+              </a:lnSpc>
+              <a:spcBef>
+                <a:spcPct val="0"/>
+              </a:spcBef>
+              <a:spcAft>
+                <a:spcPct val="0"/>
+              </a:spcAft>
+              <a:buClrTx/>
+              <a:buSzTx/>
+              <a:buFontTx/>
+              <a:buNone/>
+              <a:tabLst/>
+            </a:pPr>
+            <a:r>
+              <a:rPr lang="en-US" altLang="ko-KR" sz="1000" b="1" dirty="0">
+                <a:latin typeface="맑은 고딕" pitchFamily="50" charset="-127"/>
+                <a:ea typeface="맑은 고딕" pitchFamily="50" charset="-127"/>
+              </a:rPr>
+              <a:t>2</a:t>
+            </a:r>
+            <a:endParaRPr kumimoji="0" lang="ko-KR" altLang="en-US" sz="1000" b="1" i="0" u="none" strike="noStrike" cap="none" normalizeH="0" baseline="0" dirty="0" smtClean="0">
+              <a:ln>
+                <a:noFill/>
+              </a:ln>
+              <a:solidFill>
+                <a:schemeClr val="tx1"/>
+              </a:solidFill>
+              <a:effectLst/>
+              <a:latin typeface="맑은 고딕" pitchFamily="50" charset="-127"/>
+              <a:ea typeface="맑은 고딕" pitchFamily="50" charset="-127"/>
+            </a:endParaRPr>
+          </a:p>
+        </p:txBody>
+      </p:sp>
+      <p:sp>
+        <p:nvSpPr>
+          <p:cNvPr id="11" name="타원 10"/>
+          <p:cNvSpPr>
+            <a:spLocks noChangeAspect="1"/>
+          </p:cNvSpPr>
+          <p:nvPr/>
+        </p:nvSpPr>
+        <p:spPr bwMode="auto">
+          <a:xfrm>
+            <a:off x="5531729" y="1288701"/>
+            <a:ext cx="177679" cy="177679"/>
+          </a:xfrm>
+          <a:prstGeom prst="ellipse">
+            <a:avLst/>
+          </a:prstGeom>
+          <a:solidFill>
+            <a:srgbClr val="3FADFF"/>
+          </a:solidFill>
+          <a:ln w="31750" cap="flat" cmpd="dbl" algn="ctr">
+            <a:solidFill>
+              <a:schemeClr val="bg1">
+                <a:lumMod val="50000"/>
+              </a:schemeClr>
+            </a:solidFill>
+            <a:prstDash val="solid"/>
+            <a:round/>
+            <a:headEnd type="none" w="med" len="med"/>
+            <a:tailEnd type="none" w="med" len="med"/>
+          </a:ln>
+          <a:effectLst/>
+        </p:spPr>
+        <p:txBody>
+          <a:bodyPr vert="horz" wrap="none" lIns="90000" tIns="46800" rIns="90000" bIns="46800" numCol="1" rtlCol="0" anchor="ctr" anchorCtr="0" compatLnSpc="1">
+            <a:prstTxWarp prst="textNoShape">
+              <a:avLst/>
+            </a:prstTxWarp>
+          </a:bodyPr>
+          <a:lstStyle/>
+          <a:p>
+            <a:pPr marL="0" marR="0" indent="0" algn="ctr" defTabSz="914400" rtl="0" eaLnBrk="0" fontAlgn="base" latinLnBrk="0" hangingPunct="0">
+              <a:lnSpc>
+                <a:spcPct val="100000"/>
+              </a:lnSpc>
+              <a:spcBef>
+                <a:spcPct val="0"/>
+              </a:spcBef>
+              <a:spcAft>
+                <a:spcPct val="0"/>
+              </a:spcAft>
+              <a:buClrTx/>
+              <a:buSzTx/>
+              <a:buFontTx/>
+              <a:buNone/>
+              <a:tabLst/>
+            </a:pPr>
+            <a:r>
+              <a:rPr lang="en-US" altLang="ko-KR" sz="1000" b="1" dirty="0" smtClean="0">
+                <a:latin typeface="맑은 고딕" pitchFamily="50" charset="-127"/>
+                <a:ea typeface="맑은 고딕" pitchFamily="50" charset="-127"/>
+              </a:rPr>
+              <a:t>3</a:t>
+            </a:r>
+            <a:endParaRPr kumimoji="0" lang="ko-KR" altLang="en-US" sz="1000" b="1" i="0" u="none" strike="noStrike" cap="none" normalizeH="0" baseline="0" dirty="0" smtClean="0">
+              <a:ln>
+                <a:noFill/>
+              </a:ln>
+              <a:solidFill>
+                <a:schemeClr val="tx1"/>
+              </a:solidFill>
+              <a:effectLst/>
+              <a:latin typeface="맑은 고딕" pitchFamily="50" charset="-127"/>
+              <a:ea typeface="맑은 고딕" pitchFamily="50" charset="-127"/>
+            </a:endParaRPr>
+          </a:p>
+        </p:txBody>
+      </p:sp>
+      <p:sp>
+        <p:nvSpPr>
+          <p:cNvPr id="12" name="타원 11"/>
+          <p:cNvSpPr>
+            <a:spLocks noChangeAspect="1"/>
+          </p:cNvSpPr>
+          <p:nvPr/>
+        </p:nvSpPr>
+        <p:spPr bwMode="auto">
+          <a:xfrm>
+            <a:off x="6732456" y="1288701"/>
+            <a:ext cx="177679" cy="177679"/>
+          </a:xfrm>
+          <a:prstGeom prst="ellipse">
+            <a:avLst/>
+          </a:prstGeom>
+          <a:solidFill>
+            <a:srgbClr val="3FADFF"/>
+          </a:solidFill>
+          <a:ln w="31750" cap="flat" cmpd="dbl" algn="ctr">
+            <a:solidFill>
+              <a:schemeClr val="bg1">
+                <a:lumMod val="50000"/>
+              </a:schemeClr>
+            </a:solidFill>
+            <a:prstDash val="solid"/>
+            <a:round/>
+            <a:headEnd type="none" w="med" len="med"/>
+            <a:tailEnd type="none" w="med" len="med"/>
+          </a:ln>
+          <a:effectLst/>
+        </p:spPr>
+        <p:txBody>
+          <a:bodyPr vert="horz" wrap="none" lIns="90000" tIns="46800" rIns="90000" bIns="46800" numCol="1" rtlCol="0" anchor="ctr" anchorCtr="0" compatLnSpc="1">
+            <a:prstTxWarp prst="textNoShape">
+              <a:avLst/>
+            </a:prstTxWarp>
+          </a:bodyPr>
+          <a:lstStyle/>
+          <a:p>
+            <a:pPr marL="0" marR="0" indent="0" algn="ctr" defTabSz="914400" rtl="0" eaLnBrk="0" fontAlgn="base" latinLnBrk="0" hangingPunct="0">
+              <a:lnSpc>
+                <a:spcPct val="100000"/>
+              </a:lnSpc>
+              <a:spcBef>
+                <a:spcPct val="0"/>
+              </a:spcBef>
+              <a:spcAft>
+                <a:spcPct val="0"/>
+              </a:spcAft>
+              <a:buClrTx/>
+              <a:buSzTx/>
+              <a:buFontTx/>
+              <a:buNone/>
+              <a:tabLst/>
+            </a:pPr>
+            <a:r>
+              <a:rPr lang="en-US" altLang="ko-KR" sz="1000" b="1" dirty="0" smtClean="0">
+                <a:latin typeface="맑은 고딕" pitchFamily="50" charset="-127"/>
+                <a:ea typeface="맑은 고딕" pitchFamily="50" charset="-127"/>
+              </a:rPr>
+              <a:t>5</a:t>
+            </a:r>
+            <a:endParaRPr kumimoji="0" lang="ko-KR" altLang="en-US" sz="1000" b="1" i="0" u="none" strike="noStrike" cap="none" normalizeH="0" baseline="0" dirty="0" smtClean="0">
+              <a:ln>
+                <a:noFill/>
+              </a:ln>
+              <a:solidFill>
+                <a:schemeClr val="tx1"/>
+              </a:solidFill>
+              <a:effectLst/>
+              <a:latin typeface="맑은 고딕" pitchFamily="50" charset="-127"/>
+              <a:ea typeface="맑은 고딕" pitchFamily="50" charset="-127"/>
+            </a:endParaRPr>
+          </a:p>
+        </p:txBody>
+      </p:sp>
+      <p:sp>
+        <p:nvSpPr>
+          <p:cNvPr id="13" name="타원 12"/>
+          <p:cNvSpPr>
+            <a:spLocks noChangeAspect="1"/>
+          </p:cNvSpPr>
+          <p:nvPr/>
+        </p:nvSpPr>
+        <p:spPr bwMode="auto">
+          <a:xfrm>
+            <a:off x="6113618" y="1286949"/>
+            <a:ext cx="177679" cy="177679"/>
+          </a:xfrm>
+          <a:prstGeom prst="ellipse">
+            <a:avLst/>
+          </a:prstGeom>
+          <a:solidFill>
+            <a:srgbClr val="3FADFF"/>
+          </a:solidFill>
+          <a:ln w="31750" cap="flat" cmpd="dbl" algn="ctr">
+            <a:solidFill>
+              <a:schemeClr val="bg1">
+                <a:lumMod val="50000"/>
+              </a:schemeClr>
+            </a:solidFill>
+            <a:prstDash val="solid"/>
+            <a:round/>
+            <a:headEnd type="none" w="med" len="med"/>
+            <a:tailEnd type="none" w="med" len="med"/>
+          </a:ln>
+          <a:effectLst/>
+        </p:spPr>
+        <p:txBody>
+          <a:bodyPr vert="horz" wrap="none" lIns="90000" tIns="46800" rIns="90000" bIns="46800" numCol="1" rtlCol="0" anchor="ctr" anchorCtr="0" compatLnSpc="1">
+            <a:prstTxWarp prst="textNoShape">
+              <a:avLst/>
+            </a:prstTxWarp>
+          </a:bodyPr>
+          <a:lstStyle/>
+          <a:p>
+            <a:pPr marL="0" marR="0" indent="0" algn="ctr" defTabSz="914400" rtl="0" eaLnBrk="0" fontAlgn="base" latinLnBrk="0" hangingPunct="0">
+              <a:lnSpc>
+                <a:spcPct val="100000"/>
+              </a:lnSpc>
+              <a:spcBef>
+                <a:spcPct val="0"/>
+              </a:spcBef>
+              <a:spcAft>
+                <a:spcPct val="0"/>
+              </a:spcAft>
+              <a:buClrTx/>
+              <a:buSzTx/>
+              <a:buFontTx/>
+              <a:buNone/>
+              <a:tabLst/>
+            </a:pPr>
+            <a:r>
+              <a:rPr lang="en-US" altLang="ko-KR" sz="1000" b="1" dirty="0" smtClean="0">
+                <a:latin typeface="맑은 고딕" pitchFamily="50" charset="-127"/>
+                <a:ea typeface="맑은 고딕" pitchFamily="50" charset="-127"/>
+              </a:rPr>
+              <a:t>4</a:t>
+            </a:r>
+            <a:endParaRPr kumimoji="0" lang="ko-KR" altLang="en-US" sz="1000" b="1" i="0" u="none" strike="noStrike" cap="none" normalizeH="0" baseline="0" dirty="0" smtClean="0">
+              <a:ln>
+                <a:noFill/>
+              </a:ln>
+              <a:solidFill>
+                <a:schemeClr val="tx1"/>
+              </a:solidFill>
+              <a:effectLst/>
+              <a:latin typeface="맑은 고딕" pitchFamily="50" charset="-127"/>
+              <a:ea typeface="맑은 고딕" pitchFamily="50" charset="-127"/>
+            </a:endParaRPr>
+          </a:p>
+        </p:txBody>
+      </p:sp>
+      <p:sp>
+        <p:nvSpPr>
+          <p:cNvPr id="14" name="타원 13"/>
+          <p:cNvSpPr>
+            <a:spLocks noChangeAspect="1"/>
+          </p:cNvSpPr>
+          <p:nvPr/>
+        </p:nvSpPr>
+        <p:spPr bwMode="auto">
+          <a:xfrm>
+            <a:off x="5104426" y="1661694"/>
+            <a:ext cx="177679" cy="177679"/>
+          </a:xfrm>
+          <a:prstGeom prst="ellipse">
+            <a:avLst/>
+          </a:prstGeom>
+          <a:solidFill>
+            <a:srgbClr val="3FADFF"/>
+          </a:solidFill>
+          <a:ln w="31750" cap="flat" cmpd="dbl" algn="ctr">
+            <a:solidFill>
+              <a:schemeClr val="bg1">
+                <a:lumMod val="50000"/>
+              </a:schemeClr>
+            </a:solidFill>
+            <a:prstDash val="solid"/>
+            <a:round/>
+            <a:headEnd type="none" w="med" len="med"/>
+            <a:tailEnd type="none" w="med" len="med"/>
+          </a:ln>
+          <a:effectLst/>
+        </p:spPr>
+        <p:txBody>
+          <a:bodyPr vert="horz" wrap="none" lIns="90000" tIns="46800" rIns="90000" bIns="46800" numCol="1" rtlCol="0" anchor="ctr" anchorCtr="0" compatLnSpc="1">
+            <a:prstTxWarp prst="textNoShape">
+              <a:avLst/>
+            </a:prstTxWarp>
+          </a:bodyPr>
+          <a:lstStyle/>
+          <a:p>
+            <a:pPr marL="0" marR="0" indent="0" algn="ctr" defTabSz="914400" rtl="0" eaLnBrk="0" fontAlgn="base" latinLnBrk="0" hangingPunct="0">
+              <a:lnSpc>
+                <a:spcPct val="100000"/>
+              </a:lnSpc>
+              <a:spcBef>
+                <a:spcPct val="0"/>
+              </a:spcBef>
+              <a:spcAft>
+                <a:spcPct val="0"/>
+              </a:spcAft>
+              <a:buClrTx/>
+              <a:buSzTx/>
+              <a:buFontTx/>
+              <a:buNone/>
+              <a:tabLst/>
+            </a:pPr>
+            <a:r>
+              <a:rPr lang="en-US" altLang="ko-KR" sz="1000" b="1" dirty="0" smtClean="0">
+                <a:latin typeface="맑은 고딕" pitchFamily="50" charset="-127"/>
+                <a:ea typeface="맑은 고딕" pitchFamily="50" charset="-127"/>
+              </a:rPr>
+              <a:t>6</a:t>
+            </a:r>
+            <a:endParaRPr kumimoji="0" lang="ko-KR" altLang="en-US" sz="1000" b="1" i="0" u="none" strike="noStrike" cap="none" normalizeH="0" baseline="0" dirty="0" smtClean="0">
+              <a:ln>
+                <a:noFill/>
+              </a:ln>
+              <a:solidFill>
+                <a:schemeClr val="tx1"/>
+              </a:solidFill>
+              <a:effectLst/>
+              <a:latin typeface="맑은 고딕" pitchFamily="50" charset="-127"/>
+              <a:ea typeface="맑은 고딕" pitchFamily="50" charset="-127"/>
+            </a:endParaRPr>
+          </a:p>
+        </p:txBody>
+      </p:sp>
+      <p:sp>
+        <p:nvSpPr>
+          <p:cNvPr id="15" name="타원 14"/>
+          <p:cNvSpPr>
+            <a:spLocks noChangeAspect="1"/>
+          </p:cNvSpPr>
+          <p:nvPr/>
+        </p:nvSpPr>
+        <p:spPr bwMode="auto">
+          <a:xfrm>
+            <a:off x="5104426" y="1875649"/>
+            <a:ext cx="177679" cy="177679"/>
+          </a:xfrm>
+          <a:prstGeom prst="ellipse">
+            <a:avLst/>
+          </a:prstGeom>
+          <a:solidFill>
+            <a:srgbClr val="3FADFF"/>
+          </a:solidFill>
+          <a:ln w="31750" cap="flat" cmpd="dbl" algn="ctr">
+            <a:solidFill>
+              <a:schemeClr val="bg1">
+                <a:lumMod val="50000"/>
+              </a:schemeClr>
+            </a:solidFill>
+            <a:prstDash val="solid"/>
+            <a:round/>
+            <a:headEnd type="none" w="med" len="med"/>
+            <a:tailEnd type="none" w="med" len="med"/>
+          </a:ln>
+          <a:effectLst/>
+        </p:spPr>
+        <p:txBody>
+          <a:bodyPr vert="horz" wrap="none" lIns="90000" tIns="46800" rIns="90000" bIns="46800" numCol="1" rtlCol="0" anchor="ctr" anchorCtr="0" compatLnSpc="1">
+            <a:prstTxWarp prst="textNoShape">
+              <a:avLst/>
+            </a:prstTxWarp>
+          </a:bodyPr>
+          <a:lstStyle/>
+          <a:p>
+            <a:pPr marL="0" marR="0" indent="0" algn="ctr" defTabSz="914400" rtl="0" eaLnBrk="0" fontAlgn="base" latinLnBrk="0" hangingPunct="0">
+              <a:lnSpc>
+                <a:spcPct val="100000"/>
+              </a:lnSpc>
+              <a:spcBef>
+                <a:spcPct val="0"/>
+              </a:spcBef>
+              <a:spcAft>
+                <a:spcPct val="0"/>
+              </a:spcAft>
+              <a:buClrTx/>
+              <a:buSzTx/>
+              <a:buFontTx/>
+              <a:buNone/>
+              <a:tabLst/>
+            </a:pPr>
+            <a:r>
+              <a:rPr lang="en-US" altLang="ko-KR" sz="1000" b="1" dirty="0" smtClean="0">
+                <a:latin typeface="맑은 고딕" pitchFamily="50" charset="-127"/>
+                <a:ea typeface="맑은 고딕" pitchFamily="50" charset="-127"/>
+              </a:rPr>
+              <a:t>7</a:t>
+            </a:r>
+            <a:endParaRPr kumimoji="0" lang="ko-KR" altLang="en-US" sz="1000" b="1" i="0" u="none" strike="noStrike" cap="none" normalizeH="0" baseline="0" dirty="0" smtClean="0">
+              <a:ln>
+                <a:noFill/>
+              </a:ln>
+              <a:solidFill>
+                <a:schemeClr val="tx1"/>
+              </a:solidFill>
+              <a:effectLst/>
+              <a:latin typeface="맑은 고딕" pitchFamily="50" charset="-127"/>
+              <a:ea typeface="맑은 고딕" pitchFamily="50" charset="-127"/>
+            </a:endParaRPr>
+          </a:p>
+        </p:txBody>
+      </p:sp>
+      <p:sp>
+        <p:nvSpPr>
+          <p:cNvPr id="16" name="타원 15"/>
+          <p:cNvSpPr>
+            <a:spLocks noChangeAspect="1"/>
+          </p:cNvSpPr>
+          <p:nvPr/>
+        </p:nvSpPr>
+        <p:spPr bwMode="auto">
+          <a:xfrm>
+            <a:off x="5104426" y="2083890"/>
+            <a:ext cx="177679" cy="177679"/>
+          </a:xfrm>
+          <a:prstGeom prst="ellipse">
+            <a:avLst/>
+          </a:prstGeom>
+          <a:solidFill>
+            <a:srgbClr val="3FADFF"/>
+          </a:solidFill>
+          <a:ln w="31750" cap="flat" cmpd="dbl" algn="ctr">
+            <a:solidFill>
+              <a:schemeClr val="bg1">
+                <a:lumMod val="50000"/>
+              </a:schemeClr>
+            </a:solidFill>
+            <a:prstDash val="solid"/>
+            <a:round/>
+            <a:headEnd type="none" w="med" len="med"/>
+            <a:tailEnd type="none" w="med" len="med"/>
+          </a:ln>
+          <a:effectLst/>
+        </p:spPr>
+        <p:txBody>
+          <a:bodyPr vert="horz" wrap="none" lIns="90000" tIns="46800" rIns="90000" bIns="46800" numCol="1" rtlCol="0" anchor="ctr" anchorCtr="0" compatLnSpc="1">
+            <a:prstTxWarp prst="textNoShape">
+              <a:avLst/>
+            </a:prstTxWarp>
+          </a:bodyPr>
+          <a:lstStyle/>
+          <a:p>
+            <a:pPr marL="0" marR="0" indent="0" algn="ctr" defTabSz="914400" rtl="0" eaLnBrk="0" fontAlgn="base" latinLnBrk="0" hangingPunct="0">
+              <a:lnSpc>
+                <a:spcPct val="100000"/>
+              </a:lnSpc>
+              <a:spcBef>
+                <a:spcPct val="0"/>
+              </a:spcBef>
+              <a:spcAft>
+                <a:spcPct val="0"/>
+              </a:spcAft>
+              <a:buClrTx/>
+              <a:buSzTx/>
+              <a:buFontTx/>
+              <a:buNone/>
+              <a:tabLst/>
+            </a:pPr>
+            <a:r>
+              <a:rPr lang="en-US" altLang="ko-KR" sz="1000" b="1" dirty="0" smtClean="0">
+                <a:latin typeface="맑은 고딕" pitchFamily="50" charset="-127"/>
+                <a:ea typeface="맑은 고딕" pitchFamily="50" charset="-127"/>
+              </a:rPr>
+              <a:t>8</a:t>
+            </a:r>
+            <a:endParaRPr kumimoji="0" lang="ko-KR" altLang="en-US" sz="1000" b="1" i="0" u="none" strike="noStrike" cap="none" normalizeH="0" baseline="0" dirty="0" smtClean="0">
+              <a:ln>
+                <a:noFill/>
+              </a:ln>
+              <a:solidFill>
+                <a:schemeClr val="tx1"/>
+              </a:solidFill>
+              <a:effectLst/>
+              <a:latin typeface="맑은 고딕" pitchFamily="50" charset="-127"/>
+              <a:ea typeface="맑은 고딕" pitchFamily="50" charset="-127"/>
+            </a:endParaRPr>
+          </a:p>
+        </p:txBody>
+      </p:sp>
+      <p:sp>
+        <p:nvSpPr>
+          <p:cNvPr id="17" name="타원 16"/>
+          <p:cNvSpPr>
+            <a:spLocks noChangeAspect="1"/>
+          </p:cNvSpPr>
+          <p:nvPr/>
+        </p:nvSpPr>
+        <p:spPr bwMode="auto">
+          <a:xfrm>
+            <a:off x="5104426" y="2301367"/>
+            <a:ext cx="177679" cy="177679"/>
+          </a:xfrm>
+          <a:prstGeom prst="ellipse">
+            <a:avLst/>
+          </a:prstGeom>
+          <a:solidFill>
+            <a:srgbClr val="3FADFF"/>
+          </a:solidFill>
+          <a:ln w="31750" cap="flat" cmpd="dbl" algn="ctr">
+            <a:solidFill>
+              <a:schemeClr val="bg1">
+                <a:lumMod val="50000"/>
+              </a:schemeClr>
+            </a:solidFill>
+            <a:prstDash val="solid"/>
+            <a:round/>
+            <a:headEnd type="none" w="med" len="med"/>
+            <a:tailEnd type="none" w="med" len="med"/>
+          </a:ln>
+          <a:effectLst/>
+        </p:spPr>
+        <p:txBody>
+          <a:bodyPr vert="horz" wrap="none" lIns="90000" tIns="46800" rIns="90000" bIns="46800" numCol="1" rtlCol="0" anchor="ctr" anchorCtr="0" compatLnSpc="1">
+            <a:prstTxWarp prst="textNoShape">
+              <a:avLst/>
+            </a:prstTxWarp>
+          </a:bodyPr>
+          <a:lstStyle/>
+          <a:p>
+            <a:pPr marL="0" marR="0" indent="0" algn="ctr" defTabSz="914400" rtl="0" eaLnBrk="0" fontAlgn="base" latinLnBrk="0" hangingPunct="0">
+              <a:lnSpc>
+                <a:spcPct val="100000"/>
+              </a:lnSpc>
+              <a:spcBef>
+                <a:spcPct val="0"/>
+              </a:spcBef>
+              <a:spcAft>
+                <a:spcPct val="0"/>
+              </a:spcAft>
+              <a:buClrTx/>
+              <a:buSzTx/>
+              <a:buFontTx/>
+              <a:buNone/>
+              <a:tabLst/>
+            </a:pPr>
+            <a:r>
+              <a:rPr lang="en-US" altLang="ko-KR" sz="1000" b="1" dirty="0" smtClean="0">
+                <a:latin typeface="맑은 고딕" pitchFamily="50" charset="-127"/>
+                <a:ea typeface="맑은 고딕" pitchFamily="50" charset="-127"/>
+              </a:rPr>
+              <a:t>9</a:t>
+            </a:r>
+            <a:endParaRPr kumimoji="0" lang="ko-KR" altLang="en-US" sz="1000" b="1" i="0" u="none" strike="noStrike" cap="none" normalizeH="0" baseline="0" dirty="0" smtClean="0">
+              <a:ln>
+                <a:noFill/>
+              </a:ln>
+              <a:solidFill>
+                <a:schemeClr val="tx1"/>
+              </a:solidFill>
+              <a:effectLst/>
+              <a:latin typeface="맑은 고딕" pitchFamily="50" charset="-127"/>
+              <a:ea typeface="맑은 고딕" pitchFamily="50" charset="-127"/>
+            </a:endParaRPr>
+          </a:p>
+        </p:txBody>
+      </p:sp>
+      <p:sp>
+        <p:nvSpPr>
+          <p:cNvPr id="18" name="타원 17"/>
+          <p:cNvSpPr>
+            <a:spLocks noChangeAspect="1"/>
+          </p:cNvSpPr>
+          <p:nvPr/>
+        </p:nvSpPr>
+        <p:spPr bwMode="auto">
+          <a:xfrm>
+            <a:off x="5104426" y="2509607"/>
+            <a:ext cx="177679" cy="177679"/>
+          </a:xfrm>
+          <a:prstGeom prst="ellipse">
+            <a:avLst/>
+          </a:prstGeom>
+          <a:solidFill>
+            <a:srgbClr val="3FADFF"/>
+          </a:solidFill>
+          <a:ln w="31750" cap="flat" cmpd="dbl" algn="ctr">
+            <a:solidFill>
+              <a:schemeClr val="bg1">
+                <a:lumMod val="50000"/>
+              </a:schemeClr>
+            </a:solidFill>
+            <a:prstDash val="solid"/>
+            <a:round/>
+            <a:headEnd type="none" w="med" len="med"/>
+            <a:tailEnd type="none" w="med" len="med"/>
+          </a:ln>
+          <a:effectLst/>
+        </p:spPr>
+        <p:txBody>
+          <a:bodyPr vert="horz" wrap="none" lIns="90000" tIns="46800" rIns="90000" bIns="46800" numCol="1" rtlCol="0" anchor="ctr" anchorCtr="0" compatLnSpc="1">
+            <a:prstTxWarp prst="textNoShape">
+              <a:avLst/>
+            </a:prstTxWarp>
+          </a:bodyPr>
+          <a:lstStyle/>
+          <a:p>
+            <a:pPr marL="0" marR="0" indent="0" algn="ctr" defTabSz="914400" rtl="0" eaLnBrk="0" fontAlgn="base" latinLnBrk="0" hangingPunct="0">
+              <a:lnSpc>
+                <a:spcPct val="100000"/>
+              </a:lnSpc>
+              <a:spcBef>
+                <a:spcPct val="0"/>
+              </a:spcBef>
+              <a:spcAft>
+                <a:spcPct val="0"/>
+              </a:spcAft>
+              <a:buClrTx/>
+              <a:buSzTx/>
+              <a:buFontTx/>
+              <a:buNone/>
+              <a:tabLst/>
+            </a:pPr>
+            <a:r>
+              <a:rPr lang="en-US" altLang="ko-KR" sz="1000" b="1" dirty="0" smtClean="0">
+                <a:latin typeface="맑은 고딕" pitchFamily="50" charset="-127"/>
+                <a:ea typeface="맑은 고딕" pitchFamily="50" charset="-127"/>
+              </a:rPr>
+              <a:t>10</a:t>
+            </a:r>
+            <a:endParaRPr kumimoji="0" lang="ko-KR" altLang="en-US" sz="1000" b="1" i="0" u="none" strike="noStrike" cap="none" normalizeH="0" baseline="0" dirty="0" smtClean="0">
+              <a:ln>
+                <a:noFill/>
+              </a:ln>
+              <a:solidFill>
+                <a:schemeClr val="tx1"/>
+              </a:solidFill>
+              <a:effectLst/>
+              <a:latin typeface="맑은 고딕" pitchFamily="50" charset="-127"/>
+              <a:ea typeface="맑은 고딕" pitchFamily="50" charset="-127"/>
+            </a:endParaRPr>
+          </a:p>
+        </p:txBody>
+      </p:sp>
+      <p:sp>
+        <p:nvSpPr>
+          <p:cNvPr id="19" name="타원 18"/>
+          <p:cNvSpPr>
+            <a:spLocks noChangeAspect="1"/>
+          </p:cNvSpPr>
+          <p:nvPr/>
+        </p:nvSpPr>
+        <p:spPr bwMode="auto">
+          <a:xfrm>
+            <a:off x="4571282" y="2750846"/>
+            <a:ext cx="177679" cy="177679"/>
+          </a:xfrm>
+          <a:prstGeom prst="ellipse">
+            <a:avLst/>
+          </a:prstGeom>
+          <a:solidFill>
+            <a:srgbClr val="3FADFF"/>
+          </a:solidFill>
+          <a:ln w="31750" cap="flat" cmpd="dbl" algn="ctr">
+            <a:solidFill>
+              <a:schemeClr val="bg1">
+                <a:lumMod val="50000"/>
+              </a:schemeClr>
+            </a:solidFill>
+            <a:prstDash val="solid"/>
+            <a:round/>
+            <a:headEnd type="none" w="med" len="med"/>
+            <a:tailEnd type="none" w="med" len="med"/>
+          </a:ln>
+          <a:effectLst/>
+        </p:spPr>
+        <p:txBody>
+          <a:bodyPr vert="horz" wrap="none" lIns="90000" tIns="46800" rIns="90000" bIns="46800" numCol="1" rtlCol="0" anchor="ctr" anchorCtr="0" compatLnSpc="1">
+            <a:prstTxWarp prst="textNoShape">
+              <a:avLst/>
+            </a:prstTxWarp>
+          </a:bodyPr>
+          <a:lstStyle/>
+          <a:p>
+            <a:pPr marL="0" marR="0" indent="0" algn="ctr" defTabSz="914400" rtl="0" eaLnBrk="0" fontAlgn="base" latinLnBrk="0" hangingPunct="0">
+              <a:lnSpc>
+                <a:spcPct val="100000"/>
+              </a:lnSpc>
+              <a:spcBef>
+                <a:spcPct val="0"/>
+              </a:spcBef>
+              <a:spcAft>
+                <a:spcPct val="0"/>
+              </a:spcAft>
+              <a:buClrTx/>
+              <a:buSzTx/>
+              <a:buFontTx/>
+              <a:buNone/>
+              <a:tabLst/>
+            </a:pPr>
+            <a:r>
+              <a:rPr lang="en-US" altLang="ko-KR" sz="1000" b="1" dirty="0" smtClean="0">
+                <a:latin typeface="맑은 고딕" pitchFamily="50" charset="-127"/>
+                <a:ea typeface="맑은 고딕" pitchFamily="50" charset="-127"/>
+              </a:rPr>
+              <a:t>11</a:t>
+            </a:r>
+            <a:endParaRPr kumimoji="0" lang="ko-KR" altLang="en-US" sz="1000" b="1" i="0" u="none" strike="noStrike" cap="none" normalizeH="0" baseline="0" dirty="0" smtClean="0">
+              <a:ln>
+                <a:noFill/>
+              </a:ln>
+              <a:solidFill>
+                <a:schemeClr val="tx1"/>
+              </a:solidFill>
+              <a:effectLst/>
+              <a:latin typeface="맑은 고딕" pitchFamily="50" charset="-127"/>
+              <a:ea typeface="맑은 고딕" pitchFamily="50" charset="-127"/>
+            </a:endParaRPr>
+          </a:p>
+        </p:txBody>
+      </p:sp>
+      <p:sp>
+        <p:nvSpPr>
+          <p:cNvPr id="20" name="타원 19"/>
+          <p:cNvSpPr>
+            <a:spLocks noChangeAspect="1"/>
+          </p:cNvSpPr>
+          <p:nvPr/>
+        </p:nvSpPr>
+        <p:spPr bwMode="auto">
+          <a:xfrm>
+            <a:off x="4571282" y="3012989"/>
+            <a:ext cx="177679" cy="177679"/>
+          </a:xfrm>
+          <a:prstGeom prst="ellipse">
+            <a:avLst/>
+          </a:prstGeom>
+          <a:solidFill>
+            <a:srgbClr val="3FADFF"/>
+          </a:solidFill>
+          <a:ln w="31750" cap="flat" cmpd="dbl" algn="ctr">
+            <a:solidFill>
+              <a:schemeClr val="bg1">
+                <a:lumMod val="50000"/>
+              </a:schemeClr>
+            </a:solidFill>
+            <a:prstDash val="solid"/>
+            <a:round/>
+            <a:headEnd type="none" w="med" len="med"/>
+            <a:tailEnd type="none" w="med" len="med"/>
+          </a:ln>
+          <a:effectLst/>
+        </p:spPr>
+        <p:txBody>
+          <a:bodyPr vert="horz" wrap="none" lIns="90000" tIns="46800" rIns="90000" bIns="46800" numCol="1" rtlCol="0" anchor="ctr" anchorCtr="0" compatLnSpc="1">
+            <a:prstTxWarp prst="textNoShape">
+              <a:avLst/>
+            </a:prstTxWarp>
+          </a:bodyPr>
+          <a:lstStyle/>
+          <a:p>
+            <a:pPr marL="0" marR="0" indent="0" algn="ctr" defTabSz="914400" rtl="0" eaLnBrk="0" fontAlgn="base" latinLnBrk="0" hangingPunct="0">
+              <a:lnSpc>
+                <a:spcPct val="100000"/>
+              </a:lnSpc>
+              <a:spcBef>
+                <a:spcPct val="0"/>
+              </a:spcBef>
+              <a:spcAft>
+                <a:spcPct val="0"/>
+              </a:spcAft>
+              <a:buClrTx/>
+              <a:buSzTx/>
+              <a:buFontTx/>
+              <a:buNone/>
+              <a:tabLst/>
+            </a:pPr>
+            <a:r>
+              <a:rPr lang="en-US" altLang="ko-KR" sz="1000" b="1" dirty="0" smtClean="0">
+                <a:latin typeface="맑은 고딕" pitchFamily="50" charset="-127"/>
+                <a:ea typeface="맑은 고딕" pitchFamily="50" charset="-127"/>
+              </a:rPr>
+              <a:t>12</a:t>
+            </a:r>
+            <a:endParaRPr kumimoji="0" lang="ko-KR" altLang="en-US" sz="1000" b="1" i="0" u="none" strike="noStrike" cap="none" normalizeH="0" baseline="0" dirty="0" smtClean="0">
+              <a:ln>
+                <a:noFill/>
+              </a:ln>
+              <a:solidFill>
+                <a:schemeClr val="tx1"/>
+              </a:solidFill>
+              <a:effectLst/>
+              <a:latin typeface="맑은 고딕" pitchFamily="50" charset="-127"/>
+              <a:ea typeface="맑은 고딕" pitchFamily="50" charset="-127"/>
+            </a:endParaRPr>
+          </a:p>
+        </p:txBody>
+      </p:sp>
+      <p:sp>
+        <p:nvSpPr>
+          <p:cNvPr id="21" name="타원 20"/>
+          <p:cNvSpPr>
+            <a:spLocks noChangeAspect="1"/>
+          </p:cNvSpPr>
+          <p:nvPr/>
+        </p:nvSpPr>
+        <p:spPr bwMode="auto">
+          <a:xfrm>
+            <a:off x="5167986" y="2998639"/>
+            <a:ext cx="177679" cy="177679"/>
+          </a:xfrm>
+          <a:prstGeom prst="ellipse">
+            <a:avLst/>
+          </a:prstGeom>
+          <a:solidFill>
+            <a:srgbClr val="3FADFF"/>
+          </a:solidFill>
+          <a:ln w="31750" cap="flat" cmpd="dbl" algn="ctr">
+            <a:solidFill>
+              <a:schemeClr val="bg1">
+                <a:lumMod val="50000"/>
+              </a:schemeClr>
+            </a:solidFill>
+            <a:prstDash val="solid"/>
+            <a:round/>
+            <a:headEnd type="none" w="med" len="med"/>
+            <a:tailEnd type="none" w="med" len="med"/>
+          </a:ln>
+          <a:effectLst/>
+        </p:spPr>
+        <p:txBody>
+          <a:bodyPr vert="horz" wrap="none" lIns="90000" tIns="46800" rIns="90000" bIns="46800" numCol="1" rtlCol="0" anchor="ctr" anchorCtr="0" compatLnSpc="1">
+            <a:prstTxWarp prst="textNoShape">
+              <a:avLst/>
+            </a:prstTxWarp>
+          </a:bodyPr>
+          <a:lstStyle/>
+          <a:p>
+            <a:pPr marL="0" marR="0" indent="0" algn="ctr" defTabSz="914400" rtl="0" eaLnBrk="0" fontAlgn="base" latinLnBrk="0" hangingPunct="0">
+              <a:lnSpc>
+                <a:spcPct val="100000"/>
+              </a:lnSpc>
+              <a:spcBef>
+                <a:spcPct val="0"/>
+              </a:spcBef>
+              <a:spcAft>
+                <a:spcPct val="0"/>
+              </a:spcAft>
+              <a:buClrTx/>
+              <a:buSzTx/>
+              <a:buFontTx/>
+              <a:buNone/>
+              <a:tabLst/>
+            </a:pPr>
+            <a:r>
+              <a:rPr lang="en-US" altLang="ko-KR" sz="1000" b="1" dirty="0" smtClean="0">
+                <a:latin typeface="맑은 고딕" pitchFamily="50" charset="-127"/>
+                <a:ea typeface="맑은 고딕" pitchFamily="50" charset="-127"/>
+              </a:rPr>
+              <a:t>13</a:t>
+            </a:r>
+            <a:endParaRPr kumimoji="0" lang="ko-KR" altLang="en-US" sz="1000" b="1" i="0" u="none" strike="noStrike" cap="none" normalizeH="0" baseline="0" dirty="0" smtClean="0">
+              <a:ln>
+                <a:noFill/>
+              </a:ln>
+              <a:solidFill>
+                <a:schemeClr val="tx1"/>
+              </a:solidFill>
+              <a:effectLst/>
+              <a:latin typeface="맑은 고딕" pitchFamily="50" charset="-127"/>
+              <a:ea typeface="맑은 고딕" pitchFamily="50" charset="-127"/>
+            </a:endParaRPr>
+          </a:p>
+        </p:txBody>
+      </p:sp>
+      <p:sp>
+        <p:nvSpPr>
+          <p:cNvPr id="22" name="타원 21"/>
+          <p:cNvSpPr>
+            <a:spLocks noChangeAspect="1"/>
+          </p:cNvSpPr>
+          <p:nvPr/>
+        </p:nvSpPr>
+        <p:spPr bwMode="auto">
+          <a:xfrm>
+            <a:off x="5725479" y="2998639"/>
+            <a:ext cx="177679" cy="177679"/>
+          </a:xfrm>
+          <a:prstGeom prst="ellipse">
+            <a:avLst/>
+          </a:prstGeom>
+          <a:solidFill>
+            <a:srgbClr val="3FADFF"/>
+          </a:solidFill>
+          <a:ln w="31750" cap="flat" cmpd="dbl" algn="ctr">
+            <a:solidFill>
+              <a:schemeClr val="bg1">
+                <a:lumMod val="50000"/>
+              </a:schemeClr>
+            </a:solidFill>
+            <a:prstDash val="solid"/>
+            <a:round/>
+            <a:headEnd type="none" w="med" len="med"/>
+            <a:tailEnd type="none" w="med" len="med"/>
+          </a:ln>
+          <a:effectLst/>
+        </p:spPr>
+        <p:txBody>
+          <a:bodyPr vert="horz" wrap="none" lIns="90000" tIns="46800" rIns="90000" bIns="46800" numCol="1" rtlCol="0" anchor="ctr" anchorCtr="0" compatLnSpc="1">
+            <a:prstTxWarp prst="textNoShape">
+              <a:avLst/>
+            </a:prstTxWarp>
+          </a:bodyPr>
+          <a:lstStyle/>
+          <a:p>
+            <a:pPr marL="0" marR="0" indent="0" algn="ctr" defTabSz="914400" rtl="0" eaLnBrk="0" fontAlgn="base" latinLnBrk="0" hangingPunct="0">
+              <a:lnSpc>
+                <a:spcPct val="100000"/>
+              </a:lnSpc>
+              <a:spcBef>
+                <a:spcPct val="0"/>
+              </a:spcBef>
+              <a:spcAft>
+                <a:spcPct val="0"/>
+              </a:spcAft>
+              <a:buClrTx/>
+              <a:buSzTx/>
+              <a:buFontTx/>
+              <a:buNone/>
+              <a:tabLst/>
+            </a:pPr>
+            <a:r>
+              <a:rPr lang="en-US" altLang="ko-KR" sz="1000" b="1" dirty="0" smtClean="0">
+                <a:latin typeface="맑은 고딕" pitchFamily="50" charset="-127"/>
+                <a:ea typeface="맑은 고딕" pitchFamily="50" charset="-127"/>
+              </a:rPr>
+              <a:t>14</a:t>
+            </a:r>
+            <a:endParaRPr kumimoji="0" lang="ko-KR" altLang="en-US" sz="1000" b="1" i="0" u="none" strike="noStrike" cap="none" normalizeH="0" baseline="0" dirty="0" smtClean="0">
+              <a:ln>
+                <a:noFill/>
+              </a:ln>
+              <a:solidFill>
+                <a:schemeClr val="tx1"/>
+              </a:solidFill>
+              <a:effectLst/>
+              <a:latin typeface="맑은 고딕" pitchFamily="50" charset="-127"/>
+              <a:ea typeface="맑은 고딕" pitchFamily="50" charset="-127"/>
+            </a:endParaRPr>
+          </a:p>
+        </p:txBody>
+      </p:sp>
+      <p:sp>
+        <p:nvSpPr>
+          <p:cNvPr id="24" name="타원 23"/>
+          <p:cNvSpPr>
+            <a:spLocks noChangeAspect="1"/>
+          </p:cNvSpPr>
+          <p:nvPr/>
+        </p:nvSpPr>
+        <p:spPr bwMode="auto">
+          <a:xfrm>
+            <a:off x="6732456" y="2975052"/>
+            <a:ext cx="177679" cy="177679"/>
+          </a:xfrm>
+          <a:prstGeom prst="ellipse">
+            <a:avLst/>
+          </a:prstGeom>
+          <a:solidFill>
+            <a:srgbClr val="3FADFF"/>
+          </a:solidFill>
+          <a:ln w="31750" cap="flat" cmpd="dbl" algn="ctr">
+            <a:solidFill>
+              <a:schemeClr val="bg1">
+                <a:lumMod val="50000"/>
+              </a:schemeClr>
+            </a:solidFill>
+            <a:prstDash val="solid"/>
+            <a:round/>
+            <a:headEnd type="none" w="med" len="med"/>
+            <a:tailEnd type="none" w="med" len="med"/>
+          </a:ln>
+          <a:effectLst/>
+        </p:spPr>
+        <p:txBody>
+          <a:bodyPr vert="horz" wrap="none" lIns="90000" tIns="46800" rIns="90000" bIns="46800" numCol="1" rtlCol="0" anchor="ctr" anchorCtr="0" compatLnSpc="1">
+            <a:prstTxWarp prst="textNoShape">
+              <a:avLst/>
+            </a:prstTxWarp>
+          </a:bodyPr>
+          <a:lstStyle/>
+          <a:p>
+            <a:pPr marL="0" marR="0" indent="0" algn="ctr" defTabSz="914400" rtl="0" eaLnBrk="0" fontAlgn="base" latinLnBrk="0" hangingPunct="0">
+              <a:lnSpc>
+                <a:spcPct val="100000"/>
+              </a:lnSpc>
+              <a:spcBef>
+                <a:spcPct val="0"/>
+              </a:spcBef>
+              <a:spcAft>
+                <a:spcPct val="0"/>
+              </a:spcAft>
+              <a:buClrTx/>
+              <a:buSzTx/>
+              <a:buFontTx/>
+              <a:buNone/>
+              <a:tabLst/>
+            </a:pPr>
+            <a:r>
+              <a:rPr lang="en-US" altLang="ko-KR" sz="1000" b="1" dirty="0" smtClean="0">
+                <a:latin typeface="맑은 고딕" pitchFamily="50" charset="-127"/>
+                <a:ea typeface="맑은 고딕" pitchFamily="50" charset="-127"/>
+              </a:rPr>
+              <a:t>15</a:t>
+            </a:r>
+            <a:endParaRPr kumimoji="0" lang="ko-KR" altLang="en-US" sz="1000" b="1" i="0" u="none" strike="noStrike" cap="none" normalizeH="0" baseline="0" dirty="0" smtClean="0">
+              <a:ln>
+                <a:noFill/>
+              </a:ln>
+              <a:solidFill>
+                <a:schemeClr val="tx1"/>
+              </a:solidFill>
+              <a:effectLst/>
+              <a:latin typeface="맑은 고딕" pitchFamily="50" charset="-127"/>
+              <a:ea typeface="맑은 고딕" pitchFamily="50" charset="-127"/>
+            </a:endParaRPr>
+          </a:p>
+        </p:txBody>
+      </p:sp>
     </p:spTree>
     <p:extLst>
       <p:ext uri="{BB962C8B-B14F-4D97-AF65-F5344CB8AC3E}">
-        <p14:creationId xmlns:p14="http://schemas.microsoft.com/office/powerpoint/2010/main" val="3839759683"/>
+        <p14:creationId xmlns:p14="http://schemas.microsoft.com/office/powerpoint/2010/main" val="2027120551"/>
       </p:ext>
     </p:extLst>
   </p:cSld>
@@ -40737,9 +43289,9 @@
         <p:grpSpPr>
           <a:xfrm>
             <a:off x="4614126" y="1732062"/>
-            <a:ext cx="4183813" cy="1705962"/>
+            <a:ext cx="4183813" cy="2064083"/>
             <a:chOff x="4614126" y="1746882"/>
-            <a:chExt cx="4183813" cy="1705962"/>
+            <a:chExt cx="4183813" cy="2064083"/>
           </a:xfrm>
         </p:grpSpPr>
         <p:sp>
@@ -40856,7 +43408,7 @@
           <p:spPr bwMode="auto">
             <a:xfrm>
               <a:off x="4614126" y="2093864"/>
-              <a:ext cx="4183811" cy="1358980"/>
+              <a:ext cx="4183811" cy="1717101"/>
             </a:xfrm>
             <a:prstGeom prst="rect">
               <a:avLst/>
@@ -40918,78 +43470,14 @@
                   <a:latin typeface="맑은 고딕" pitchFamily="50" charset="-127"/>
                   <a:ea typeface="맑은 고딕" pitchFamily="50" charset="-127"/>
                 </a:rPr>
-                <a:t>진행 미완버튼을 누르면 진행 중인데 미완료된 과제가 전체 출력된다</a:t>
-              </a:r>
-              <a:r>
-                <a:rPr lang="en-US" altLang="ko-KR" sz="1050" dirty="0" smtClean="0">
-                  <a:latin typeface="맑은 고딕" pitchFamily="50" charset="-127"/>
-                  <a:ea typeface="맑은 고딕" pitchFamily="50" charset="-127"/>
-                </a:rPr>
-                <a:t>.</a:t>
-              </a:r>
-            </a:p>
-            <a:p>
-              <a:pPr marL="0" marR="0" indent="0" algn="just" defTabSz="914400" rtl="0" eaLnBrk="0" fontAlgn="base" latinLnBrk="0" hangingPunct="0">
-                <a:lnSpc>
-                  <a:spcPct val="100000"/>
-                </a:lnSpc>
-                <a:spcBef>
-                  <a:spcPct val="0"/>
-                </a:spcBef>
-                <a:spcAft>
-                  <a:spcPct val="0"/>
-                </a:spcAft>
-                <a:buClrTx/>
-                <a:buSzTx/>
-                <a:buFont typeface="Arial" pitchFamily="34" charset="0"/>
-                <a:buChar char="•"/>
-                <a:tabLst/>
-              </a:pPr>
-              <a:r>
-                <a:rPr lang="en-US" altLang="ko-KR" sz="1050" dirty="0">
-                  <a:latin typeface="맑은 고딕" pitchFamily="50" charset="-127"/>
-                  <a:ea typeface="맑은 고딕" pitchFamily="50" charset="-127"/>
-                </a:rPr>
-                <a:t> </a:t>
+                <a:t>진행 중과 완료보임을 누르고 조회버튼을 누르면</a:t>
               </a:r>
               <a:r>
                 <a:rPr lang="ko-KR" altLang="en-US" sz="1050" dirty="0" smtClean="0">
                   <a:latin typeface="맑은 고딕" pitchFamily="50" charset="-127"/>
                   <a:ea typeface="맑은 고딕" pitchFamily="50" charset="-127"/>
                 </a:rPr>
-                <a:t>진행 완성버튼을 누르면 진행 중인데 완료된 과제가 전체 출력된다</a:t>
-              </a:r>
-              <a:r>
-                <a:rPr lang="en-US" altLang="ko-KR" sz="1050" dirty="0" smtClean="0">
-                  <a:latin typeface="맑은 고딕" pitchFamily="50" charset="-127"/>
-                  <a:ea typeface="맑은 고딕" pitchFamily="50" charset="-127"/>
-                </a:rPr>
-                <a:t>.</a:t>
-              </a:r>
-            </a:p>
-            <a:p>
-              <a:pPr marL="0" marR="0" indent="0" algn="just" defTabSz="914400" rtl="0" eaLnBrk="0" fontAlgn="base" latinLnBrk="0" hangingPunct="0">
-                <a:lnSpc>
-                  <a:spcPct val="100000"/>
-                </a:lnSpc>
-                <a:spcBef>
-                  <a:spcPct val="0"/>
-                </a:spcBef>
-                <a:spcAft>
-                  <a:spcPct val="0"/>
-                </a:spcAft>
-                <a:buClrTx/>
-                <a:buSzTx/>
-                <a:buFont typeface="Arial" pitchFamily="34" charset="0"/>
-                <a:buChar char="•"/>
-                <a:tabLst/>
-              </a:pPr>
-              <a:r>
-                <a:rPr lang="ko-KR" altLang="en-US" sz="1050" dirty="0" smtClean="0">
-                  <a:latin typeface="맑은 고딕" pitchFamily="50" charset="-127"/>
-                  <a:ea typeface="맑은 고딕" pitchFamily="50" charset="-127"/>
-                </a:rPr>
-                <a:t> 지남 미완버튼을 누르면 마감기한이 지났는데 미완료된 과제가 </a:t>
+                <a:t> 진행 중인 과제가 </a:t>
               </a:r>
               <a:endParaRPr lang="en-US" altLang="ko-KR" sz="1050" dirty="0" smtClean="0">
                 <a:latin typeface="맑은 고딕" pitchFamily="50" charset="-127"/>
@@ -41012,12 +43500,98 @@
                 <a:tabLst/>
               </a:pPr>
               <a:r>
+                <a:rPr lang="en-US" altLang="ko-KR" sz="1050" dirty="0" smtClean="0">
+                  <a:latin typeface="맑은 고딕" pitchFamily="50" charset="-127"/>
+                  <a:ea typeface="맑은 고딕" pitchFamily="50" charset="-127"/>
+                </a:rPr>
+                <a:t>  </a:t>
+              </a:r>
+              <a:r>
+                <a:rPr lang="ko-KR" altLang="en-US" sz="1050" dirty="0" smtClean="0">
+                  <a:latin typeface="맑은 고딕" pitchFamily="50" charset="-127"/>
+                  <a:ea typeface="맑은 고딕" pitchFamily="50" charset="-127"/>
+                </a:rPr>
+                <a:t>과제가 완료된 과제를 포함해서 전체 출력된다</a:t>
+              </a:r>
+              <a:r>
+                <a:rPr lang="en-US" altLang="ko-KR" sz="1050" dirty="0" smtClean="0">
+                  <a:latin typeface="맑은 고딕" pitchFamily="50" charset="-127"/>
+                  <a:ea typeface="맑은 고딕" pitchFamily="50" charset="-127"/>
+                </a:rPr>
+                <a:t>.</a:t>
+              </a:r>
+            </a:p>
+            <a:p>
+              <a:pPr algn="just">
+                <a:buFont typeface="Arial" pitchFamily="34" charset="0"/>
+                <a:buChar char="•"/>
+              </a:pPr>
+              <a:r>
+                <a:rPr lang="ko-KR" altLang="en-US" sz="1050" dirty="0" smtClean="0">
+                  <a:latin typeface="맑은 고딕" pitchFamily="50" charset="-127"/>
+                  <a:ea typeface="맑은 고딕" pitchFamily="50" charset="-127"/>
+                </a:rPr>
+                <a:t> 지남과 </a:t>
+              </a:r>
+              <a:r>
+                <a:rPr lang="ko-KR" altLang="en-US" sz="1050" dirty="0">
+                  <a:latin typeface="맑은 고딕" pitchFamily="50" charset="-127"/>
+                  <a:ea typeface="맑은 고딕" pitchFamily="50" charset="-127"/>
+                </a:rPr>
+                <a:t>완료보임을 누르고 조회버튼을 누르면 </a:t>
+              </a:r>
+              <a:r>
+                <a:rPr lang="ko-KR" altLang="en-US" sz="1050" dirty="0" smtClean="0">
+                  <a:latin typeface="맑은 고딕" pitchFamily="50" charset="-127"/>
+                  <a:ea typeface="맑은 고딕" pitchFamily="50" charset="-127"/>
+                </a:rPr>
+                <a:t>기한이 지난 과제가 </a:t>
+              </a:r>
+              <a:endParaRPr lang="en-US" altLang="ko-KR" sz="1050" dirty="0">
+                <a:latin typeface="맑은 고딕" pitchFamily="50" charset="-127"/>
+                <a:ea typeface="맑은 고딕" pitchFamily="50" charset="-127"/>
+              </a:endParaRPr>
+            </a:p>
+            <a:p>
+              <a:pPr algn="just"/>
+              <a:r>
                 <a:rPr lang="en-US" altLang="ko-KR" sz="1050" dirty="0">
                   <a:latin typeface="맑은 고딕" pitchFamily="50" charset="-127"/>
                   <a:ea typeface="맑은 고딕" pitchFamily="50" charset="-127"/>
                 </a:rPr>
-                <a:t> </a:t>
+                <a:t>  </a:t>
               </a:r>
+              <a:r>
+                <a:rPr lang="ko-KR" altLang="en-US" sz="1050" dirty="0" smtClean="0">
+                  <a:latin typeface="맑은 고딕" pitchFamily="50" charset="-127"/>
+                  <a:ea typeface="맑은 고딕" pitchFamily="50" charset="-127"/>
+                </a:rPr>
+                <a:t>완료된 </a:t>
+              </a:r>
+              <a:r>
+                <a:rPr lang="ko-KR" altLang="en-US" sz="1050" dirty="0">
+                  <a:latin typeface="맑은 고딕" pitchFamily="50" charset="-127"/>
+                  <a:ea typeface="맑은 고딕" pitchFamily="50" charset="-127"/>
+                </a:rPr>
+                <a:t>과제를 포함해서 전체 출력된다</a:t>
+              </a:r>
+              <a:r>
+                <a:rPr lang="en-US" altLang="ko-KR" sz="1050" dirty="0" smtClean="0">
+                  <a:latin typeface="맑은 고딕" pitchFamily="50" charset="-127"/>
+                  <a:ea typeface="맑은 고딕" pitchFamily="50" charset="-127"/>
+                </a:rPr>
+                <a:t>.</a:t>
+              </a:r>
+              <a:endParaRPr lang="en-US" altLang="ko-KR" sz="1050" dirty="0" smtClean="0">
+                <a:latin typeface="맑은 고딕" pitchFamily="50" charset="-127"/>
+                <a:ea typeface="맑은 고딕" pitchFamily="50" charset="-127"/>
+              </a:endParaRPr>
+            </a:p>
+            <a:p>
+              <a:pPr algn="just">
+                <a:buFont typeface="Arial" pitchFamily="34" charset="0"/>
+                <a:buChar char="•"/>
+              </a:pPr>
               <a:r>
                 <a:rPr lang="en-US" altLang="ko-KR" sz="1050" dirty="0" smtClean="0">
                   <a:latin typeface="맑은 고딕" pitchFamily="50" charset="-127"/>
@@ -41030,6 +43604,76 @@
                   <a:latin typeface="맑은 고딕" pitchFamily="50" charset="-127"/>
                   <a:ea typeface="맑은 고딕" pitchFamily="50" charset="-127"/>
                 </a:rPr>
+                <a:t>진행 중과 완료보임</a:t>
+              </a:r>
+              <a:r>
+                <a:rPr lang="en-US" altLang="ko-KR" sz="1050" dirty="0" smtClean="0">
+                  <a:latin typeface="맑은 고딕" pitchFamily="50" charset="-127"/>
+                  <a:ea typeface="맑은 고딕" pitchFamily="50" charset="-127"/>
+                </a:rPr>
+                <a:t>X</a:t>
+              </a:r>
+              <a:r>
+                <a:rPr lang="ko-KR" altLang="en-US" sz="1050" dirty="0" smtClean="0">
+                  <a:latin typeface="맑은 고딕" pitchFamily="50" charset="-127"/>
+                  <a:ea typeface="맑은 고딕" pitchFamily="50" charset="-127"/>
+                </a:rPr>
+                <a:t>을 </a:t>
+              </a:r>
+              <a:r>
+                <a:rPr lang="ko-KR" altLang="en-US" sz="1050" dirty="0">
+                  <a:latin typeface="맑은 고딕" pitchFamily="50" charset="-127"/>
+                  <a:ea typeface="맑은 고딕" pitchFamily="50" charset="-127"/>
+                </a:rPr>
+                <a:t>누르고 조회버튼을 누르면 </a:t>
+              </a:r>
+              <a:r>
+                <a:rPr lang="ko-KR" altLang="en-US" sz="1050" dirty="0" smtClean="0">
+                  <a:latin typeface="맑은 고딕" pitchFamily="50" charset="-127"/>
+                  <a:ea typeface="맑은 고딕" pitchFamily="50" charset="-127"/>
+                </a:rPr>
+                <a:t>마감기한이 지난</a:t>
+              </a:r>
+              <a:endParaRPr lang="en-US" altLang="ko-KR" sz="1050" dirty="0">
+                <a:latin typeface="맑은 고딕" pitchFamily="50" charset="-127"/>
+                <a:ea typeface="맑은 고딕" pitchFamily="50" charset="-127"/>
+              </a:endParaRPr>
+            </a:p>
+            <a:p>
+              <a:pPr algn="just"/>
+              <a:r>
+                <a:rPr lang="ko-KR" altLang="en-US" sz="1050" dirty="0">
+                  <a:latin typeface="맑은 고딕" pitchFamily="50" charset="-127"/>
+                  <a:ea typeface="맑은 고딕" pitchFamily="50" charset="-127"/>
+                </a:rPr>
+                <a:t> </a:t>
+              </a:r>
+              <a:r>
+                <a:rPr lang="ko-KR" altLang="en-US" sz="1050" dirty="0" smtClean="0">
+                  <a:latin typeface="맑은 고딕" pitchFamily="50" charset="-127"/>
+                  <a:ea typeface="맑은 고딕" pitchFamily="50" charset="-127"/>
+                </a:rPr>
+                <a:t> 과제가 </a:t>
+              </a:r>
+              <a:r>
+                <a:rPr lang="ko-KR" altLang="en-US" sz="1050" dirty="0">
+                  <a:latin typeface="맑은 고딕" pitchFamily="50" charset="-127"/>
+                  <a:ea typeface="맑은 고딕" pitchFamily="50" charset="-127"/>
+                </a:rPr>
+                <a:t>완료된 과제를 </a:t>
+              </a:r>
+              <a:r>
+                <a:rPr lang="ko-KR" altLang="en-US" sz="1050" dirty="0" smtClean="0">
+                  <a:latin typeface="맑은 고딕" pitchFamily="50" charset="-127"/>
+                  <a:ea typeface="맑은 고딕" pitchFamily="50" charset="-127"/>
+                </a:rPr>
+                <a:t>제외하고 </a:t>
+              </a:r>
+              <a:r>
+                <a:rPr lang="ko-KR" altLang="en-US" sz="1050" dirty="0">
+                  <a:latin typeface="맑은 고딕" pitchFamily="50" charset="-127"/>
+                  <a:ea typeface="맑은 고딕" pitchFamily="50" charset="-127"/>
+                </a:rPr>
                 <a:t>전체 출력된다</a:t>
               </a:r>
               <a:r>
@@ -41039,26 +43683,154 @@
                 </a:rPr>
                 <a:t>.</a:t>
               </a:r>
+              <a:endParaRPr lang="en-US" altLang="ko-KR" sz="1050" dirty="0">
+                <a:latin typeface="맑은 고딕" pitchFamily="50" charset="-127"/>
+                <a:ea typeface="맑은 고딕" pitchFamily="50" charset="-127"/>
+              </a:endParaRPr>
             </a:p>
             <a:p>
-              <a:pPr marL="0" marR="0" indent="0" algn="just" defTabSz="914400" rtl="0" eaLnBrk="0" fontAlgn="base" latinLnBrk="0" hangingPunct="0">
-                <a:lnSpc>
-                  <a:spcPct val="100000"/>
-                </a:lnSpc>
-                <a:spcBef>
-                  <a:spcPct val="0"/>
-                </a:spcBef>
-                <a:spcAft>
-                  <a:spcPct val="0"/>
-                </a:spcAft>
-                <a:buClrTx/>
-                <a:buSzTx/>
+              <a:pPr algn="just">
                 <a:buFont typeface="Arial" pitchFamily="34" charset="0"/>
                 <a:buChar char="•"/>
-                <a:tabLst/>
               </a:pPr>
               <a:r>
-                <a:rPr kumimoji="0" lang="en-US" altLang="ko-KR" sz="1050" b="0" i="0" u="none" strike="noStrike" cap="none" normalizeH="0" baseline="0" dirty="0" smtClean="0">
+                <a:rPr lang="ko-KR" altLang="en-US" sz="1050" dirty="0">
+                  <a:latin typeface="맑은 고딕" pitchFamily="50" charset="-127"/>
+                  <a:ea typeface="맑은 고딕" pitchFamily="50" charset="-127"/>
+                </a:rPr>
+                <a:t> </a:t>
+              </a:r>
+              <a:r>
+                <a:rPr lang="ko-KR" altLang="en-US" sz="1050" dirty="0" smtClean="0">
+                  <a:latin typeface="맑은 고딕" pitchFamily="50" charset="-127"/>
+                  <a:ea typeface="맑은 고딕" pitchFamily="50" charset="-127"/>
+                </a:rPr>
+                <a:t>지</a:t>
+              </a:r>
+              <a:r>
+                <a:rPr lang="ko-KR" altLang="en-US" sz="1050" dirty="0">
+                  <a:latin typeface="맑은 고딕" pitchFamily="50" charset="-127"/>
+                  <a:ea typeface="맑은 고딕" pitchFamily="50" charset="-127"/>
+                </a:rPr>
+                <a:t>남</a:t>
+              </a:r>
+              <a:r>
+                <a:rPr lang="ko-KR" altLang="en-US" sz="1050" dirty="0" smtClean="0">
+                  <a:latin typeface="맑은 고딕" pitchFamily="50" charset="-127"/>
+                  <a:ea typeface="맑은 고딕" pitchFamily="50" charset="-127"/>
+                </a:rPr>
+                <a:t>과 완료보임</a:t>
+              </a:r>
+              <a:r>
+                <a:rPr lang="en-US" altLang="ko-KR" sz="1050" dirty="0" smtClean="0">
+                  <a:latin typeface="맑은 고딕" pitchFamily="50" charset="-127"/>
+                  <a:ea typeface="맑은 고딕" pitchFamily="50" charset="-127"/>
+                </a:rPr>
+                <a:t>X</a:t>
+              </a:r>
+              <a:r>
+                <a:rPr lang="ko-KR" altLang="en-US" sz="1050" dirty="0" smtClean="0">
+                  <a:latin typeface="맑은 고딕" pitchFamily="50" charset="-127"/>
+                  <a:ea typeface="맑은 고딕" pitchFamily="50" charset="-127"/>
+                </a:rPr>
+                <a:t>을 </a:t>
+              </a:r>
+              <a:r>
+                <a:rPr lang="ko-KR" altLang="en-US" sz="1050" dirty="0">
+                  <a:latin typeface="맑은 고딕" pitchFamily="50" charset="-127"/>
+                  <a:ea typeface="맑은 고딕" pitchFamily="50" charset="-127"/>
+                </a:rPr>
+                <a:t>누르고 조회버튼을 누르면 </a:t>
+              </a:r>
+              <a:r>
+                <a:rPr lang="ko-KR" altLang="en-US" sz="1050" dirty="0" smtClean="0">
+                  <a:latin typeface="맑은 고딕" pitchFamily="50" charset="-127"/>
+                  <a:ea typeface="맑은 고딕" pitchFamily="50" charset="-127"/>
+                </a:rPr>
+                <a:t>마감기한</a:t>
+              </a:r>
+              <a:r>
+                <a:rPr lang="ko-KR" altLang="en-US" sz="1050" dirty="0">
+                  <a:latin typeface="맑은 고딕" pitchFamily="50" charset="-127"/>
+                  <a:ea typeface="맑은 고딕" pitchFamily="50" charset="-127"/>
+                </a:rPr>
+                <a:t>이</a:t>
+              </a:r>
+              <a:r>
+                <a:rPr lang="ko-KR" altLang="en-US" sz="1050" dirty="0" smtClean="0">
+                  <a:latin typeface="맑은 고딕" pitchFamily="50" charset="-127"/>
+                  <a:ea typeface="맑은 고딕" pitchFamily="50" charset="-127"/>
+                </a:rPr>
+                <a:t> 지난 </a:t>
+              </a:r>
+              <a:endParaRPr lang="en-US" altLang="ko-KR" sz="1050" dirty="0">
+                <a:latin typeface="맑은 고딕" pitchFamily="50" charset="-127"/>
+                <a:ea typeface="맑은 고딕" pitchFamily="50" charset="-127"/>
+              </a:endParaRPr>
+            </a:p>
+            <a:p>
+              <a:pPr algn="just"/>
+              <a:r>
+                <a:rPr lang="en-US" altLang="ko-KR" sz="1050" dirty="0">
+                  <a:latin typeface="맑은 고딕" pitchFamily="50" charset="-127"/>
+                  <a:ea typeface="맑은 고딕" pitchFamily="50" charset="-127"/>
+                </a:rPr>
+                <a:t>  </a:t>
+              </a:r>
+              <a:r>
+                <a:rPr lang="ko-KR" altLang="en-US" sz="1050" dirty="0">
+                  <a:latin typeface="맑은 고딕" pitchFamily="50" charset="-127"/>
+                  <a:ea typeface="맑은 고딕" pitchFamily="50" charset="-127"/>
+                </a:rPr>
+                <a:t>과제가 완료된 과제를 </a:t>
+              </a:r>
+              <a:r>
+                <a:rPr lang="ko-KR" altLang="en-US" sz="1050" dirty="0" smtClean="0">
+                  <a:latin typeface="맑은 고딕" pitchFamily="50" charset="-127"/>
+                  <a:ea typeface="맑은 고딕" pitchFamily="50" charset="-127"/>
+                </a:rPr>
+                <a:t>제외하</a:t>
+              </a:r>
+              <a:r>
+                <a:rPr lang="ko-KR" altLang="en-US" sz="1050" dirty="0">
+                  <a:latin typeface="맑은 고딕" pitchFamily="50" charset="-127"/>
+                  <a:ea typeface="맑은 고딕" pitchFamily="50" charset="-127"/>
+                </a:rPr>
+                <a:t>고</a:t>
+              </a:r>
+              <a:r>
+                <a:rPr lang="ko-KR" altLang="en-US" sz="1050" dirty="0" smtClean="0">
+                  <a:latin typeface="맑은 고딕" pitchFamily="50" charset="-127"/>
+                  <a:ea typeface="맑은 고딕" pitchFamily="50" charset="-127"/>
+                </a:rPr>
+                <a:t> </a:t>
+              </a:r>
+              <a:r>
+                <a:rPr lang="ko-KR" altLang="en-US" sz="1050" dirty="0">
+                  <a:latin typeface="맑은 고딕" pitchFamily="50" charset="-127"/>
+                  <a:ea typeface="맑은 고딕" pitchFamily="50" charset="-127"/>
+                </a:rPr>
+                <a:t>전체 출력된다</a:t>
+              </a:r>
+              <a:r>
+                <a:rPr lang="en-US" altLang="ko-KR" sz="1050" dirty="0" smtClean="0">
+                  <a:latin typeface="맑은 고딕" pitchFamily="50" charset="-127"/>
+                  <a:ea typeface="맑은 고딕" pitchFamily="50" charset="-127"/>
+                </a:rPr>
+                <a:t>.</a:t>
+              </a:r>
+              <a:endParaRPr lang="en-US" altLang="ko-KR" sz="1050" dirty="0" smtClean="0">
+                <a:latin typeface="맑은 고딕" pitchFamily="50" charset="-127"/>
+                <a:ea typeface="맑은 고딕" pitchFamily="50" charset="-127"/>
+              </a:endParaRPr>
+            </a:p>
+            <a:p>
+              <a:pPr algn="just">
+                <a:buFont typeface="Arial" pitchFamily="34" charset="0"/>
+                <a:buChar char="•"/>
+              </a:pPr>
+              <a:r>
+                <a:rPr kumimoji="0" lang="en-US" altLang="ko-KR" sz="1050" b="1" i="0" u="none" strike="noStrike" cap="none" normalizeH="0" baseline="0" dirty="0" smtClean="0">
                   <a:ln>
                     <a:noFill/>
                   </a:ln>
@@ -41070,75 +43842,6 @@
                   <a:ea typeface="맑은 고딕" pitchFamily="50" charset="-127"/>
                 </a:rPr>
                 <a:t> </a:t>
-              </a:r>
-              <a:r>
-                <a:rPr kumimoji="0" lang="ko-KR" altLang="en-US" sz="1050" b="0" i="0" u="none" strike="noStrike" cap="none" normalizeH="0" baseline="0" dirty="0" smtClean="0">
-                  <a:ln>
-                    <a:noFill/>
-                  </a:ln>
-                  <a:solidFill>
-                    <a:schemeClr val="tx1"/>
-                  </a:solidFill>
-                  <a:effectLst/>
-                  <a:latin typeface="맑은 고딕" pitchFamily="50" charset="-127"/>
-                  <a:ea typeface="맑은 고딕" pitchFamily="50" charset="-127"/>
-                </a:rPr>
-                <a:t>지남 완성 버튼을 누르면 </a:t>
-              </a:r>
-              <a:r>
-                <a:rPr lang="ko-KR" altLang="en-US" sz="1050" dirty="0" smtClean="0">
-                  <a:latin typeface="맑은 고딕" pitchFamily="50" charset="-127"/>
-                  <a:ea typeface="맑은 고딕" pitchFamily="50" charset="-127"/>
-                </a:rPr>
-                <a:t>마감기한이 지났고 완료된 과제가 전체</a:t>
-              </a:r>
-              <a:endParaRPr lang="en-US" altLang="ko-KR" sz="1050" dirty="0" smtClean="0">
-                <a:latin typeface="맑은 고딕" pitchFamily="50" charset="-127"/>
-                <a:ea typeface="맑은 고딕" pitchFamily="50" charset="-127"/>
-              </a:endParaRPr>
-            </a:p>
-            <a:p>
-              <a:pPr marL="0" marR="0" indent="0" algn="just" defTabSz="914400" rtl="0" eaLnBrk="0" fontAlgn="base" latinLnBrk="0" hangingPunct="0">
-                <a:lnSpc>
-                  <a:spcPct val="100000"/>
-                </a:lnSpc>
-                <a:spcBef>
-                  <a:spcPct val="0"/>
-                </a:spcBef>
-                <a:spcAft>
-                  <a:spcPct val="0"/>
-                </a:spcAft>
-                <a:buClrTx/>
-                <a:buSzTx/>
-                <a:tabLst/>
-              </a:pPr>
-              <a:r>
-                <a:rPr lang="en-US" altLang="ko-KR" sz="1050" dirty="0">
-                  <a:latin typeface="맑은 고딕" pitchFamily="50" charset="-127"/>
-                  <a:ea typeface="맑은 고딕" pitchFamily="50" charset="-127"/>
-                </a:rPr>
-                <a:t> </a:t>
-              </a:r>
-              <a:r>
-                <a:rPr lang="en-US" altLang="ko-KR" sz="1050" dirty="0" smtClean="0">
-                  <a:latin typeface="맑은 고딕" pitchFamily="50" charset="-127"/>
-                  <a:ea typeface="맑은 고딕" pitchFamily="50" charset="-127"/>
-                </a:rPr>
-                <a:t> </a:t>
-              </a:r>
-              <a:r>
-                <a:rPr lang="ko-KR" altLang="en-US" sz="1050" dirty="0" smtClean="0">
-                  <a:latin typeface="맑은 고딕" pitchFamily="50" charset="-127"/>
-                  <a:ea typeface="맑은 고딕" pitchFamily="50" charset="-127"/>
-                </a:rPr>
-                <a:t>출력된다</a:t>
-              </a:r>
-              <a:r>
-                <a:rPr lang="en-US" altLang="ko-KR" sz="1050" dirty="0" smtClean="0">
-                  <a:latin typeface="맑은 고딕" pitchFamily="50" charset="-127"/>
-                  <a:ea typeface="맑은 고딕" pitchFamily="50" charset="-127"/>
-                </a:rPr>
-                <a:t>. </a:t>
               </a:r>
               <a:r>
                 <a:rPr lang="ko-KR" altLang="en-US" sz="1050" dirty="0" smtClean="0">
@@ -41177,68 +43880,6 @@
               </a:r>
               <a:r>
                 <a:rPr lang="en-US" altLang="ko-KR" sz="1050" dirty="0" smtClean="0">
-                  <a:latin typeface="맑은 고딕" pitchFamily="50" charset="-127"/>
-                  <a:ea typeface="맑은 고딕" pitchFamily="50" charset="-127"/>
-                </a:rPr>
-                <a:t>.</a:t>
-              </a:r>
-            </a:p>
-            <a:p>
-              <a:pPr algn="just">
-                <a:buFont typeface="Arial" pitchFamily="34" charset="0"/>
-                <a:buChar char="•"/>
-              </a:pPr>
-              <a:r>
-                <a:rPr kumimoji="0" lang="en-US" altLang="ko-KR" sz="1050" b="1" i="0" u="none" strike="noStrike" cap="none" normalizeH="0" baseline="0" dirty="0" smtClean="0">
-                  <a:ln>
-                    <a:noFill/>
-                  </a:ln>
-                  <a:solidFill>
-                    <a:schemeClr val="tx1"/>
-                  </a:solidFill>
-                  <a:effectLst/>
-                  <a:latin typeface="맑은 고딕" pitchFamily="50" charset="-127"/>
-                  <a:ea typeface="맑은 고딕" pitchFamily="50" charset="-127"/>
-                </a:rPr>
-                <a:t> </a:t>
-              </a:r>
-              <a:r>
-                <a:rPr lang="ko-KR" altLang="en-US" sz="1050" dirty="0">
-                  <a:latin typeface="맑은 고딕" pitchFamily="50" charset="-127"/>
-                  <a:ea typeface="맑은 고딕" pitchFamily="50" charset="-127"/>
-                </a:rPr>
-                <a:t>오늘</a:t>
-              </a:r>
-              <a:r>
-                <a:rPr lang="en-US" altLang="ko-KR" sz="1050" dirty="0">
-                  <a:latin typeface="맑은 고딕" pitchFamily="50" charset="-127"/>
-                  <a:ea typeface="맑은 고딕" pitchFamily="50" charset="-127"/>
-                </a:rPr>
-                <a:t>, </a:t>
-              </a:r>
-              <a:r>
-                <a:rPr lang="ko-KR" altLang="en-US" sz="1050" dirty="0">
-                  <a:latin typeface="맑은 고딕" pitchFamily="50" charset="-127"/>
-                  <a:ea typeface="맑은 고딕" pitchFamily="50" charset="-127"/>
-                </a:rPr>
-                <a:t>달력</a:t>
-              </a:r>
-              <a:r>
-                <a:rPr lang="en-US" altLang="ko-KR" sz="1050" dirty="0">
-                  <a:latin typeface="맑은 고딕" pitchFamily="50" charset="-127"/>
-                  <a:ea typeface="맑은 고딕" pitchFamily="50" charset="-127"/>
-                </a:rPr>
-                <a:t>, </a:t>
-              </a:r>
-              <a:r>
-                <a:rPr lang="ko-KR" altLang="en-US" sz="1050" dirty="0">
-                  <a:latin typeface="맑은 고딕" pitchFamily="50" charset="-127"/>
-                  <a:ea typeface="맑은 고딕" pitchFamily="50" charset="-127"/>
-                </a:rPr>
-                <a:t>등록 버튼을 누르면 다른 화면으로 바뀐다</a:t>
-              </a:r>
-              <a:r>
-                <a:rPr lang="en-US" altLang="ko-KR" sz="1050" dirty="0">
                   <a:latin typeface="맑은 고딕" pitchFamily="50" charset="-127"/>
                   <a:ea typeface="맑은 고딕" pitchFamily="50" charset="-127"/>
                 </a:rPr>
@@ -41285,10 +43926,10 @@
         </p:nvGrpSpPr>
         <p:grpSpPr>
           <a:xfrm>
-            <a:off x="4614124" y="3438024"/>
-            <a:ext cx="4183813" cy="2867784"/>
-            <a:chOff x="4614124" y="3394992"/>
-            <a:chExt cx="4183813" cy="2867784"/>
+            <a:off x="4614124" y="3892509"/>
+            <a:ext cx="4183811" cy="2329220"/>
+            <a:chOff x="4614124" y="4551441"/>
+            <a:chExt cx="4183811" cy="2329220"/>
           </a:xfrm>
         </p:grpSpPr>
         <p:sp>
@@ -41299,7 +43940,7 @@
           </p:nvSpPr>
           <p:spPr bwMode="auto">
             <a:xfrm>
-              <a:off x="4614126" y="3394992"/>
+              <a:off x="4614124" y="4551441"/>
               <a:ext cx="4183811" cy="346982"/>
             </a:xfrm>
             <a:prstGeom prst="rect">
@@ -41389,8 +44030,8 @@
           </p:nvSpPr>
           <p:spPr bwMode="auto">
             <a:xfrm>
-              <a:off x="4614124" y="3741973"/>
-              <a:ext cx="4183811" cy="2520803"/>
+              <a:off x="4614124" y="4898423"/>
+              <a:ext cx="4183811" cy="1982238"/>
             </a:xfrm>
             <a:prstGeom prst="rect">
               <a:avLst/>
@@ -41457,18 +44098,12 @@
                 <a:t>한다</a:t>
               </a:r>
               <a:r>
-                <a:rPr lang="en-US" altLang="ko-KR" sz="1050" dirty="0">
+                <a:rPr lang="en-US" altLang="ko-KR" sz="1050" dirty="0" smtClean="0">
                   <a:latin typeface="맑은 고딕" pitchFamily="50" charset="-127"/>
                   <a:ea typeface="맑은 고딕" pitchFamily="50" charset="-127"/>
                 </a:rPr>
                 <a:t>.</a:t>
               </a:r>
-            </a:p>
-            <a:p>
-              <a:pPr algn="just">
-                <a:buFont typeface="Arial" pitchFamily="34" charset="0"/>
-                <a:buChar char="•"/>
-              </a:pPr>
               <a:endParaRPr lang="en-US" altLang="ko-KR" sz="1050" dirty="0">
                 <a:latin typeface="맑은 고딕" pitchFamily="50" charset="-127"/>
                 <a:ea typeface="맑은 고딕" pitchFamily="50" charset="-127"/>
@@ -41508,18 +44143,12 @@
                 <a:t>사용한다</a:t>
               </a:r>
               <a:r>
-                <a:rPr lang="en-US" altLang="ko-KR" sz="1050" dirty="0">
+                <a:rPr lang="en-US" altLang="ko-KR" sz="1050" dirty="0" smtClean="0">
                   <a:latin typeface="맑은 고딕" pitchFamily="50" charset="-127"/>
                   <a:ea typeface="맑은 고딕" pitchFamily="50" charset="-127"/>
                 </a:rPr>
                 <a:t>.</a:t>
               </a:r>
-            </a:p>
-            <a:p>
-              <a:pPr algn="just">
-                <a:buFont typeface="Arial" pitchFamily="34" charset="0"/>
-                <a:buChar char="•"/>
-              </a:pPr>
               <a:endParaRPr lang="en-US" altLang="ko-KR" sz="1050" dirty="0">
                 <a:latin typeface="맑은 고딕" pitchFamily="50" charset="-127"/>
                 <a:ea typeface="맑은 고딕" pitchFamily="50" charset="-127"/>
@@ -41545,18 +44174,12 @@
                 <a:t>각 항목명은 직관적으로 한다</a:t>
               </a:r>
               <a:r>
-                <a:rPr lang="en-US" altLang="ko-KR" sz="1050" dirty="0">
+                <a:rPr lang="en-US" altLang="ko-KR" sz="1050" dirty="0" smtClean="0">
                   <a:latin typeface="맑은 고딕" pitchFamily="50" charset="-127"/>
                   <a:ea typeface="맑은 고딕" pitchFamily="50" charset="-127"/>
                 </a:rPr>
                 <a:t>.</a:t>
               </a:r>
-            </a:p>
-            <a:p>
-              <a:pPr algn="just">
-                <a:buFont typeface="Arial" pitchFamily="34" charset="0"/>
-                <a:buChar char="•"/>
-              </a:pPr>
               <a:endParaRPr lang="en-US" altLang="ko-KR" sz="1050" dirty="0">
                 <a:latin typeface="맑은 고딕" pitchFamily="50" charset="-127"/>
                 <a:ea typeface="맑은 고딕" pitchFamily="50" charset="-127"/>
@@ -41579,7 +44202,14 @@
                   <a:latin typeface="맑은 고딕" pitchFamily="50" charset="-127"/>
                   <a:ea typeface="맑은 고딕" pitchFamily="50" charset="-127"/>
                 </a:rPr>
-                <a:t>진행 미완</a:t>
+                <a:t>진행 </a:t>
+              </a:r>
+              <a:r>
+                <a:rPr lang="ko-KR" altLang="en-US" sz="1050" dirty="0" smtClean="0">
+                  <a:latin typeface="맑은 고딕" pitchFamily="50" charset="-127"/>
+                  <a:ea typeface="맑은 고딕" pitchFamily="50" charset="-127"/>
+                </a:rPr>
+                <a:t>중</a:t>
               </a:r>
               <a:r>
                 <a:rPr lang="en-US" altLang="ko-KR" sz="1050" dirty="0" smtClean="0">
@@ -41593,7 +44223,7 @@
                   <a:latin typeface="맑은 고딕" pitchFamily="50" charset="-127"/>
                   <a:ea typeface="맑은 고딕" pitchFamily="50" charset="-127"/>
                 </a:rPr>
-                <a:t>진행 완성</a:t>
+                <a:t>지남</a:t>
               </a:r>
               <a:r>
                 <a:rPr lang="en-US" altLang="ko-KR" sz="1050" dirty="0" smtClean="0">
@@ -41607,7 +44237,7 @@
                   <a:latin typeface="맑은 고딕" pitchFamily="50" charset="-127"/>
                   <a:ea typeface="맑은 고딕" pitchFamily="50" charset="-127"/>
                 </a:rPr>
-                <a:t>지남 미완</a:t>
+                <a:t>완료보임</a:t>
               </a:r>
               <a:r>
                 <a:rPr lang="en-US" altLang="ko-KR" sz="1050" dirty="0" smtClean="0">
@@ -41621,7 +44251,48 @@
                   <a:latin typeface="맑은 고딕" pitchFamily="50" charset="-127"/>
                   <a:ea typeface="맑은 고딕" pitchFamily="50" charset="-127"/>
                 </a:rPr>
-                <a:t>지남 완성</a:t>
+                <a:t>완료보임</a:t>
+              </a:r>
+              <a:r>
+                <a:rPr lang="en-US" altLang="ko-KR" sz="1050" dirty="0" smtClean="0">
+                  <a:latin typeface="맑은 고딕" pitchFamily="50" charset="-127"/>
+                  <a:ea typeface="맑은 고딕" pitchFamily="50" charset="-127"/>
+                </a:rPr>
+                <a:t>X </a:t>
+              </a:r>
+              <a:r>
+                <a:rPr lang="ko-KR" altLang="en-US" sz="1050" dirty="0" smtClean="0">
+                  <a:latin typeface="맑은 고딕" pitchFamily="50" charset="-127"/>
+                  <a:ea typeface="맑은 고딕" pitchFamily="50" charset="-127"/>
+                </a:rPr>
+                <a:t>은 라디오 버튼으로 한다</a:t>
+              </a:r>
+              <a:r>
+                <a:rPr lang="en-US" altLang="ko-KR" sz="1050" dirty="0" smtClean="0">
+                  <a:latin typeface="맑은 고딕" pitchFamily="50" charset="-127"/>
+                  <a:ea typeface="맑은 고딕" pitchFamily="50" charset="-127"/>
+                </a:rPr>
+                <a:t>.</a:t>
+              </a:r>
+            </a:p>
+            <a:p>
+              <a:pPr algn="just">
+                <a:buFont typeface="Arial" pitchFamily="34" charset="0"/>
+                <a:buChar char="•"/>
+              </a:pPr>
+              <a:r>
+                <a:rPr lang="en-US" altLang="ko-KR" sz="1050" dirty="0">
+                  <a:latin typeface="맑은 고딕" pitchFamily="50" charset="-127"/>
+                  <a:ea typeface="맑은 고딕" pitchFamily="50" charset="-127"/>
+                </a:rPr>
+                <a:t> </a:t>
+              </a:r>
+              <a:r>
+                <a:rPr lang="ko-KR" altLang="en-US" sz="1050" dirty="0" smtClean="0">
+                  <a:latin typeface="맑은 고딕" pitchFamily="50" charset="-127"/>
+                  <a:ea typeface="맑은 고딕" pitchFamily="50" charset="-127"/>
+                </a:rPr>
+                <a:t>조회</a:t>
               </a:r>
               <a:r>
                 <a:rPr lang="en-US" altLang="ko-KR" sz="1050" dirty="0" smtClean="0">
@@ -41677,17 +44348,17 @@
                   <a:latin typeface="맑은 고딕" pitchFamily="50" charset="-127"/>
                   <a:ea typeface="맑은 고딕" pitchFamily="50" charset="-127"/>
                 </a:rPr>
-                <a:t>등록</a:t>
+                <a:t>등록은 </a:t>
               </a:r>
-              <a:endParaRPr lang="en-US" altLang="ko-KR" sz="1050" dirty="0" smtClean="0">
-                <a:latin typeface="맑은 고딕" pitchFamily="50" charset="-127"/>
-                <a:ea typeface="맑은 고딕" pitchFamily="50" charset="-127"/>
-              </a:endParaRPr>
-            </a:p>
-            <a:p>
-              <a:pPr algn="just"/>
               <a:r>
-                <a:rPr lang="en-US" altLang="ko-KR" sz="1050" dirty="0">
+                <a:rPr lang="ko-KR" altLang="en-US" sz="1050" dirty="0" err="1" smtClean="0">
+                  <a:latin typeface="맑은 고딕" pitchFamily="50" charset="-127"/>
+                  <a:ea typeface="맑은 고딕" pitchFamily="50" charset="-127"/>
+                </a:rPr>
+                <a:t>푸쉬버튼으로</a:t>
+              </a:r>
+              <a:r>
+                <a:rPr lang="ko-KR" altLang="en-US" sz="1050" dirty="0" smtClean="0">
                   <a:latin typeface="맑은 고딕" pitchFamily="50" charset="-127"/>
                   <a:ea typeface="맑은 고딕" pitchFamily="50" charset="-127"/>
                 </a:rPr>
@@ -41698,7 +44369,7 @@
                   <a:latin typeface="맑은 고딕" pitchFamily="50" charset="-127"/>
                   <a:ea typeface="맑은 고딕" pitchFamily="50" charset="-127"/>
                 </a:rPr>
-                <a:t>은 버튼으로 한다</a:t>
+                <a:t>한다</a:t>
               </a:r>
               <a:r>
                 <a:rPr lang="en-US" altLang="ko-KR" sz="1050" dirty="0" smtClean="0">
@@ -41707,16 +44378,6 @@
                 </a:rPr>
                 <a:t>.</a:t>
               </a:r>
-              <a:endParaRPr lang="en-US" altLang="ko-KR" sz="1050" dirty="0">
-                <a:latin typeface="맑은 고딕" pitchFamily="50" charset="-127"/>
-                <a:ea typeface="맑은 고딕" pitchFamily="50" charset="-127"/>
-              </a:endParaRPr>
-            </a:p>
-            <a:p>
-              <a:pPr algn="just">
-                <a:buFont typeface="Arial" pitchFamily="34" charset="0"/>
-                <a:buChar char="•"/>
-              </a:pPr>
               <a:endParaRPr lang="en-US" altLang="ko-KR" sz="1050" dirty="0">
                 <a:latin typeface="맑은 고딕" pitchFamily="50" charset="-127"/>
                 <a:ea typeface="맑은 고딕" pitchFamily="50" charset="-127"/>
@@ -41748,12 +44409,6 @@
                 </a:rPr>
                 <a:t>.</a:t>
               </a:r>
-            </a:p>
-            <a:p>
-              <a:pPr algn="just">
-                <a:buFont typeface="Arial" pitchFamily="34" charset="0"/>
-                <a:buChar char="•"/>
-              </a:pPr>
               <a:endParaRPr lang="en-US" altLang="ko-KR" sz="1050" dirty="0">
                 <a:latin typeface="맑은 고딕" pitchFamily="50" charset="-127"/>
                 <a:ea typeface="맑은 고딕" pitchFamily="50" charset="-127"/>
@@ -41785,6 +44440,39 @@
                 </a:rPr>
                 <a:t>.</a:t>
               </a:r>
+            </a:p>
+            <a:p>
+              <a:pPr algn="just">
+                <a:buFont typeface="Arial" pitchFamily="34" charset="0"/>
+                <a:buChar char="•"/>
+              </a:pPr>
+              <a:r>
+                <a:rPr lang="en-US" altLang="ko-KR" sz="1050" dirty="0" smtClean="0">
+                  <a:latin typeface="맑은 고딕" pitchFamily="50" charset="-127"/>
+                  <a:ea typeface="맑은 고딕" pitchFamily="50" charset="-127"/>
+                </a:rPr>
+                <a:t> 4</a:t>
+              </a:r>
+              <a:r>
+                <a:rPr lang="ko-KR" altLang="en-US" sz="1050" dirty="0">
+                  <a:latin typeface="맑은 고딕" pitchFamily="50" charset="-127"/>
+                  <a:ea typeface="맑은 고딕" pitchFamily="50" charset="-127"/>
+                </a:rPr>
+                <a:t>개의 버튼은 병렬적이다</a:t>
+              </a:r>
+              <a:r>
+                <a:rPr lang="en-US" altLang="ko-KR" sz="1050" dirty="0">
+                  <a:latin typeface="맑은 고딕" pitchFamily="50" charset="-127"/>
+                  <a:ea typeface="맑은 고딕" pitchFamily="50" charset="-127"/>
+                </a:rPr>
+                <a:t>.</a:t>
+              </a:r>
+            </a:p>
+            <a:p>
+              <a:pPr algn="just">
+                <a:buFont typeface="Arial" pitchFamily="34" charset="0"/>
+                <a:buChar char="•"/>
+              </a:pPr>
               <a:endParaRPr lang="ko-KR" altLang="en-US" sz="1050" dirty="0">
                 <a:latin typeface="맑은 고딕" pitchFamily="50" charset="-127"/>
                 <a:ea typeface="맑은 고딕" pitchFamily="50" charset="-127"/>
@@ -41802,7 +44490,7 @@
           <p:nvPr>
             <p:extLst>
               <p:ext uri="{D42A27DB-BD31-4B8C-83A1-F6EECF244321}">
-                <p14:modId xmlns:p14="http://schemas.microsoft.com/office/powerpoint/2010/main" val="2298568151"/>
+                <p14:modId xmlns:p14="http://schemas.microsoft.com/office/powerpoint/2010/main" val="65440474"/>
               </p:ext>
             </p:extLst>
           </p:nvPr>
@@ -43496,7 +46184,7 @@
       </p:graphicFrame>
       <p:pic>
         <p:nvPicPr>
-          <p:cNvPr id="1026" name="Picture 2"/>
+          <p:cNvPr id="26" name="Picture 2"/>
           <p:cNvPicPr>
             <a:picLocks noChangeAspect="1" noChangeArrowheads="1"/>
           </p:cNvPicPr>
@@ -43517,8 +46205,8 @@
         </p:blipFill>
         <p:spPr bwMode="auto">
           <a:xfrm>
-            <a:off x="517241" y="1285147"/>
-            <a:ext cx="3678133" cy="4854074"/>
+            <a:off x="452588" y="1229731"/>
+            <a:ext cx="3823852" cy="4991998"/>
           </a:xfrm>
           <a:prstGeom prst="rect">
             <a:avLst/>
@@ -43551,7 +46239,7 @@
     </p:spTree>
     <p:extLst>
       <p:ext uri="{BB962C8B-B14F-4D97-AF65-F5344CB8AC3E}">
-        <p14:creationId xmlns:p14="http://schemas.microsoft.com/office/powerpoint/2010/main" val="2447548074"/>
+        <p14:creationId xmlns:p14="http://schemas.microsoft.com/office/powerpoint/2010/main" val="3903134308"/>
       </p:ext>
     </p:extLst>
   </p:cSld>
